--- a/docs/talks/201509-FPL-Tutorial/201509_LEAP_FPL_Tutorial_01_Overview.pptx
+++ b/docs/talks/201509-FPL-Tutorial/201509_LEAP_FPL_Tutorial_01_Overview.pptx
@@ -5,80 +5,81 @@
     <p:sldMasterId id="2147483648" r:id="rId1"/>
   </p:sldMasterIdLst>
   <p:notesMasterIdLst>
-    <p:notesMasterId r:id="rId38"/>
+    <p:notesMasterId r:id="rId39"/>
   </p:notesMasterIdLst>
   <p:handoutMasterIdLst>
-    <p:handoutMasterId r:id="rId39"/>
+    <p:handoutMasterId r:id="rId40"/>
   </p:handoutMasterIdLst>
   <p:sldIdLst>
     <p:sldId id="258" r:id="rId2"/>
-    <p:sldId id="334" r:id="rId3"/>
-    <p:sldId id="259" r:id="rId4"/>
-    <p:sldId id="318" r:id="rId5"/>
-    <p:sldId id="263" r:id="rId6"/>
-    <p:sldId id="327" r:id="rId7"/>
-    <p:sldId id="346" r:id="rId8"/>
-    <p:sldId id="347" r:id="rId9"/>
-    <p:sldId id="348" r:id="rId10"/>
-    <p:sldId id="349" r:id="rId11"/>
-    <p:sldId id="328" r:id="rId12"/>
-    <p:sldId id="298" r:id="rId13"/>
-    <p:sldId id="341" r:id="rId14"/>
-    <p:sldId id="320" r:id="rId15"/>
-    <p:sldId id="312" r:id="rId16"/>
-    <p:sldId id="282" r:id="rId17"/>
-    <p:sldId id="335" r:id="rId18"/>
-    <p:sldId id="329" r:id="rId19"/>
-    <p:sldId id="350" r:id="rId20"/>
-    <p:sldId id="314" r:id="rId21"/>
-    <p:sldId id="306" r:id="rId22"/>
-    <p:sldId id="287" r:id="rId23"/>
-    <p:sldId id="322" r:id="rId24"/>
-    <p:sldId id="323" r:id="rId25"/>
-    <p:sldId id="332" r:id="rId26"/>
-    <p:sldId id="324" r:id="rId27"/>
-    <p:sldId id="342" r:id="rId28"/>
-    <p:sldId id="288" r:id="rId29"/>
-    <p:sldId id="336" r:id="rId30"/>
-    <p:sldId id="337" r:id="rId31"/>
-    <p:sldId id="289" r:id="rId32"/>
-    <p:sldId id="286" r:id="rId33"/>
-    <p:sldId id="351" r:id="rId34"/>
-    <p:sldId id="343" r:id="rId35"/>
-    <p:sldId id="352" r:id="rId36"/>
-    <p:sldId id="295" r:id="rId37"/>
+    <p:sldId id="353" r:id="rId3"/>
+    <p:sldId id="334" r:id="rId4"/>
+    <p:sldId id="259" r:id="rId5"/>
+    <p:sldId id="318" r:id="rId6"/>
+    <p:sldId id="263" r:id="rId7"/>
+    <p:sldId id="327" r:id="rId8"/>
+    <p:sldId id="346" r:id="rId9"/>
+    <p:sldId id="347" r:id="rId10"/>
+    <p:sldId id="348" r:id="rId11"/>
+    <p:sldId id="349" r:id="rId12"/>
+    <p:sldId id="328" r:id="rId13"/>
+    <p:sldId id="298" r:id="rId14"/>
+    <p:sldId id="341" r:id="rId15"/>
+    <p:sldId id="320" r:id="rId16"/>
+    <p:sldId id="312" r:id="rId17"/>
+    <p:sldId id="282" r:id="rId18"/>
+    <p:sldId id="335" r:id="rId19"/>
+    <p:sldId id="329" r:id="rId20"/>
+    <p:sldId id="350" r:id="rId21"/>
+    <p:sldId id="314" r:id="rId22"/>
+    <p:sldId id="306" r:id="rId23"/>
+    <p:sldId id="287" r:id="rId24"/>
+    <p:sldId id="322" r:id="rId25"/>
+    <p:sldId id="323" r:id="rId26"/>
+    <p:sldId id="332" r:id="rId27"/>
+    <p:sldId id="324" r:id="rId28"/>
+    <p:sldId id="342" r:id="rId29"/>
+    <p:sldId id="288" r:id="rId30"/>
+    <p:sldId id="336" r:id="rId31"/>
+    <p:sldId id="337" r:id="rId32"/>
+    <p:sldId id="289" r:id="rId33"/>
+    <p:sldId id="286" r:id="rId34"/>
+    <p:sldId id="351" r:id="rId35"/>
+    <p:sldId id="343" r:id="rId36"/>
+    <p:sldId id="352" r:id="rId37"/>
+    <p:sldId id="295" r:id="rId38"/>
   </p:sldIdLst>
   <p:sldSz cx="9144000" cy="6858000" type="screen4x3"/>
   <p:notesSz cx="6858000" cy="9144000"/>
   <p:embeddedFontLst>
     <p:embeddedFont>
       <p:font typeface="Calibri" panose="020F0502020204030204" pitchFamily="34" charset="0"/>
-      <p:regular r:id="rId40"/>
-      <p:bold r:id="rId41"/>
-      <p:italic r:id="rId42"/>
-      <p:boldItalic r:id="rId43"/>
+      <p:regular r:id="rId41"/>
+      <p:bold r:id="rId42"/>
+      <p:italic r:id="rId43"/>
+      <p:boldItalic r:id="rId44"/>
     </p:embeddedFont>
     <p:embeddedFont>
       <p:font typeface="Consolas" panose="020B0609020204030204" pitchFamily="49" charset="0"/>
-      <p:regular r:id="rId44"/>
-      <p:bold r:id="rId45"/>
-      <p:italic r:id="rId46"/>
-      <p:boldItalic r:id="rId47"/>
+      <p:regular r:id="rId45"/>
+      <p:bold r:id="rId46"/>
+      <p:italic r:id="rId47"/>
+      <p:boldItalic r:id="rId48"/>
     </p:embeddedFont>
     <p:embeddedFont>
       <p:font typeface="Verdana" panose="020B0604030504040204" pitchFamily="34" charset="0"/>
-      <p:regular r:id="rId48"/>
-      <p:bold r:id="rId49"/>
-      <p:italic r:id="rId50"/>
-      <p:boldItalic r:id="rId51"/>
+      <p:regular r:id="rId49"/>
+      <p:bold r:id="rId50"/>
+      <p:italic r:id="rId51"/>
+      <p:boldItalic r:id="rId52"/>
     </p:embeddedFont>
     <p:embeddedFont>
       <p:font typeface="Arial Black" panose="020B0A04020102020204" pitchFamily="34" charset="0"/>
-      <p:bold r:id="rId52"/>
+      <p:bold r:id="rId53"/>
     </p:embeddedFont>
     <p:embeddedFont>
       <p:font typeface="Arial Unicode MS" panose="020B0604020202020204" pitchFamily="34" charset="-128"/>
-      <p:regular r:id="rId53"/>
+      <p:regular r:id="rId54"/>
     </p:embeddedFont>
   </p:embeddedFontLst>
   <p:defaultTextStyle>
@@ -322,11 +323,11 @@
           <c:showBubbleSize val="0"/>
         </c:dLbls>
         <c:gapWidth val="150"/>
-        <c:axId val="265606864"/>
-        <c:axId val="265602552"/>
+        <c:axId val="255973800"/>
+        <c:axId val="255971448"/>
       </c:barChart>
       <c:catAx>
-        <c:axId val="265606864"/>
+        <c:axId val="255973800"/>
         <c:scaling>
           <c:orientation val="minMax"/>
         </c:scaling>
@@ -355,7 +356,7 @@
         <c:majorTickMark val="out"/>
         <c:minorTickMark val="none"/>
         <c:tickLblPos val="nextTo"/>
-        <c:crossAx val="265602552"/>
+        <c:crossAx val="255971448"/>
         <c:crosses val="autoZero"/>
         <c:auto val="1"/>
         <c:lblAlgn val="ctr"/>
@@ -363,7 +364,7 @@
         <c:noMultiLvlLbl val="0"/>
       </c:catAx>
       <c:valAx>
-        <c:axId val="265602552"/>
+        <c:axId val="255971448"/>
         <c:scaling>
           <c:orientation val="minMax"/>
         </c:scaling>
@@ -408,7 +409,7 @@
         <c:majorTickMark val="out"/>
         <c:minorTickMark val="none"/>
         <c:tickLblPos val="nextTo"/>
-        <c:crossAx val="265606864"/>
+        <c:crossAx val="255973800"/>
         <c:crosses val="autoZero"/>
         <c:crossBetween val="between"/>
       </c:valAx>
@@ -832,11 +833,11 @@
           <c:showBubbleSize val="0"/>
         </c:dLbls>
         <c:gapWidth val="150"/>
-        <c:axId val="265604904"/>
-        <c:axId val="265605688"/>
+        <c:axId val="255973016"/>
+        <c:axId val="255972624"/>
       </c:barChart>
       <c:catAx>
-        <c:axId val="265604904"/>
+        <c:axId val="255973016"/>
         <c:scaling>
           <c:orientation val="minMax"/>
         </c:scaling>
@@ -880,7 +881,7 @@
             <a:endParaRPr lang="en-US"/>
           </a:p>
         </c:txPr>
-        <c:crossAx val="265605688"/>
+        <c:crossAx val="255972624"/>
         <c:crosses val="autoZero"/>
         <c:auto val="1"/>
         <c:lblAlgn val="ctr"/>
@@ -888,7 +889,7 @@
         <c:noMultiLvlLbl val="0"/>
       </c:catAx>
       <c:valAx>
-        <c:axId val="265605688"/>
+        <c:axId val="255972624"/>
         <c:scaling>
           <c:orientation val="minMax"/>
         </c:scaling>
@@ -939,7 +940,7 @@
             <a:endParaRPr lang="en-US"/>
           </a:p>
         </c:txPr>
-        <c:crossAx val="265604904"/>
+        <c:crossAx val="255973016"/>
         <c:crosses val="autoZero"/>
         <c:crossBetween val="between"/>
         <c:dispUnits>
@@ -1903,7 +1904,7 @@
             <a:fld id="{00902E3A-12A8-4C59-855A-ABBD2515D79A}" type="slidenum">
               <a:rPr lang="en-US" smtClean="0"/>
               <a:pPr/>
-              <a:t>6</a:t>
+              <a:t>7</a:t>
             </a:fld>
             <a:endParaRPr lang="en-US"/>
           </a:p>
@@ -1988,7 +1989,7 @@
             <a:fld id="{52573617-6798-4895-86E4-F75EB25C93D1}" type="slidenum">
               <a:rPr lang="en-US" smtClean="0"/>
               <a:pPr/>
-              <a:t>23</a:t>
+              <a:t>24</a:t>
             </a:fld>
             <a:endParaRPr lang="en-US"/>
           </a:p>
@@ -2094,7 +2095,7 @@
             <a:fld id="{0C072E16-8BC3-4B00-8D24-3DC641613969}" type="slidenum">
               <a:rPr lang="en-US" smtClean="0"/>
               <a:pPr/>
-              <a:t>24</a:t>
+              <a:t>25</a:t>
             </a:fld>
             <a:endParaRPr lang="en-US"/>
           </a:p>
@@ -2187,7 +2188,7 @@
             <a:pPr lvl="0"/>
             <a:fld id="{9C74B505-B2F1-49C8-AD6B-FB6545329FDC}" type="slidenum">
               <a:rPr lang="en-US" smtClean="0"/>
-              <a:t>31</a:t>
+              <a:t>32</a:t>
             </a:fld>
             <a:endParaRPr lang="en-US"/>
           </a:p>
@@ -2280,7 +2281,7 @@
             <a:pPr lvl="0"/>
             <a:fld id="{9C74B505-B2F1-49C8-AD6B-FB6545329FDC}" type="slidenum">
               <a:rPr lang="en-US" smtClean="0"/>
-              <a:t>32</a:t>
+              <a:t>33</a:t>
             </a:fld>
             <a:endParaRPr lang="en-US"/>
           </a:p>
@@ -2389,7 +2390,7 @@
             <a:fld id="{00902E3A-12A8-4C59-855A-ABBD2515D79A}" type="slidenum">
               <a:rPr lang="en-US" smtClean="0"/>
               <a:pPr/>
-              <a:t>7</a:t>
+              <a:t>8</a:t>
             </a:fld>
             <a:endParaRPr lang="en-US"/>
           </a:p>
@@ -2501,7 +2502,7 @@
             <a:fld id="{00902E3A-12A8-4C59-855A-ABBD2515D79A}" type="slidenum">
               <a:rPr lang="en-US" smtClean="0"/>
               <a:pPr/>
-              <a:t>9</a:t>
+              <a:t>10</a:t>
             </a:fld>
             <a:endParaRPr lang="en-US"/>
           </a:p>
@@ -2602,7 +2603,7 @@
             <a:pPr lvl="0"/>
             <a:fld id="{9C74B505-B2F1-49C8-AD6B-FB6545329FDC}" type="slidenum">
               <a:rPr lang="en-US" smtClean="0"/>
-              <a:t>11</a:t>
+              <a:t>12</a:t>
             </a:fld>
             <a:endParaRPr lang="en-US"/>
           </a:p>
@@ -2695,7 +2696,7 @@
             <a:pPr lvl="0"/>
             <a:fld id="{9C74B505-B2F1-49C8-AD6B-FB6545329FDC}" type="slidenum">
               <a:rPr lang="en-US" smtClean="0"/>
-              <a:t>13</a:t>
+              <a:t>14</a:t>
             </a:fld>
             <a:endParaRPr lang="en-US"/>
           </a:p>
@@ -2798,7 +2799,7 @@
             <a:fld id="{52573617-6798-4895-86E4-F75EB25C93D1}" type="slidenum">
               <a:rPr lang="en-US" smtClean="0"/>
               <a:pPr/>
-              <a:t>15</a:t>
+              <a:t>16</a:t>
             </a:fld>
             <a:endParaRPr lang="en-US"/>
           </a:p>
@@ -2882,7 +2883,7 @@
           <a:p>
             <a:fld id="{3907E3B9-3BF8-48B5-9FAA-179D190C5D6A}" type="slidenum">
               <a:rPr lang="en-US" smtClean="0"/>
-              <a:t>17</a:t>
+              <a:t>18</a:t>
             </a:fld>
             <a:endParaRPr lang="en-US"/>
           </a:p>
@@ -2966,7 +2967,7 @@
           <a:p>
             <a:fld id="{3907E3B9-3BF8-48B5-9FAA-179D190C5D6A}" type="slidenum">
               <a:rPr lang="en-US" smtClean="0"/>
-              <a:t>18</a:t>
+              <a:t>19</a:t>
             </a:fld>
             <a:endParaRPr lang="en-US"/>
           </a:p>
@@ -3071,7 +3072,7 @@
             <a:fld id="{52573617-6798-4895-86E4-F75EB25C93D1}" type="slidenum">
               <a:rPr lang="en-US" smtClean="0"/>
               <a:pPr/>
-              <a:t>22</a:t>
+              <a:t>23</a:t>
             </a:fld>
             <a:endParaRPr lang="en-US"/>
           </a:p>
@@ -5323,7 +5324,7 @@
       </p:grpSpPr>
       <p:sp>
         <p:nvSpPr>
-          <p:cNvPr id="2" name="Title 1"/>
+          <p:cNvPr id="3" name="Title 2"/>
           <p:cNvSpPr>
             <a:spLocks noGrp="1"/>
           </p:cNvSpPr>
@@ -5338,423 +5339,282 @@
           <a:p>
             <a:r>
               <a:rPr lang="en-US" dirty="0" smtClean="0"/>
-              <a:t>Hello World in LEAP</a:t>
+              <a:t>Hello World on FPGA</a:t>
             </a:r>
             <a:endParaRPr lang="en-US" dirty="0"/>
+          </a:p>
+        </p:txBody>
+      </p:sp>
+      <p:graphicFrame>
+        <p:nvGraphicFramePr>
+          <p:cNvPr id="188" name="Object 187"/>
+          <p:cNvGraphicFramePr>
+            <a:graphicFrameLocks noChangeAspect="1"/>
+          </p:cNvGraphicFramePr>
+          <p:nvPr>
+            <p:extLst>
+              <p:ext uri="{D42A27DB-BD31-4B8C-83A1-F6EECF244321}">
+                <p14:modId xmlns:p14="http://schemas.microsoft.com/office/powerpoint/2010/main" val="2488656129"/>
+              </p:ext>
+            </p:extLst>
+          </p:nvPr>
+        </p:nvGraphicFramePr>
+        <p:xfrm>
+          <a:off x="958025" y="-152400"/>
+          <a:ext cx="6413500" cy="3806825"/>
+        </p:xfrm>
+        <a:graphic>
+          <a:graphicData uri="http://schemas.openxmlformats.org/presentationml/2006/ole">
+            <mc:AlternateContent xmlns:mc="http://schemas.openxmlformats.org/markup-compatibility/2006">
+              <mc:Choice xmlns:v="urn:schemas-microsoft-com:vml" Requires="v">
+                <p:oleObj spid="_x0000_s1056" name="Document" r:id="rId4" imgW="6414199" imgH="3806423" progId="Word.Document.12">
+                  <p:embed/>
+                </p:oleObj>
+              </mc:Choice>
+              <mc:Fallback>
+                <p:oleObj name="Document" r:id="rId4" imgW="6414199" imgH="3806423" progId="Word.Document.12">
+                  <p:embed/>
+                  <p:pic>
+                    <p:nvPicPr>
+                      <p:cNvPr id="0" name=""/>
+                      <p:cNvPicPr/>
+                      <p:nvPr/>
+                    </p:nvPicPr>
+                    <p:blipFill>
+                      <a:blip r:embed="rId5"/>
+                      <a:stretch>
+                        <a:fillRect/>
+                      </a:stretch>
+                    </p:blipFill>
+                    <p:spPr>
+                      <a:xfrm>
+                        <a:off x="958025" y="-152400"/>
+                        <a:ext cx="6413500" cy="3806825"/>
+                      </a:xfrm>
+                      <a:prstGeom prst="rect">
+                        <a:avLst/>
+                      </a:prstGeom>
+                    </p:spPr>
+                  </p:pic>
+                </p:oleObj>
+              </mc:Fallback>
+            </mc:AlternateContent>
+          </a:graphicData>
+        </a:graphic>
+      </p:graphicFrame>
+      <p:sp>
+        <p:nvSpPr>
+          <p:cNvPr id="189" name="TextBox 188"/>
+          <p:cNvSpPr txBox="1"/>
+          <p:nvPr/>
+        </p:nvSpPr>
+        <p:spPr>
+          <a:xfrm>
+            <a:off x="2050903" y="3821668"/>
+            <a:ext cx="5010154" cy="369332"/>
+          </a:xfrm>
+          <a:prstGeom prst="rect">
+            <a:avLst/>
+          </a:prstGeom>
+          <a:noFill/>
+        </p:spPr>
+        <p:txBody>
+          <a:bodyPr wrap="none" rtlCol="0">
+            <a:spAutoFit/>
+          </a:bodyPr>
+          <a:lstStyle/>
+          <a:p>
+            <a:r>
+              <a:rPr lang="en-US" dirty="0" smtClean="0">
+                <a:latin typeface="Calibri" pitchFamily="34" charset="0"/>
+              </a:rPr>
+              <a:t>(Excerpt from 300 page Xilinx 7 Series </a:t>
+            </a:r>
+            <a:r>
+              <a:rPr lang="en-US" dirty="0" err="1" smtClean="0">
+                <a:latin typeface="Calibri" pitchFamily="34" charset="0"/>
+              </a:rPr>
+              <a:t>PCIe</a:t>
+            </a:r>
+            <a:r>
+              <a:rPr lang="en-US" dirty="0" smtClean="0">
+                <a:latin typeface="Calibri" pitchFamily="34" charset="0"/>
+              </a:rPr>
+              <a:t> Manual)</a:t>
+            </a:r>
           </a:p>
         </p:txBody>
       </p:sp>
       <p:sp>
         <p:nvSpPr>
-          <p:cNvPr id="3" name="Content Placeholder 2"/>
-          <p:cNvSpPr>
-            <a:spLocks noGrp="1"/>
+          <p:cNvPr id="5" name="Content Placeholder 2"/>
+          <p:cNvSpPr txBox="1">
+            <a:spLocks/>
           </p:cNvSpPr>
-          <p:nvPr>
-            <p:ph idx="1"/>
-          </p:nvPr>
+          <p:nvPr/>
         </p:nvSpPr>
         <p:spPr>
           <a:xfrm>
-            <a:off x="449826" y="1905000"/>
-            <a:ext cx="8233790" cy="4333867"/>
+            <a:off x="454026" y="5103216"/>
+            <a:ext cx="8154981" cy="1362067"/>
           </a:xfrm>
+          <a:prstGeom prst="rect">
+            <a:avLst/>
+          </a:prstGeom>
+          <a:noFill/>
+          <a:ln>
+            <a:noFill/>
+          </a:ln>
         </p:spPr>
         <p:txBody>
-          <a:bodyPr/>
-          <a:lstStyle/>
+          <a:bodyPr vert="horz" wrap="square" lIns="0" tIns="0" rIns="0" bIns="0" anchor="t" anchorCtr="0" compatLnSpc="1"/>
+          <a:lstStyle>
+            <a:lvl1pPr marL="0" marR="0" lvl="0" indent="0" algn="l" defTabSz="914400" rtl="0" fontAlgn="auto" hangingPunct="1">
+              <a:lnSpc>
+                <a:spcPct val="100000"/>
+              </a:lnSpc>
+              <a:spcBef>
+                <a:spcPts val="2000"/>
+              </a:spcBef>
+              <a:spcAft>
+                <a:spcPts val="0"/>
+              </a:spcAft>
+              <a:buNone/>
+              <a:tabLst/>
+              <a:defRPr lang="en-US" sz="2300" b="0" i="0" u="none" strike="noStrike" kern="0" cap="none" spc="0" baseline="0">
+                <a:solidFill>
+                  <a:srgbClr val="061922"/>
+                </a:solidFill>
+                <a:uFillTx/>
+                <a:latin typeface="Calibri" pitchFamily="34"/>
+                <a:cs typeface="Calibri"/>
+              </a:defRPr>
+            </a:lvl1pPr>
+            <a:lvl2pPr marL="155448" marR="0" lvl="1" indent="-182880" algn="l" defTabSz="914400" rtl="0" fontAlgn="auto" hangingPunct="1">
+              <a:lnSpc>
+                <a:spcPct val="100000"/>
+              </a:lnSpc>
+              <a:spcBef>
+                <a:spcPts val="1100"/>
+              </a:spcBef>
+              <a:spcAft>
+                <a:spcPts val="0"/>
+              </a:spcAft>
+              <a:buClr>
+                <a:srgbClr val="061922"/>
+              </a:buClr>
+              <a:buSzPct val="85000"/>
+              <a:buFont typeface="Calibri" pitchFamily="18"/>
+              <a:buChar char="•"/>
+              <a:tabLst/>
+              <a:defRPr lang="en-US" sz="2300" b="0" i="0" u="none" strike="noStrike" kern="0" cap="none" spc="0" baseline="0">
+                <a:solidFill>
+                  <a:srgbClr val="061922"/>
+                </a:solidFill>
+                <a:uFillTx/>
+                <a:latin typeface="Calibri" pitchFamily="34"/>
+                <a:cs typeface="Calibri"/>
+              </a:defRPr>
+            </a:lvl2pPr>
+            <a:lvl3pPr marL="365760" marR="0" lvl="2" indent="-182880" algn="l" defTabSz="914400" rtl="0" fontAlgn="auto" hangingPunct="1">
+              <a:lnSpc>
+                <a:spcPct val="100000"/>
+              </a:lnSpc>
+              <a:spcBef>
+                <a:spcPts val="500"/>
+              </a:spcBef>
+              <a:spcAft>
+                <a:spcPts val="0"/>
+              </a:spcAft>
+              <a:buClr>
+                <a:srgbClr val="061922"/>
+              </a:buClr>
+              <a:buSzPct val="85000"/>
+              <a:buFont typeface="Calibri" pitchFamily="34"/>
+              <a:buChar char="–"/>
+              <a:tabLst/>
+              <a:defRPr lang="en-US" sz="2100" b="0" i="0" u="none" strike="noStrike" kern="0" cap="none" spc="0" baseline="0">
+                <a:solidFill>
+                  <a:srgbClr val="061922"/>
+                </a:solidFill>
+                <a:uFillTx/>
+                <a:latin typeface="Calibri" pitchFamily="34"/>
+                <a:cs typeface="Calibri"/>
+              </a:defRPr>
+            </a:lvl3pPr>
+            <a:lvl4pPr marL="568327" marR="0" lvl="3" indent="-182880" algn="l" defTabSz="914400" rtl="0" fontAlgn="auto" hangingPunct="1">
+              <a:lnSpc>
+                <a:spcPct val="100000"/>
+              </a:lnSpc>
+              <a:spcBef>
+                <a:spcPts val="500"/>
+              </a:spcBef>
+              <a:spcAft>
+                <a:spcPts val="0"/>
+              </a:spcAft>
+              <a:buClr>
+                <a:srgbClr val="061922"/>
+              </a:buClr>
+              <a:buSzPct val="85000"/>
+              <a:buFont typeface="Calibri" pitchFamily="34"/>
+              <a:buChar char="•"/>
+              <a:tabLst/>
+              <a:defRPr lang="en-US" sz="1900" b="0" i="0" u="none" strike="noStrike" kern="0" cap="none" spc="0" baseline="0">
+                <a:solidFill>
+                  <a:srgbClr val="061922"/>
+                </a:solidFill>
+                <a:uFillTx/>
+                <a:latin typeface="Calibri" pitchFamily="34"/>
+                <a:cs typeface="Calibri"/>
+              </a:defRPr>
+            </a:lvl4pPr>
+            <a:lvl5pPr marL="761996" marR="0" lvl="4" indent="-146304" algn="l" defTabSz="914400" rtl="0" fontAlgn="auto" hangingPunct="1">
+              <a:lnSpc>
+                <a:spcPct val="100000"/>
+              </a:lnSpc>
+              <a:spcBef>
+                <a:spcPts val="400"/>
+              </a:spcBef>
+              <a:spcAft>
+                <a:spcPts val="0"/>
+              </a:spcAft>
+              <a:buClr>
+                <a:srgbClr val="061922"/>
+              </a:buClr>
+              <a:buSzPct val="85000"/>
+              <a:buFont typeface="Calibri" pitchFamily="34" charset="0"/>
+              <a:buChar char="–"/>
+              <a:tabLst/>
+              <a:defRPr lang="en-US" sz="1800" b="0" i="0" u="none" strike="noStrike" kern="0" cap="none" spc="0" baseline="0">
+                <a:solidFill>
+                  <a:srgbClr val="061922"/>
+                </a:solidFill>
+                <a:uFillTx/>
+                <a:latin typeface="Calibri" pitchFamily="34"/>
+                <a:cs typeface="Calibri"/>
+              </a:defRPr>
+            </a:lvl5pPr>
+          </a:lstStyle>
           <a:p>
-            <a:pPr marL="0" lvl="4" indent="0">
-              <a:buNone/>
-            </a:pPr>
-            <a:r>
-              <a:rPr lang="en-US" sz="1600" dirty="0">
-                <a:latin typeface="Consolas" pitchFamily="49" charset="0"/>
-                <a:cs typeface="Consolas" pitchFamily="49" charset="0"/>
-              </a:rPr>
-              <a:t>module [CONNECTED_MODULE] </a:t>
-            </a:r>
-            <a:r>
-              <a:rPr lang="en-US" sz="1600" dirty="0" err="1">
-                <a:latin typeface="Consolas" pitchFamily="49" charset="0"/>
-                <a:cs typeface="Consolas" pitchFamily="49" charset="0"/>
-              </a:rPr>
-              <a:t>mkConnectedApplication</a:t>
-            </a:r>
-            <a:r>
-              <a:rPr lang="en-US" sz="1600" dirty="0">
-                <a:latin typeface="Consolas" pitchFamily="49" charset="0"/>
-                <a:cs typeface="Consolas" pitchFamily="49" charset="0"/>
-              </a:rPr>
-              <a:t> </a:t>
-            </a:r>
-            <a:r>
-              <a:rPr lang="en-US" sz="1600" dirty="0" smtClean="0">
-                <a:latin typeface="Consolas" pitchFamily="49" charset="0"/>
-                <a:cs typeface="Consolas" pitchFamily="49" charset="0"/>
-              </a:rPr>
-              <a:t>();</a:t>
-            </a:r>
-            <a:endParaRPr lang="en-US" sz="1600" dirty="0">
-              <a:latin typeface="Consolas" pitchFamily="49" charset="0"/>
-              <a:cs typeface="Consolas" pitchFamily="49" charset="0"/>
-            </a:endParaRPr>
+            <a:pPr lvl="1"/>
+            <a:r>
+              <a:rPr lang="en-US" dirty="0" smtClean="0"/>
+              <a:t>AAAAAAAAAAAAAAAAAH!</a:t>
+            </a:r>
           </a:p>
           <a:p>
-            <a:pPr marL="0" lvl="4" indent="0">
-              <a:buNone/>
-            </a:pPr>
-            <a:endParaRPr lang="en-US" sz="1600" dirty="0" smtClean="0">
-              <a:latin typeface="Consolas" pitchFamily="49" charset="0"/>
-              <a:cs typeface="Consolas" pitchFamily="49" charset="0"/>
-            </a:endParaRPr>
-          </a:p>
-          <a:p>
-            <a:pPr marL="0" lvl="4" indent="0">
-              <a:buNone/>
-            </a:pPr>
-            <a:r>
-              <a:rPr lang="en-US" sz="1600" dirty="0" smtClean="0">
-                <a:latin typeface="Consolas" pitchFamily="49" charset="0"/>
-                <a:cs typeface="Consolas" pitchFamily="49" charset="0"/>
-              </a:rPr>
-              <a:t>    STDIO</a:t>
-            </a:r>
-            <a:r>
-              <a:rPr lang="en-US" sz="1600" dirty="0">
-                <a:latin typeface="Consolas" pitchFamily="49" charset="0"/>
-                <a:cs typeface="Consolas" pitchFamily="49" charset="0"/>
-              </a:rPr>
-              <a:t>#(Bit#(32)) </a:t>
-            </a:r>
-            <a:r>
-              <a:rPr lang="en-US" sz="1600" dirty="0" err="1">
-                <a:latin typeface="Consolas" pitchFamily="49" charset="0"/>
-                <a:cs typeface="Consolas" pitchFamily="49" charset="0"/>
-              </a:rPr>
-              <a:t>stdio</a:t>
-            </a:r>
-            <a:r>
-              <a:rPr lang="en-US" sz="1600" dirty="0">
-                <a:latin typeface="Consolas" pitchFamily="49" charset="0"/>
-                <a:cs typeface="Consolas" pitchFamily="49" charset="0"/>
-              </a:rPr>
-              <a:t> &lt;- </a:t>
-            </a:r>
-            <a:r>
-              <a:rPr lang="en-US" sz="1600" dirty="0" err="1">
-                <a:latin typeface="Consolas" pitchFamily="49" charset="0"/>
-                <a:cs typeface="Consolas" pitchFamily="49" charset="0"/>
-              </a:rPr>
-              <a:t>mkStdIO</a:t>
-            </a:r>
-            <a:r>
-              <a:rPr lang="en-US" sz="1600" dirty="0">
-                <a:latin typeface="Consolas" pitchFamily="49" charset="0"/>
-                <a:cs typeface="Consolas" pitchFamily="49" charset="0"/>
-              </a:rPr>
-              <a:t>();</a:t>
-            </a:r>
-          </a:p>
-          <a:p>
-            <a:pPr marL="0" lvl="4" indent="0">
-              <a:buNone/>
-            </a:pPr>
-            <a:r>
-              <a:rPr lang="en-US" sz="1600" dirty="0">
-                <a:latin typeface="Consolas" pitchFamily="49" charset="0"/>
-                <a:cs typeface="Consolas" pitchFamily="49" charset="0"/>
-              </a:rPr>
-              <a:t>    let </a:t>
-            </a:r>
-            <a:r>
-              <a:rPr lang="en-US" sz="1600" dirty="0" err="1">
-                <a:latin typeface="Consolas" pitchFamily="49" charset="0"/>
-                <a:cs typeface="Consolas" pitchFamily="49" charset="0"/>
-              </a:rPr>
-              <a:t>msg</a:t>
-            </a:r>
-            <a:r>
-              <a:rPr lang="en-US" sz="1600" dirty="0">
-                <a:latin typeface="Consolas" pitchFamily="49" charset="0"/>
-                <a:cs typeface="Consolas" pitchFamily="49" charset="0"/>
-              </a:rPr>
-              <a:t> &lt;- </a:t>
-            </a:r>
-            <a:r>
-              <a:rPr lang="en-US" sz="1600" dirty="0" err="1">
-                <a:latin typeface="Consolas" pitchFamily="49" charset="0"/>
-                <a:cs typeface="Consolas" pitchFamily="49" charset="0"/>
-              </a:rPr>
-              <a:t>getGlobalStringUID</a:t>
-            </a:r>
-            <a:r>
-              <a:rPr lang="en-US" sz="1600" dirty="0">
-                <a:latin typeface="Consolas" pitchFamily="49" charset="0"/>
-                <a:cs typeface="Consolas" pitchFamily="49" charset="0"/>
-              </a:rPr>
-              <a:t>("Hello, </a:t>
-            </a:r>
-            <a:r>
-              <a:rPr lang="en-US" sz="1600" dirty="0" smtClean="0">
-                <a:latin typeface="Consolas" pitchFamily="49" charset="0"/>
-                <a:cs typeface="Consolas" pitchFamily="49" charset="0"/>
-              </a:rPr>
-              <a:t>World!\</a:t>
-            </a:r>
-            <a:r>
-              <a:rPr lang="en-US" sz="1600" dirty="0">
-                <a:latin typeface="Consolas" pitchFamily="49" charset="0"/>
-                <a:cs typeface="Consolas" pitchFamily="49" charset="0"/>
-              </a:rPr>
-              <a:t>n");</a:t>
-            </a:r>
-          </a:p>
-          <a:p>
-            <a:pPr marL="0" lvl="4" indent="0">
-              <a:buNone/>
-            </a:pPr>
-            <a:endParaRPr lang="en-US" sz="1600" dirty="0">
-              <a:latin typeface="Consolas" pitchFamily="49" charset="0"/>
-              <a:cs typeface="Consolas" pitchFamily="49" charset="0"/>
-            </a:endParaRPr>
-          </a:p>
-          <a:p>
-            <a:pPr marL="0" lvl="4" indent="0">
-              <a:buNone/>
-            </a:pPr>
-            <a:r>
-              <a:rPr lang="en-US" sz="1600" dirty="0">
-                <a:latin typeface="Consolas" pitchFamily="49" charset="0"/>
-                <a:cs typeface="Consolas" pitchFamily="49" charset="0"/>
-              </a:rPr>
-              <a:t> </a:t>
-            </a:r>
-            <a:r>
-              <a:rPr lang="en-US" sz="1600" dirty="0" smtClean="0">
-                <a:latin typeface="Consolas" pitchFamily="49" charset="0"/>
-                <a:cs typeface="Consolas" pitchFamily="49" charset="0"/>
-              </a:rPr>
-              <a:t>   </a:t>
-            </a:r>
-            <a:r>
-              <a:rPr lang="en-US" sz="1600" dirty="0" err="1" smtClean="0">
-                <a:latin typeface="Consolas" pitchFamily="49" charset="0"/>
-                <a:cs typeface="Consolas" pitchFamily="49" charset="0"/>
-              </a:rPr>
-              <a:t>Reg</a:t>
-            </a:r>
-            <a:r>
-              <a:rPr lang="en-US" sz="1600" dirty="0">
-                <a:latin typeface="Consolas" pitchFamily="49" charset="0"/>
-                <a:cs typeface="Consolas" pitchFamily="49" charset="0"/>
-              </a:rPr>
-              <a:t>#(STATE) state &lt;- </a:t>
-            </a:r>
-            <a:r>
-              <a:rPr lang="en-US" sz="1600" dirty="0" err="1">
-                <a:latin typeface="Consolas" pitchFamily="49" charset="0"/>
-                <a:cs typeface="Consolas" pitchFamily="49" charset="0"/>
-              </a:rPr>
-              <a:t>mkReg</a:t>
-            </a:r>
-            <a:r>
-              <a:rPr lang="en-US" sz="1600" dirty="0">
-                <a:latin typeface="Consolas" pitchFamily="49" charset="0"/>
-                <a:cs typeface="Consolas" pitchFamily="49" charset="0"/>
-              </a:rPr>
-              <a:t>(</a:t>
-            </a:r>
-            <a:r>
-              <a:rPr lang="en-US" sz="1600" dirty="0" err="1">
-                <a:latin typeface="Consolas" pitchFamily="49" charset="0"/>
-                <a:cs typeface="Consolas" pitchFamily="49" charset="0"/>
-              </a:rPr>
-              <a:t>STATE_start</a:t>
-            </a:r>
-            <a:r>
-              <a:rPr lang="en-US" sz="1600" dirty="0" smtClean="0">
-                <a:latin typeface="Consolas" pitchFamily="49" charset="0"/>
-                <a:cs typeface="Consolas" pitchFamily="49" charset="0"/>
-              </a:rPr>
-              <a:t>);</a:t>
-            </a:r>
-          </a:p>
-          <a:p>
-            <a:pPr marL="0" lvl="4" indent="0">
-              <a:buNone/>
-            </a:pPr>
-            <a:endParaRPr lang="en-US" sz="1600" dirty="0">
-              <a:latin typeface="Consolas" pitchFamily="49" charset="0"/>
-              <a:cs typeface="Consolas" pitchFamily="49" charset="0"/>
-            </a:endParaRPr>
-          </a:p>
-          <a:p>
-            <a:pPr marL="0" lvl="4" indent="0">
-              <a:buNone/>
-            </a:pPr>
-            <a:r>
-              <a:rPr lang="en-US" sz="1600" dirty="0" smtClean="0">
-                <a:latin typeface="Consolas" pitchFamily="49" charset="0"/>
-                <a:cs typeface="Consolas" pitchFamily="49" charset="0"/>
-              </a:rPr>
-              <a:t>    </a:t>
-            </a:r>
-            <a:r>
-              <a:rPr lang="en-US" sz="1600" dirty="0">
-                <a:latin typeface="Consolas" pitchFamily="49" charset="0"/>
-                <a:cs typeface="Consolas" pitchFamily="49" charset="0"/>
-              </a:rPr>
-              <a:t>rule </a:t>
-            </a:r>
-            <a:r>
-              <a:rPr lang="en-US" sz="1600" dirty="0" smtClean="0">
-                <a:latin typeface="Consolas" pitchFamily="49" charset="0"/>
-                <a:cs typeface="Consolas" pitchFamily="49" charset="0"/>
-              </a:rPr>
-              <a:t>hello (state == </a:t>
-            </a:r>
-            <a:r>
-              <a:rPr lang="en-US" sz="1600" dirty="0" err="1" smtClean="0">
-                <a:latin typeface="Consolas" pitchFamily="49" charset="0"/>
-                <a:cs typeface="Consolas" pitchFamily="49" charset="0"/>
-              </a:rPr>
-              <a:t>STATE_start</a:t>
-            </a:r>
-            <a:r>
-              <a:rPr lang="en-US" sz="1600" dirty="0" smtClean="0">
-                <a:latin typeface="Consolas" pitchFamily="49" charset="0"/>
-                <a:cs typeface="Consolas" pitchFamily="49" charset="0"/>
-              </a:rPr>
-              <a:t>);</a:t>
-            </a:r>
-            <a:br>
-              <a:rPr lang="en-US" sz="1600" dirty="0" smtClean="0">
-                <a:latin typeface="Consolas" pitchFamily="49" charset="0"/>
-                <a:cs typeface="Consolas" pitchFamily="49" charset="0"/>
-              </a:rPr>
-            </a:br>
-            <a:r>
-              <a:rPr lang="en-US" sz="1600" dirty="0" smtClean="0">
-                <a:latin typeface="Consolas" pitchFamily="49" charset="0"/>
-                <a:cs typeface="Consolas" pitchFamily="49" charset="0"/>
-              </a:rPr>
-              <a:t>        </a:t>
-            </a:r>
-            <a:r>
-              <a:rPr lang="en-US" sz="1600" dirty="0" err="1">
-                <a:latin typeface="Consolas" pitchFamily="49" charset="0"/>
-                <a:cs typeface="Consolas" pitchFamily="49" charset="0"/>
-              </a:rPr>
-              <a:t>stdio.printf</a:t>
-            </a:r>
-            <a:r>
-              <a:rPr lang="en-US" sz="1600" dirty="0">
-                <a:latin typeface="Consolas" pitchFamily="49" charset="0"/>
-                <a:cs typeface="Consolas" pitchFamily="49" charset="0"/>
-              </a:rPr>
-              <a:t>(</a:t>
-            </a:r>
-            <a:r>
-              <a:rPr lang="en-US" sz="1600" dirty="0" err="1">
-                <a:latin typeface="Consolas" pitchFamily="49" charset="0"/>
-                <a:cs typeface="Consolas" pitchFamily="49" charset="0"/>
-              </a:rPr>
-              <a:t>msg</a:t>
-            </a:r>
-            <a:r>
-              <a:rPr lang="en-US" sz="1600" dirty="0">
-                <a:latin typeface="Consolas" pitchFamily="49" charset="0"/>
-                <a:cs typeface="Consolas" pitchFamily="49" charset="0"/>
-              </a:rPr>
-              <a:t>, List::nil);</a:t>
-            </a:r>
-          </a:p>
-          <a:p>
-            <a:pPr marL="0" lvl="4" indent="0">
-              <a:buNone/>
-            </a:pPr>
-            <a:r>
-              <a:rPr lang="en-US" sz="1600" dirty="0" smtClean="0">
-                <a:latin typeface="Consolas" pitchFamily="49" charset="0"/>
-                <a:cs typeface="Consolas" pitchFamily="49" charset="0"/>
-              </a:rPr>
-              <a:t>        state &lt;= </a:t>
-            </a:r>
-            <a:r>
-              <a:rPr lang="en-US" sz="1600" dirty="0" err="1" smtClean="0">
-                <a:latin typeface="Consolas" pitchFamily="49" charset="0"/>
-                <a:cs typeface="Consolas" pitchFamily="49" charset="0"/>
-              </a:rPr>
-              <a:t>STATE_finish</a:t>
-            </a:r>
-            <a:r>
-              <a:rPr lang="en-US" sz="1600" dirty="0" smtClean="0">
-                <a:latin typeface="Consolas" pitchFamily="49" charset="0"/>
-                <a:cs typeface="Consolas" pitchFamily="49" charset="0"/>
-              </a:rPr>
-              <a:t>;</a:t>
-            </a:r>
-            <a:br>
-              <a:rPr lang="en-US" sz="1600" dirty="0" smtClean="0">
-                <a:latin typeface="Consolas" pitchFamily="49" charset="0"/>
-                <a:cs typeface="Consolas" pitchFamily="49" charset="0"/>
-              </a:rPr>
-            </a:br>
-            <a:r>
-              <a:rPr lang="en-US" sz="1600" dirty="0" smtClean="0">
-                <a:latin typeface="Consolas" pitchFamily="49" charset="0"/>
-                <a:cs typeface="Consolas" pitchFamily="49" charset="0"/>
-              </a:rPr>
-              <a:t>    </a:t>
-            </a:r>
-            <a:r>
-              <a:rPr lang="en-US" sz="1600" dirty="0" err="1" smtClean="0">
-                <a:latin typeface="Consolas" pitchFamily="49" charset="0"/>
-                <a:cs typeface="Consolas" pitchFamily="49" charset="0"/>
-              </a:rPr>
-              <a:t>endrule</a:t>
-            </a:r>
-            <a:endParaRPr lang="en-US" sz="1600" dirty="0">
-              <a:latin typeface="Consolas" pitchFamily="49" charset="0"/>
-              <a:cs typeface="Consolas" pitchFamily="49" charset="0"/>
-            </a:endParaRPr>
-          </a:p>
-          <a:p>
-            <a:pPr marL="0" lvl="4" indent="0">
-              <a:buNone/>
-            </a:pPr>
-            <a:r>
-              <a:rPr lang="en-US" sz="1600" dirty="0" smtClean="0">
-                <a:latin typeface="Consolas" pitchFamily="49" charset="0"/>
-                <a:cs typeface="Consolas" pitchFamily="49" charset="0"/>
-              </a:rPr>
-              <a:t/>
-            </a:r>
-            <a:br>
-              <a:rPr lang="en-US" sz="1600" dirty="0" smtClean="0">
-                <a:latin typeface="Consolas" pitchFamily="49" charset="0"/>
-                <a:cs typeface="Consolas" pitchFamily="49" charset="0"/>
-              </a:rPr>
-            </a:br>
-            <a:r>
-              <a:rPr lang="en-US" sz="1600" dirty="0" err="1" smtClean="0">
-                <a:latin typeface="Consolas" pitchFamily="49" charset="0"/>
-                <a:cs typeface="Consolas" pitchFamily="49" charset="0"/>
-              </a:rPr>
-              <a:t>endmodule</a:t>
-            </a:r>
-            <a:endParaRPr lang="en-US" sz="1600" dirty="0">
-              <a:latin typeface="Consolas" pitchFamily="49" charset="0"/>
-              <a:cs typeface="Consolas" pitchFamily="49" charset="0"/>
-            </a:endParaRPr>
+            <a:pPr lvl="1"/>
+            <a:r>
+              <a:rPr lang="en-US" dirty="0" smtClean="0"/>
+              <a:t>All the software programmers resigned in protest</a:t>
+            </a:r>
           </a:p>
         </p:txBody>
       </p:sp>
     </p:spTree>
     <p:extLst>
       <p:ext uri="{BB962C8B-B14F-4D97-AF65-F5344CB8AC3E}">
-        <p14:creationId xmlns:p14="http://schemas.microsoft.com/office/powerpoint/2010/main" val="1176345301"/>
+        <p14:creationId xmlns:p14="http://schemas.microsoft.com/office/powerpoint/2010/main" val="17079846"/>
       </p:ext>
     </p:extLst>
   </p:cSld>
@@ -5817,7 +5677,7 @@
           <a:p>
             <a:r>
               <a:rPr lang="en-US" dirty="0" smtClean="0"/>
-              <a:t>What do we get from operating environments?</a:t>
+              <a:t>Hello World in LEAP</a:t>
             </a:r>
             <a:endParaRPr lang="en-US" dirty="0"/>
           </a:p>
@@ -5835,112 +5695,405 @@
         </p:nvSpPr>
         <p:spPr>
           <a:xfrm>
-            <a:off x="380999" y="1066800"/>
-            <a:ext cx="8505825" cy="4859331"/>
+            <a:off x="449826" y="1905000"/>
+            <a:ext cx="8233790" cy="4333867"/>
           </a:xfrm>
         </p:spPr>
         <p:txBody>
           <a:bodyPr/>
           <a:lstStyle/>
           <a:p>
-            <a:pPr lvl="1"/>
-            <a:r>
-              <a:rPr lang="en-US" dirty="0" smtClean="0"/>
-              <a:t>Programmers no longer need to focus on infrastructure</a:t>
-            </a:r>
+            <a:pPr marL="0" lvl="4" indent="0">
+              <a:buNone/>
+            </a:pPr>
+            <a:r>
+              <a:rPr lang="en-US" sz="1600" dirty="0">
+                <a:latin typeface="Consolas" pitchFamily="49" charset="0"/>
+                <a:cs typeface="Consolas" pitchFamily="49" charset="0"/>
+              </a:rPr>
+              <a:t>module [CONNECTED_MODULE] </a:t>
+            </a:r>
+            <a:r>
+              <a:rPr lang="en-US" sz="1600" dirty="0" err="1">
+                <a:latin typeface="Consolas" pitchFamily="49" charset="0"/>
+                <a:cs typeface="Consolas" pitchFamily="49" charset="0"/>
+              </a:rPr>
+              <a:t>mkConnectedApplication</a:t>
+            </a:r>
+            <a:r>
+              <a:rPr lang="en-US" sz="1600" dirty="0">
+                <a:latin typeface="Consolas" pitchFamily="49" charset="0"/>
+                <a:cs typeface="Consolas" pitchFamily="49" charset="0"/>
+              </a:rPr>
+              <a:t> </a:t>
+            </a:r>
+            <a:r>
+              <a:rPr lang="en-US" sz="1600" dirty="0" smtClean="0">
+                <a:latin typeface="Consolas" pitchFamily="49" charset="0"/>
+                <a:cs typeface="Consolas" pitchFamily="49" charset="0"/>
+              </a:rPr>
+              <a:t>();</a:t>
+            </a:r>
+            <a:endParaRPr lang="en-US" sz="1600" dirty="0">
+              <a:latin typeface="Consolas" pitchFamily="49" charset="0"/>
+              <a:cs typeface="Consolas" pitchFamily="49" charset="0"/>
+            </a:endParaRPr>
           </a:p>
           <a:p>
-            <a:pPr lvl="2"/>
-            <a:r>
-              <a:rPr lang="en-US" dirty="0" smtClean="0"/>
-              <a:t>Greatly reduced design time, simplified designs</a:t>
-            </a:r>
+            <a:pPr marL="0" lvl="4" indent="0">
+              <a:buNone/>
+            </a:pPr>
+            <a:endParaRPr lang="en-US" sz="1600" dirty="0" smtClean="0">
+              <a:latin typeface="Consolas" pitchFamily="49" charset="0"/>
+              <a:cs typeface="Consolas" pitchFamily="49" charset="0"/>
+            </a:endParaRPr>
           </a:p>
           <a:p>
-            <a:pPr lvl="1"/>
-            <a:r>
-              <a:rPr lang="en-US" dirty="0" smtClean="0"/>
-              <a:t>Advances are shared by all programs	</a:t>
+            <a:pPr marL="0" lvl="4" indent="0">
+              <a:buNone/>
+            </a:pPr>
+            <a:r>
+              <a:rPr lang="en-US" sz="1600" dirty="0" smtClean="0">
+                <a:latin typeface="Consolas" pitchFamily="49" charset="0"/>
+                <a:cs typeface="Consolas" pitchFamily="49" charset="0"/>
+              </a:rPr>
+              <a:t>    STDIO</a:t>
+            </a:r>
+            <a:r>
+              <a:rPr lang="en-US" sz="1600" dirty="0">
+                <a:latin typeface="Consolas" pitchFamily="49" charset="0"/>
+                <a:cs typeface="Consolas" pitchFamily="49" charset="0"/>
+              </a:rPr>
+              <a:t>#(Bit#(32)) </a:t>
+            </a:r>
+            <a:r>
+              <a:rPr lang="en-US" sz="1600" dirty="0" err="1">
+                <a:latin typeface="Consolas" pitchFamily="49" charset="0"/>
+                <a:cs typeface="Consolas" pitchFamily="49" charset="0"/>
+              </a:rPr>
+              <a:t>stdio</a:t>
+            </a:r>
+            <a:r>
+              <a:rPr lang="en-US" sz="1600" dirty="0">
+                <a:latin typeface="Consolas" pitchFamily="49" charset="0"/>
+                <a:cs typeface="Consolas" pitchFamily="49" charset="0"/>
+              </a:rPr>
+              <a:t> &lt;- </a:t>
+            </a:r>
+            <a:r>
+              <a:rPr lang="en-US" sz="1600" dirty="0" err="1">
+                <a:latin typeface="Consolas" pitchFamily="49" charset="0"/>
+                <a:cs typeface="Consolas" pitchFamily="49" charset="0"/>
+              </a:rPr>
+              <a:t>mkStdIO</a:t>
+            </a:r>
+            <a:r>
+              <a:rPr lang="en-US" sz="1600" dirty="0">
+                <a:latin typeface="Consolas" pitchFamily="49" charset="0"/>
+                <a:cs typeface="Consolas" pitchFamily="49" charset="0"/>
+              </a:rPr>
+              <a:t>();</a:t>
             </a:r>
           </a:p>
           <a:p>
-            <a:pPr lvl="2"/>
-            <a:r>
-              <a:rPr lang="en-US" dirty="0" smtClean="0"/>
-              <a:t>New memory systems, scheduling policies, etc. </a:t>
+            <a:pPr marL="0" lvl="4" indent="0">
+              <a:buNone/>
+            </a:pPr>
+            <a:r>
+              <a:rPr lang="en-US" sz="1600" dirty="0">
+                <a:latin typeface="Consolas" pitchFamily="49" charset="0"/>
+                <a:cs typeface="Consolas" pitchFamily="49" charset="0"/>
+              </a:rPr>
+              <a:t>    let </a:t>
+            </a:r>
+            <a:r>
+              <a:rPr lang="en-US" sz="1600" dirty="0" err="1">
+                <a:latin typeface="Consolas" pitchFamily="49" charset="0"/>
+                <a:cs typeface="Consolas" pitchFamily="49" charset="0"/>
+              </a:rPr>
+              <a:t>msg</a:t>
+            </a:r>
+            <a:r>
+              <a:rPr lang="en-US" sz="1600" dirty="0">
+                <a:latin typeface="Consolas" pitchFamily="49" charset="0"/>
+                <a:cs typeface="Consolas" pitchFamily="49" charset="0"/>
+              </a:rPr>
+              <a:t> &lt;- </a:t>
+            </a:r>
+            <a:r>
+              <a:rPr lang="en-US" sz="1600" dirty="0" err="1">
+                <a:latin typeface="Consolas" pitchFamily="49" charset="0"/>
+                <a:cs typeface="Consolas" pitchFamily="49" charset="0"/>
+              </a:rPr>
+              <a:t>getGlobalStringUID</a:t>
+            </a:r>
+            <a:r>
+              <a:rPr lang="en-US" sz="1600" dirty="0">
+                <a:latin typeface="Consolas" pitchFamily="49" charset="0"/>
+                <a:cs typeface="Consolas" pitchFamily="49" charset="0"/>
+              </a:rPr>
+              <a:t>("Hello, </a:t>
+            </a:r>
+            <a:r>
+              <a:rPr lang="en-US" sz="1600" dirty="0" smtClean="0">
+                <a:latin typeface="Consolas" pitchFamily="49" charset="0"/>
+                <a:cs typeface="Consolas" pitchFamily="49" charset="0"/>
+              </a:rPr>
+              <a:t>World!\</a:t>
+            </a:r>
+            <a:r>
+              <a:rPr lang="en-US" sz="1600" dirty="0">
+                <a:latin typeface="Consolas" pitchFamily="49" charset="0"/>
+                <a:cs typeface="Consolas" pitchFamily="49" charset="0"/>
+              </a:rPr>
+              <a:t>n");</a:t>
             </a:r>
           </a:p>
           <a:p>
-            <a:pPr lvl="1"/>
-            <a:r>
-              <a:rPr lang="en-US" dirty="0" smtClean="0"/>
-              <a:t>Wide portability</a:t>
-            </a:r>
+            <a:pPr marL="0" lvl="4" indent="0">
+              <a:buNone/>
+            </a:pPr>
+            <a:endParaRPr lang="en-US" sz="1600" dirty="0">
+              <a:latin typeface="Consolas" pitchFamily="49" charset="0"/>
+              <a:cs typeface="Consolas" pitchFamily="49" charset="0"/>
+            </a:endParaRPr>
           </a:p>
           <a:p>
-            <a:pPr lvl="2"/>
-            <a:r>
-              <a:rPr lang="en-US" dirty="0" smtClean="0"/>
-              <a:t>Enabled by common interfaces</a:t>
+            <a:pPr marL="0" lvl="4" indent="0">
+              <a:buNone/>
+            </a:pPr>
+            <a:r>
+              <a:rPr lang="en-US" sz="1600" dirty="0">
+                <a:latin typeface="Consolas" pitchFamily="49" charset="0"/>
+                <a:cs typeface="Consolas" pitchFamily="49" charset="0"/>
+              </a:rPr>
+              <a:t> </a:t>
+            </a:r>
+            <a:r>
+              <a:rPr lang="en-US" sz="1600" dirty="0" smtClean="0">
+                <a:latin typeface="Consolas" pitchFamily="49" charset="0"/>
+                <a:cs typeface="Consolas" pitchFamily="49" charset="0"/>
+              </a:rPr>
+              <a:t>   </a:t>
+            </a:r>
+            <a:r>
+              <a:rPr lang="en-US" sz="1600" dirty="0" err="1" smtClean="0">
+                <a:latin typeface="Consolas" pitchFamily="49" charset="0"/>
+                <a:cs typeface="Consolas" pitchFamily="49" charset="0"/>
+              </a:rPr>
+              <a:t>Reg</a:t>
+            </a:r>
+            <a:r>
+              <a:rPr lang="en-US" sz="1600" dirty="0">
+                <a:latin typeface="Consolas" pitchFamily="49" charset="0"/>
+                <a:cs typeface="Consolas" pitchFamily="49" charset="0"/>
+              </a:rPr>
+              <a:t>#(STATE) state &lt;- </a:t>
+            </a:r>
+            <a:r>
+              <a:rPr lang="en-US" sz="1600" dirty="0" err="1">
+                <a:latin typeface="Consolas" pitchFamily="49" charset="0"/>
+                <a:cs typeface="Consolas" pitchFamily="49" charset="0"/>
+              </a:rPr>
+              <a:t>mkReg</a:t>
+            </a:r>
+            <a:r>
+              <a:rPr lang="en-US" sz="1600" dirty="0">
+                <a:latin typeface="Consolas" pitchFamily="49" charset="0"/>
+                <a:cs typeface="Consolas" pitchFamily="49" charset="0"/>
+              </a:rPr>
+              <a:t>(</a:t>
+            </a:r>
+            <a:r>
+              <a:rPr lang="en-US" sz="1600" dirty="0" err="1">
+                <a:latin typeface="Consolas" pitchFamily="49" charset="0"/>
+                <a:cs typeface="Consolas" pitchFamily="49" charset="0"/>
+              </a:rPr>
+              <a:t>STATE_start</a:t>
+            </a:r>
+            <a:r>
+              <a:rPr lang="en-US" sz="1600" dirty="0" smtClean="0">
+                <a:latin typeface="Consolas" pitchFamily="49" charset="0"/>
+                <a:cs typeface="Consolas" pitchFamily="49" charset="0"/>
+              </a:rPr>
+              <a:t>);</a:t>
             </a:r>
           </a:p>
           <a:p>
-            <a:pPr lvl="1"/>
-            <a:endParaRPr lang="en-US" dirty="0" smtClean="0"/>
+            <a:pPr marL="0" lvl="4" indent="0">
+              <a:buNone/>
+            </a:pPr>
+            <a:endParaRPr lang="en-US" sz="1600" dirty="0">
+              <a:latin typeface="Consolas" pitchFamily="49" charset="0"/>
+              <a:cs typeface="Consolas" pitchFamily="49" charset="0"/>
+            </a:endParaRPr>
           </a:p>
           <a:p>
-            <a:pPr lvl="1"/>
-            <a:r>
-              <a:rPr lang="en-US" dirty="0" smtClean="0"/>
-              <a:t>What about HLS, </a:t>
-            </a:r>
-            <a:r>
-              <a:rPr lang="en-US" dirty="0" err="1" smtClean="0"/>
-              <a:t>OpenCL</a:t>
-            </a:r>
-            <a:r>
-              <a:rPr lang="en-US" dirty="0" smtClean="0"/>
-              <a:t>, etc.?</a:t>
+            <a:pPr marL="0" lvl="4" indent="0">
+              <a:buNone/>
+            </a:pPr>
+            <a:r>
+              <a:rPr lang="en-US" sz="1600" dirty="0" smtClean="0">
+                <a:latin typeface="Consolas" pitchFamily="49" charset="0"/>
+                <a:cs typeface="Consolas" pitchFamily="49" charset="0"/>
+              </a:rPr>
+              <a:t>    </a:t>
+            </a:r>
+            <a:r>
+              <a:rPr lang="en-US" sz="1600" dirty="0">
+                <a:latin typeface="Consolas" pitchFamily="49" charset="0"/>
+                <a:cs typeface="Consolas" pitchFamily="49" charset="0"/>
+              </a:rPr>
+              <a:t>rule </a:t>
+            </a:r>
+            <a:r>
+              <a:rPr lang="en-US" sz="1600" dirty="0" smtClean="0">
+                <a:latin typeface="Consolas" pitchFamily="49" charset="0"/>
+                <a:cs typeface="Consolas" pitchFamily="49" charset="0"/>
+              </a:rPr>
+              <a:t>hello (state == </a:t>
+            </a:r>
+            <a:r>
+              <a:rPr lang="en-US" sz="1600" dirty="0" err="1" smtClean="0">
+                <a:latin typeface="Consolas" pitchFamily="49" charset="0"/>
+                <a:cs typeface="Consolas" pitchFamily="49" charset="0"/>
+              </a:rPr>
+              <a:t>STATE_start</a:t>
+            </a:r>
+            <a:r>
+              <a:rPr lang="en-US" sz="1600" dirty="0" smtClean="0">
+                <a:latin typeface="Consolas" pitchFamily="49" charset="0"/>
+                <a:cs typeface="Consolas" pitchFamily="49" charset="0"/>
+              </a:rPr>
+              <a:t>);</a:t>
+            </a:r>
+            <a:br>
+              <a:rPr lang="en-US" sz="1600" dirty="0" smtClean="0">
+                <a:latin typeface="Consolas" pitchFamily="49" charset="0"/>
+                <a:cs typeface="Consolas" pitchFamily="49" charset="0"/>
+              </a:rPr>
+            </a:br>
+            <a:r>
+              <a:rPr lang="en-US" sz="1600" dirty="0" smtClean="0">
+                <a:latin typeface="Consolas" pitchFamily="49" charset="0"/>
+                <a:cs typeface="Consolas" pitchFamily="49" charset="0"/>
+              </a:rPr>
+              <a:t>        </a:t>
+            </a:r>
+            <a:r>
+              <a:rPr lang="en-US" sz="1600" dirty="0" err="1">
+                <a:latin typeface="Consolas" pitchFamily="49" charset="0"/>
+                <a:cs typeface="Consolas" pitchFamily="49" charset="0"/>
+              </a:rPr>
+              <a:t>stdio.printf</a:t>
+            </a:r>
+            <a:r>
+              <a:rPr lang="en-US" sz="1600" dirty="0">
+                <a:latin typeface="Consolas" pitchFamily="49" charset="0"/>
+                <a:cs typeface="Consolas" pitchFamily="49" charset="0"/>
+              </a:rPr>
+              <a:t>(</a:t>
+            </a:r>
+            <a:r>
+              <a:rPr lang="en-US" sz="1600" dirty="0" err="1">
+                <a:latin typeface="Consolas" pitchFamily="49" charset="0"/>
+                <a:cs typeface="Consolas" pitchFamily="49" charset="0"/>
+              </a:rPr>
+              <a:t>msg</a:t>
+            </a:r>
+            <a:r>
+              <a:rPr lang="en-US" sz="1600" dirty="0">
+                <a:latin typeface="Consolas" pitchFamily="49" charset="0"/>
+                <a:cs typeface="Consolas" pitchFamily="49" charset="0"/>
+              </a:rPr>
+              <a:t>, List::nil);</a:t>
             </a:r>
           </a:p>
           <a:p>
-            <a:pPr lvl="2"/>
-            <a:r>
-              <a:rPr lang="en-US" dirty="0" smtClean="0"/>
-              <a:t>Promising languages, lots of productivity, etc. </a:t>
-            </a:r>
-            <a:endParaRPr lang="en-US" dirty="0"/>
+            <a:pPr marL="0" lvl="4" indent="0">
+              <a:buNone/>
+            </a:pPr>
+            <a:r>
+              <a:rPr lang="en-US" sz="1600" dirty="0" smtClean="0">
+                <a:latin typeface="Consolas" pitchFamily="49" charset="0"/>
+                <a:cs typeface="Consolas" pitchFamily="49" charset="0"/>
+              </a:rPr>
+              <a:t>        state &lt;= </a:t>
+            </a:r>
+            <a:r>
+              <a:rPr lang="en-US" sz="1600" dirty="0" err="1" smtClean="0">
+                <a:latin typeface="Consolas" pitchFamily="49" charset="0"/>
+                <a:cs typeface="Consolas" pitchFamily="49" charset="0"/>
+              </a:rPr>
+              <a:t>STATE_finish</a:t>
+            </a:r>
+            <a:r>
+              <a:rPr lang="en-US" sz="1600" dirty="0" smtClean="0">
+                <a:latin typeface="Consolas" pitchFamily="49" charset="0"/>
+                <a:cs typeface="Consolas" pitchFamily="49" charset="0"/>
+              </a:rPr>
+              <a:t>;</a:t>
+            </a:r>
+            <a:br>
+              <a:rPr lang="en-US" sz="1600" dirty="0" smtClean="0">
+                <a:latin typeface="Consolas" pitchFamily="49" charset="0"/>
+                <a:cs typeface="Consolas" pitchFamily="49" charset="0"/>
+              </a:rPr>
+            </a:br>
+            <a:r>
+              <a:rPr lang="en-US" sz="1600" dirty="0" smtClean="0">
+                <a:latin typeface="Consolas" pitchFamily="49" charset="0"/>
+                <a:cs typeface="Consolas" pitchFamily="49" charset="0"/>
+              </a:rPr>
+              <a:t>    </a:t>
+            </a:r>
+            <a:r>
+              <a:rPr lang="en-US" sz="1600" dirty="0" err="1" smtClean="0">
+                <a:latin typeface="Consolas" pitchFamily="49" charset="0"/>
+                <a:cs typeface="Consolas" pitchFamily="49" charset="0"/>
+              </a:rPr>
+              <a:t>endrule</a:t>
+            </a:r>
+            <a:endParaRPr lang="en-US" sz="1600" dirty="0">
+              <a:latin typeface="Consolas" pitchFamily="49" charset="0"/>
+              <a:cs typeface="Consolas" pitchFamily="49" charset="0"/>
+            </a:endParaRPr>
           </a:p>
           <a:p>
-            <a:pPr lvl="2"/>
-            <a:r>
-              <a:rPr lang="en-US" dirty="0" smtClean="0"/>
-              <a:t> Java and C++ don’t implement OS kernels</a:t>
-            </a:r>
-          </a:p>
-          <a:p>
-            <a:pPr lvl="2"/>
-            <a:r>
-              <a:rPr lang="en-US" dirty="0" smtClean="0"/>
-              <a:t>All programming environments benefit from a shared OS</a:t>
-            </a:r>
-          </a:p>
-          <a:p>
-            <a:pPr lvl="2"/>
-            <a:endParaRPr lang="en-US" dirty="0" smtClean="0"/>
-          </a:p>
-          <a:p>
-            <a:pPr marL="385447" lvl="3" indent="0">
+            <a:pPr marL="0" lvl="4" indent="0">
               <a:buNone/>
             </a:pPr>
-            <a:endParaRPr lang="en-US" dirty="0"/>
+            <a:r>
+              <a:rPr lang="en-US" sz="1600" dirty="0" smtClean="0">
+                <a:latin typeface="Consolas" pitchFamily="49" charset="0"/>
+                <a:cs typeface="Consolas" pitchFamily="49" charset="0"/>
+              </a:rPr>
+              <a:t/>
+            </a:r>
+            <a:br>
+              <a:rPr lang="en-US" sz="1600" dirty="0" smtClean="0">
+                <a:latin typeface="Consolas" pitchFamily="49" charset="0"/>
+                <a:cs typeface="Consolas" pitchFamily="49" charset="0"/>
+              </a:rPr>
+            </a:br>
+            <a:r>
+              <a:rPr lang="en-US" sz="1600" dirty="0" err="1" smtClean="0">
+                <a:latin typeface="Consolas" pitchFamily="49" charset="0"/>
+                <a:cs typeface="Consolas" pitchFamily="49" charset="0"/>
+              </a:rPr>
+              <a:t>endmodule</a:t>
+            </a:r>
+            <a:endParaRPr lang="en-US" sz="1600" dirty="0">
+              <a:latin typeface="Consolas" pitchFamily="49" charset="0"/>
+              <a:cs typeface="Consolas" pitchFamily="49" charset="0"/>
+            </a:endParaRPr>
           </a:p>
         </p:txBody>
       </p:sp>
     </p:spTree>
     <p:extLst>
       <p:ext uri="{BB962C8B-B14F-4D97-AF65-F5344CB8AC3E}">
-        <p14:creationId xmlns:p14="http://schemas.microsoft.com/office/powerpoint/2010/main" val="3058692279"/>
+        <p14:creationId xmlns:p14="http://schemas.microsoft.com/office/powerpoint/2010/main" val="1176345301"/>
       </p:ext>
     </p:extLst>
   </p:cSld>
@@ -6003,6 +6156,192 @@
           <a:p>
             <a:r>
               <a:rPr lang="en-US" dirty="0" smtClean="0"/>
+              <a:t>What do we get from operating environments?</a:t>
+            </a:r>
+            <a:endParaRPr lang="en-US" dirty="0"/>
+          </a:p>
+        </p:txBody>
+      </p:sp>
+      <p:sp>
+        <p:nvSpPr>
+          <p:cNvPr id="3" name="Content Placeholder 2"/>
+          <p:cNvSpPr>
+            <a:spLocks noGrp="1"/>
+          </p:cNvSpPr>
+          <p:nvPr>
+            <p:ph idx="1"/>
+          </p:nvPr>
+        </p:nvSpPr>
+        <p:spPr>
+          <a:xfrm>
+            <a:off x="380999" y="1066800"/>
+            <a:ext cx="8505825" cy="4859331"/>
+          </a:xfrm>
+        </p:spPr>
+        <p:txBody>
+          <a:bodyPr/>
+          <a:lstStyle/>
+          <a:p>
+            <a:pPr lvl="1"/>
+            <a:r>
+              <a:rPr lang="en-US" dirty="0" smtClean="0"/>
+              <a:t>Programmers no longer need to focus on infrastructure</a:t>
+            </a:r>
+          </a:p>
+          <a:p>
+            <a:pPr lvl="2"/>
+            <a:r>
+              <a:rPr lang="en-US" dirty="0" smtClean="0"/>
+              <a:t>Greatly reduced design time, simplified designs</a:t>
+            </a:r>
+          </a:p>
+          <a:p>
+            <a:pPr lvl="1"/>
+            <a:r>
+              <a:rPr lang="en-US" dirty="0" smtClean="0"/>
+              <a:t>Advances are shared by all programs	</a:t>
+            </a:r>
+          </a:p>
+          <a:p>
+            <a:pPr lvl="2"/>
+            <a:r>
+              <a:rPr lang="en-US" dirty="0" smtClean="0"/>
+              <a:t>New memory systems, scheduling policies, etc. </a:t>
+            </a:r>
+          </a:p>
+          <a:p>
+            <a:pPr lvl="1"/>
+            <a:r>
+              <a:rPr lang="en-US" dirty="0" smtClean="0"/>
+              <a:t>Wide portability</a:t>
+            </a:r>
+          </a:p>
+          <a:p>
+            <a:pPr lvl="2"/>
+            <a:r>
+              <a:rPr lang="en-US" dirty="0" smtClean="0"/>
+              <a:t>Enabled by common interfaces</a:t>
+            </a:r>
+          </a:p>
+          <a:p>
+            <a:pPr lvl="1"/>
+            <a:endParaRPr lang="en-US" dirty="0" smtClean="0"/>
+          </a:p>
+          <a:p>
+            <a:pPr lvl="1"/>
+            <a:r>
+              <a:rPr lang="en-US" dirty="0" smtClean="0"/>
+              <a:t>What about HLS, </a:t>
+            </a:r>
+            <a:r>
+              <a:rPr lang="en-US" dirty="0" err="1" smtClean="0"/>
+              <a:t>OpenCL</a:t>
+            </a:r>
+            <a:r>
+              <a:rPr lang="en-US" dirty="0" smtClean="0"/>
+              <a:t>, etc.?</a:t>
+            </a:r>
+          </a:p>
+          <a:p>
+            <a:pPr lvl="2"/>
+            <a:r>
+              <a:rPr lang="en-US" dirty="0" smtClean="0"/>
+              <a:t>Promising languages, lots of productivity, etc. </a:t>
+            </a:r>
+            <a:endParaRPr lang="en-US" dirty="0"/>
+          </a:p>
+          <a:p>
+            <a:pPr lvl="2"/>
+            <a:r>
+              <a:rPr lang="en-US" dirty="0" smtClean="0"/>
+              <a:t> Java and C++ don’t implement OS kernels</a:t>
+            </a:r>
+          </a:p>
+          <a:p>
+            <a:pPr lvl="2"/>
+            <a:r>
+              <a:rPr lang="en-US" dirty="0" smtClean="0"/>
+              <a:t>All programming environments benefit from a shared OS</a:t>
+            </a:r>
+          </a:p>
+          <a:p>
+            <a:pPr lvl="2"/>
+            <a:endParaRPr lang="en-US" dirty="0" smtClean="0"/>
+          </a:p>
+          <a:p>
+            <a:pPr marL="385447" lvl="3" indent="0">
+              <a:buNone/>
+            </a:pPr>
+            <a:endParaRPr lang="en-US" dirty="0"/>
+          </a:p>
+        </p:txBody>
+      </p:sp>
+    </p:spTree>
+    <p:extLst>
+      <p:ext uri="{BB962C8B-B14F-4D97-AF65-F5344CB8AC3E}">
+        <p14:creationId xmlns:p14="http://schemas.microsoft.com/office/powerpoint/2010/main" val="3058692279"/>
+      </p:ext>
+    </p:extLst>
+  </p:cSld>
+  <p:clrMapOvr>
+    <a:masterClrMapping/>
+  </p:clrMapOvr>
+  <mc:AlternateContent xmlns:mc="http://schemas.openxmlformats.org/markup-compatibility/2006" xmlns:p14="http://schemas.microsoft.com/office/powerpoint/2010/main">
+    <mc:Choice Requires="p14">
+      <p:transition p14:dur="100">
+        <p:fade/>
+      </p:transition>
+    </mc:Choice>
+    <mc:Fallback xmlns="">
+      <p:transition>
+        <p:fade/>
+      </p:transition>
+    </mc:Fallback>
+  </mc:AlternateContent>
+  <p:timing>
+    <p:tnLst>
+      <p:par>
+        <p:cTn id="1" dur="indefinite" restart="never" nodeType="tmRoot"/>
+      </p:par>
+    </p:tnLst>
+  </p:timing>
+</p:sld>
+</file>
+
+<file path=ppt/slides/slide13.xml><?xml version="1.0" encoding="utf-8"?>
+<p:sld xmlns:a="http://schemas.openxmlformats.org/drawingml/2006/main" xmlns:r="http://schemas.openxmlformats.org/officeDocument/2006/relationships" xmlns:p="http://schemas.openxmlformats.org/presentationml/2006/main">
+  <p:cSld>
+    <p:spTree>
+      <p:nvGrpSpPr>
+        <p:cNvPr id="1" name=""/>
+        <p:cNvGrpSpPr/>
+        <p:nvPr/>
+      </p:nvGrpSpPr>
+      <p:grpSpPr>
+        <a:xfrm>
+          <a:off x="0" y="0"/>
+          <a:ext cx="0" cy="0"/>
+          <a:chOff x="0" y="0"/>
+          <a:chExt cx="0" cy="0"/>
+        </a:xfrm>
+      </p:grpSpPr>
+      <p:sp>
+        <p:nvSpPr>
+          <p:cNvPr id="2" name="Title 1"/>
+          <p:cNvSpPr>
+            <a:spLocks noGrp="1"/>
+          </p:cNvSpPr>
+          <p:nvPr>
+            <p:ph type="title"/>
+          </p:nvPr>
+        </p:nvSpPr>
+        <p:spPr/>
+        <p:txBody>
+          <a:bodyPr/>
+          <a:lstStyle/>
+          <a:p>
+            <a:r>
+              <a:rPr lang="en-US" dirty="0" smtClean="0"/>
               <a:t>Requirements of any operating environment</a:t>
             </a:r>
             <a:endParaRPr lang="en-US" dirty="0"/>
@@ -6141,7 +6480,7 @@
 </p:sld>
 </file>
 
-<file path=ppt/slides/slide13.xml><?xml version="1.0" encoding="utf-8"?>
+<file path=ppt/slides/slide14.xml><?xml version="1.0" encoding="utf-8"?>
 <p:sld xmlns:a="http://schemas.openxmlformats.org/drawingml/2006/main" xmlns:r="http://schemas.openxmlformats.org/officeDocument/2006/relationships" xmlns:p="http://schemas.openxmlformats.org/presentationml/2006/main">
   <p:cSld>
     <p:spTree>
@@ -6228,7 +6567,7 @@
 </p:sld>
 </file>
 
-<file path=ppt/slides/slide14.xml><?xml version="1.0" encoding="utf-8"?>
+<file path=ppt/slides/slide15.xml><?xml version="1.0" encoding="utf-8"?>
 <p:sld xmlns:a="http://schemas.openxmlformats.org/drawingml/2006/main" xmlns:r="http://schemas.openxmlformats.org/officeDocument/2006/relationships" xmlns:p="http://schemas.openxmlformats.org/presentationml/2006/main">
   <p:cSld>
     <p:spTree>
@@ -7111,7 +7450,7 @@
 </p:sld>
 </file>
 
-<file path=ppt/slides/slide15.xml><?xml version="1.0" encoding="utf-8"?>
+<file path=ppt/slides/slide16.xml><?xml version="1.0" encoding="utf-8"?>
 <p:sld xmlns:a="http://schemas.openxmlformats.org/drawingml/2006/main" xmlns:r="http://schemas.openxmlformats.org/officeDocument/2006/relationships" xmlns:p="http://schemas.openxmlformats.org/presentationml/2006/main">
   <p:cSld>
     <p:spTree>
@@ -7258,7 +7597,7 @@
 </p:sld>
 </file>
 
-<file path=ppt/slides/slide16.xml><?xml version="1.0" encoding="utf-8"?>
+<file path=ppt/slides/slide17.xml><?xml version="1.0" encoding="utf-8"?>
 <p:sld xmlns:a="http://schemas.openxmlformats.org/drawingml/2006/main" xmlns:r="http://schemas.openxmlformats.org/officeDocument/2006/relationships" xmlns:p="http://schemas.openxmlformats.org/presentationml/2006/main">
   <p:cSld>
     <p:spTree>
@@ -11137,7 +11476,7 @@
 </p:sld>
 </file>
 
-<file path=ppt/slides/slide17.xml><?xml version="1.0" encoding="utf-8"?>
+<file path=ppt/slides/slide18.xml><?xml version="1.0" encoding="utf-8"?>
 <p:sld xmlns:a="http://schemas.openxmlformats.org/drawingml/2006/main" xmlns:r="http://schemas.openxmlformats.org/officeDocument/2006/relationships" xmlns:p="http://schemas.openxmlformats.org/presentationml/2006/main">
   <p:cSld>
     <p:spTree>
@@ -13701,7 +14040,7 @@
 </p:sld>
 </file>
 
-<file path=ppt/slides/slide18.xml><?xml version="1.0" encoding="utf-8"?>
+<file path=ppt/slides/slide19.xml><?xml version="1.0" encoding="utf-8"?>
 <p:sld xmlns:a="http://schemas.openxmlformats.org/drawingml/2006/main" xmlns:r="http://schemas.openxmlformats.org/officeDocument/2006/relationships" xmlns:p="http://schemas.openxmlformats.org/presentationml/2006/main">
   <p:cSld>
     <p:spTree>
@@ -15073,7 +15412,156 @@
 </p:sld>
 </file>
 
-<file path=ppt/slides/slide19.xml><?xml version="1.0" encoding="utf-8"?>
+<file path=ppt/slides/slide2.xml><?xml version="1.0" encoding="utf-8"?>
+<p:sld xmlns:a="http://schemas.openxmlformats.org/drawingml/2006/main" xmlns:r="http://schemas.openxmlformats.org/officeDocument/2006/relationships" xmlns:p="http://schemas.openxmlformats.org/presentationml/2006/main">
+  <p:cSld>
+    <p:spTree>
+      <p:nvGrpSpPr>
+        <p:cNvPr id="1" name=""/>
+        <p:cNvGrpSpPr/>
+        <p:nvPr/>
+      </p:nvGrpSpPr>
+      <p:grpSpPr>
+        <a:xfrm>
+          <a:off x="0" y="0"/>
+          <a:ext cx="0" cy="0"/>
+          <a:chOff x="0" y="0"/>
+          <a:chExt cx="0" cy="0"/>
+        </a:xfrm>
+      </p:grpSpPr>
+      <p:sp>
+        <p:nvSpPr>
+          <p:cNvPr id="3" name="Title 2"/>
+          <p:cNvSpPr>
+            <a:spLocks noGrp="1"/>
+          </p:cNvSpPr>
+          <p:nvPr>
+            <p:ph type="title"/>
+          </p:nvPr>
+        </p:nvSpPr>
+        <p:spPr/>
+        <p:txBody>
+          <a:bodyPr/>
+          <a:lstStyle/>
+          <a:p>
+            <a:r>
+              <a:rPr lang="en-US" dirty="0" smtClean="0"/>
+              <a:t>Agenda</a:t>
+            </a:r>
+            <a:endParaRPr lang="en-US" dirty="0"/>
+          </a:p>
+        </p:txBody>
+      </p:sp>
+      <p:sp>
+        <p:nvSpPr>
+          <p:cNvPr id="4" name="Content Placeholder 3"/>
+          <p:cNvSpPr>
+            <a:spLocks noGrp="1"/>
+          </p:cNvSpPr>
+          <p:nvPr>
+            <p:ph idx="1"/>
+          </p:nvPr>
+        </p:nvSpPr>
+        <p:spPr/>
+        <p:txBody>
+          <a:bodyPr/>
+          <a:lstStyle/>
+          <a:p>
+            <a:pPr lvl="1"/>
+            <a:r>
+              <a:rPr lang="en-US" dirty="0" smtClean="0"/>
+              <a:t>First half</a:t>
+            </a:r>
+          </a:p>
+          <a:p>
+            <a:pPr lvl="2"/>
+            <a:r>
+              <a:rPr lang="en-US" dirty="0" smtClean="0"/>
+              <a:t>LEAP overview</a:t>
+            </a:r>
+          </a:p>
+          <a:p>
+            <a:pPr lvl="2"/>
+            <a:r>
+              <a:rPr lang="en-US" dirty="0" smtClean="0"/>
+              <a:t>Virtual machine setup</a:t>
+            </a:r>
+          </a:p>
+          <a:p>
+            <a:pPr lvl="2"/>
+            <a:r>
+              <a:rPr lang="en-US" dirty="0" smtClean="0"/>
+              <a:t>Hello world overview and lab</a:t>
+            </a:r>
+            <a:br>
+              <a:rPr lang="en-US" dirty="0" smtClean="0"/>
+            </a:br>
+            <a:endParaRPr lang="en-US" dirty="0" smtClean="0"/>
+          </a:p>
+          <a:p>
+            <a:pPr lvl="1"/>
+            <a:r>
+              <a:rPr lang="en-US" dirty="0" smtClean="0"/>
+              <a:t>Second half</a:t>
+            </a:r>
+          </a:p>
+          <a:p>
+            <a:pPr lvl="2"/>
+            <a:r>
+              <a:rPr lang="en-US" dirty="0" smtClean="0"/>
+              <a:t>LEAP memory</a:t>
+            </a:r>
+          </a:p>
+          <a:p>
+            <a:pPr lvl="2"/>
+            <a:r>
+              <a:rPr lang="en-US" dirty="0" smtClean="0"/>
+              <a:t>HLS memory</a:t>
+            </a:r>
+          </a:p>
+          <a:p>
+            <a:pPr lvl="2"/>
+            <a:r>
+              <a:rPr lang="en-US" dirty="0" smtClean="0"/>
+              <a:t>Memory lab</a:t>
+            </a:r>
+            <a:endParaRPr lang="en-US" dirty="0"/>
+          </a:p>
+        </p:txBody>
+      </p:sp>
+    </p:spTree>
+    <p:extLst>
+      <p:ext uri="{BB962C8B-B14F-4D97-AF65-F5344CB8AC3E}">
+        <p14:creationId xmlns:p14="http://schemas.microsoft.com/office/powerpoint/2010/main" val="3407068955"/>
+      </p:ext>
+    </p:extLst>
+  </p:cSld>
+  <p:clrMapOvr>
+    <a:masterClrMapping/>
+  </p:clrMapOvr>
+  <mc:AlternateContent xmlns:mc="http://schemas.openxmlformats.org/markup-compatibility/2006">
+    <mc:Choice xmlns:p14="http://schemas.microsoft.com/office/powerpoint/2010/main" Requires="p14">
+      <p:transition p14:dur="100">
+        <p:fade/>
+      </p:transition>
+    </mc:Choice>
+    <mc:Fallback>
+      <p:transition>
+        <p:fade/>
+      </p:transition>
+    </mc:Fallback>
+  </mc:AlternateContent>
+  <p:timing>
+    <p:tnLst>
+      <p:par>
+        <p:cTn id="1" dur="indefinite" restart="never" nodeType="tmRoot"/>
+      </p:par>
+    </p:tnLst>
+  </p:timing>
+</p:sld>
+</file>
+
+<file path=ppt/slides/slide20.xml><?xml version="1.0" encoding="utf-8"?>
 <p:sld xmlns:a="http://schemas.openxmlformats.org/drawingml/2006/main" xmlns:r="http://schemas.openxmlformats.org/officeDocument/2006/relationships" xmlns:p="http://schemas.openxmlformats.org/presentationml/2006/main">
   <p:cSld>
     <p:spTree>
@@ -17576,542 +18064,7 @@
 </p:sld>
 </file>
 
-<file path=ppt/slides/slide2.xml><?xml version="1.0" encoding="utf-8"?>
-<p:sld xmlns:a="http://schemas.openxmlformats.org/drawingml/2006/main" xmlns:r="http://schemas.openxmlformats.org/officeDocument/2006/relationships" xmlns:p="http://schemas.openxmlformats.org/presentationml/2006/main">
-  <p:cSld>
-    <p:spTree>
-      <p:nvGrpSpPr>
-        <p:cNvPr id="1" name=""/>
-        <p:cNvGrpSpPr/>
-        <p:nvPr/>
-      </p:nvGrpSpPr>
-      <p:grpSpPr>
-        <a:xfrm>
-          <a:off x="0" y="0"/>
-          <a:ext cx="0" cy="0"/>
-          <a:chOff x="0" y="0"/>
-          <a:chExt cx="0" cy="0"/>
-        </a:xfrm>
-      </p:grpSpPr>
-      <p:pic>
-        <p:nvPicPr>
-          <p:cNvPr id="5" name="Picture 4" descr="https://encrypted-tbn1.gstatic.com/images?q=tbn:ANd9GcTTJRL-bNCAnFwOiJLG5M2-OqfegYkdwWj6xNT1nxiteTvwctj5bw"/>
-          <p:cNvPicPr>
-            <a:picLocks noChangeAspect="1" noChangeArrowheads="1"/>
-          </p:cNvPicPr>
-          <p:nvPr/>
-        </p:nvPicPr>
-        <p:blipFill>
-          <a:blip r:embed="rId3">
-            <a:extLst>
-              <a:ext uri="{28A0092B-C50C-407E-A947-70E740481C1C}">
-                <a14:useLocalDpi xmlns:a14="http://schemas.microsoft.com/office/drawing/2010/main" val="0"/>
-              </a:ext>
-            </a:extLst>
-          </a:blip>
-          <a:srcRect/>
-          <a:stretch>
-            <a:fillRect/>
-          </a:stretch>
-        </p:blipFill>
-        <p:spPr bwMode="auto">
-          <a:xfrm>
-            <a:off x="484201" y="4326307"/>
-            <a:ext cx="1676400" cy="864394"/>
-          </a:xfrm>
-          <a:prstGeom prst="rect">
-            <a:avLst/>
-          </a:prstGeom>
-          <a:noFill/>
-          <a:extLst>
-            <a:ext uri="{909E8E84-426E-40DD-AFC4-6F175D3DCCD1}">
-              <a14:hiddenFill xmlns:a14="http://schemas.microsoft.com/office/drawing/2010/main">
-                <a:solidFill>
-                  <a:srgbClr val="FFFFFF"/>
-                </a:solidFill>
-              </a14:hiddenFill>
-            </a:ext>
-          </a:extLst>
-        </p:spPr>
-      </p:pic>
-      <p:pic>
-        <p:nvPicPr>
-          <p:cNvPr id="6" name="Picture 5" descr="http://t1.gstatic.com/images?q=tbn:ANd9GcQmeH9rxwsQJBJUi_Zj73x5yOi572VYWMewlH6fq204HDzT8rQY"/>
-          <p:cNvPicPr>
-            <a:picLocks noChangeAspect="1" noChangeArrowheads="1"/>
-          </p:cNvPicPr>
-          <p:nvPr/>
-        </p:nvPicPr>
-        <p:blipFill>
-          <a:blip r:embed="rId4">
-            <a:extLst>
-              <a:ext uri="{28A0092B-C50C-407E-A947-70E740481C1C}">
-                <a14:useLocalDpi xmlns:a14="http://schemas.microsoft.com/office/drawing/2010/main" val="0"/>
-              </a:ext>
-            </a:extLst>
-          </a:blip>
-          <a:srcRect/>
-          <a:stretch>
-            <a:fillRect/>
-          </a:stretch>
-        </p:blipFill>
-        <p:spPr bwMode="auto">
-          <a:xfrm>
-            <a:off x="356401" y="5764526"/>
-            <a:ext cx="2705100" cy="623223"/>
-          </a:xfrm>
-          <a:prstGeom prst="rect">
-            <a:avLst/>
-          </a:prstGeom>
-          <a:noFill/>
-          <a:extLst>
-            <a:ext uri="{909E8E84-426E-40DD-AFC4-6F175D3DCCD1}">
-              <a14:hiddenFill xmlns:a14="http://schemas.microsoft.com/office/drawing/2010/main">
-                <a:solidFill>
-                  <a:srgbClr val="FFFFFF"/>
-                </a:solidFill>
-              </a14:hiddenFill>
-            </a:ext>
-          </a:extLst>
-        </p:spPr>
-      </p:pic>
-      <p:pic>
-        <p:nvPicPr>
-          <p:cNvPr id="8" name="Picture 7" descr="Longhorn Logo"/>
-          <p:cNvPicPr>
-            <a:picLocks noChangeAspect="1" noChangeArrowheads="1"/>
-          </p:cNvPicPr>
-          <p:nvPr/>
-        </p:nvPicPr>
-        <p:blipFill rotWithShape="1">
-          <a:blip r:embed="rId5">
-            <a:extLst>
-              <a:ext uri="{28A0092B-C50C-407E-A947-70E740481C1C}">
-                <a14:useLocalDpi xmlns:a14="http://schemas.microsoft.com/office/drawing/2010/main" val="0"/>
-              </a:ext>
-            </a:extLst>
-          </a:blip>
-          <a:srcRect t="68503" r="58853" b="5966"/>
-          <a:stretch/>
-        </p:blipFill>
-        <p:spPr bwMode="auto">
-          <a:xfrm>
-            <a:off x="6746886" y="5562495"/>
-            <a:ext cx="1571625" cy="914400"/>
-          </a:xfrm>
-          <a:prstGeom prst="rect">
-            <a:avLst/>
-          </a:prstGeom>
-          <a:noFill/>
-          <a:extLst>
-            <a:ext uri="{909E8E84-426E-40DD-AFC4-6F175D3DCCD1}">
-              <a14:hiddenFill xmlns:a14="http://schemas.microsoft.com/office/drawing/2010/main">
-                <a:solidFill>
-                  <a:srgbClr val="FFFFFF"/>
-                </a:solidFill>
-              </a14:hiddenFill>
-            </a:ext>
-          </a:extLst>
-        </p:spPr>
-      </p:pic>
-      <p:pic>
-        <p:nvPicPr>
-          <p:cNvPr id="9" name="Picture 8" descr="http://t2.gstatic.com/images?q=tbn:ANd9GcQDi0AOAZY9hRqye3yqci-5VMlm7CGXuAJoiMW7Q_qNnfVoSuQGIw"/>
-          <p:cNvPicPr>
-            <a:picLocks noChangeAspect="1" noChangeArrowheads="1"/>
-          </p:cNvPicPr>
-          <p:nvPr/>
-        </p:nvPicPr>
-        <p:blipFill>
-          <a:blip r:embed="rId6">
-            <a:extLst>
-              <a:ext uri="{28A0092B-C50C-407E-A947-70E740481C1C}">
-                <a14:useLocalDpi xmlns:a14="http://schemas.microsoft.com/office/drawing/2010/main" val="0"/>
-              </a:ext>
-            </a:extLst>
-          </a:blip>
-          <a:srcRect/>
-          <a:stretch>
-            <a:fillRect/>
-          </a:stretch>
-        </p:blipFill>
-        <p:spPr bwMode="auto">
-          <a:xfrm>
-            <a:off x="6149999" y="4326307"/>
-            <a:ext cx="2765401" cy="986502"/>
-          </a:xfrm>
-          <a:prstGeom prst="rect">
-            <a:avLst/>
-          </a:prstGeom>
-          <a:noFill/>
-          <a:extLst>
-            <a:ext uri="{909E8E84-426E-40DD-AFC4-6F175D3DCCD1}">
-              <a14:hiddenFill xmlns:a14="http://schemas.microsoft.com/office/drawing/2010/main">
-                <a:solidFill>
-                  <a:srgbClr val="FFFFFF"/>
-                </a:solidFill>
-              </a14:hiddenFill>
-            </a:ext>
-          </a:extLst>
-        </p:spPr>
-      </p:pic>
-      <p:sp>
-        <p:nvSpPr>
-          <p:cNvPr id="3" name="Title 2"/>
-          <p:cNvSpPr>
-            <a:spLocks noGrp="1"/>
-          </p:cNvSpPr>
-          <p:nvPr>
-            <p:ph type="title"/>
-          </p:nvPr>
-        </p:nvSpPr>
-        <p:spPr/>
-        <p:txBody>
-          <a:bodyPr/>
-          <a:lstStyle/>
-          <a:p>
-            <a:r>
-              <a:rPr lang="en-US" dirty="0" smtClean="0"/>
-              <a:t>A Bit of History</a:t>
-            </a:r>
-            <a:endParaRPr lang="en-US" dirty="0"/>
-          </a:p>
-        </p:txBody>
-      </p:sp>
-      <p:sp>
-        <p:nvSpPr>
-          <p:cNvPr id="4" name="Content Placeholder 3"/>
-          <p:cNvSpPr>
-            <a:spLocks noGrp="1"/>
-          </p:cNvSpPr>
-          <p:nvPr>
-            <p:ph idx="1"/>
-          </p:nvPr>
-        </p:nvSpPr>
-        <p:spPr>
-          <a:xfrm>
-            <a:off x="455608" y="990600"/>
-            <a:ext cx="8383592" cy="5248267"/>
-          </a:xfrm>
-        </p:spPr>
-        <p:txBody>
-          <a:bodyPr/>
-          <a:lstStyle/>
-          <a:p>
-            <a:pPr lvl="1"/>
-            <a:r>
-              <a:rPr lang="en-US" dirty="0" smtClean="0"/>
-              <a:t>LEAP: Latency-insensitive Environment for Application Programming</a:t>
-            </a:r>
-          </a:p>
-          <a:p>
-            <a:pPr lvl="1"/>
-            <a:r>
-              <a:rPr lang="en-US" dirty="0" smtClean="0"/>
-              <a:t>Development of LEAP began ~7 years ago</a:t>
-            </a:r>
-          </a:p>
-          <a:p>
-            <a:pPr lvl="2"/>
-            <a:r>
-              <a:rPr lang="en-US" dirty="0" smtClean="0"/>
-              <a:t>Intel: FPGA-based performance models (HAsim)</a:t>
-            </a:r>
-          </a:p>
-          <a:p>
-            <a:pPr lvl="3"/>
-            <a:r>
-              <a:rPr lang="en-US" dirty="0" smtClean="0"/>
-              <a:t>Michael Adler, Joel Emer, Angshuman Parashar, Michael Pellauer</a:t>
-            </a:r>
-          </a:p>
-          <a:p>
-            <a:pPr lvl="2"/>
-            <a:r>
-              <a:rPr lang="en-US" dirty="0" smtClean="0"/>
-              <a:t>MIT: Wireless transceivers and other IP blocks</a:t>
-            </a:r>
-          </a:p>
-          <a:p>
-            <a:pPr lvl="1"/>
-            <a:r>
-              <a:rPr lang="en-US" dirty="0" smtClean="0"/>
-              <a:t>Open source (BSD License)</a:t>
-            </a:r>
-          </a:p>
-          <a:p>
-            <a:pPr lvl="1"/>
-            <a:r>
-              <a:rPr lang="en-US" dirty="0" smtClean="0"/>
-              <a:t>Growing community:</a:t>
-            </a:r>
-            <a:endParaRPr lang="en-US" dirty="0"/>
-          </a:p>
-        </p:txBody>
-      </p:sp>
-      <p:pic>
-        <p:nvPicPr>
-          <p:cNvPr id="2050" name="Picture 2" descr="Logo of Imperial College London"/>
-          <p:cNvPicPr>
-            <a:picLocks noChangeAspect="1" noChangeArrowheads="1"/>
-          </p:cNvPicPr>
-          <p:nvPr/>
-        </p:nvPicPr>
-        <p:blipFill>
-          <a:blip r:embed="rId7">
-            <a:extLst>
-              <a:ext uri="{28A0092B-C50C-407E-A947-70E740481C1C}">
-                <a14:useLocalDpi xmlns:a14="http://schemas.microsoft.com/office/drawing/2010/main" val="0"/>
-              </a:ext>
-            </a:extLst>
-          </a:blip>
-          <a:srcRect/>
-          <a:stretch>
-            <a:fillRect/>
-          </a:stretch>
-        </p:blipFill>
-        <p:spPr bwMode="auto">
-          <a:xfrm>
-            <a:off x="3685824" y="5759098"/>
-            <a:ext cx="2381250" cy="628651"/>
-          </a:xfrm>
-          <a:prstGeom prst="rect">
-            <a:avLst/>
-          </a:prstGeom>
-          <a:noFill/>
-          <a:extLst>
-            <a:ext uri="{909E8E84-426E-40DD-AFC4-6F175D3DCCD1}">
-              <a14:hiddenFill xmlns:a14="http://schemas.microsoft.com/office/drawing/2010/main">
-                <a:solidFill>
-                  <a:srgbClr val="FFFFFF"/>
-                </a:solidFill>
-              </a14:hiddenFill>
-            </a:ext>
-          </a:extLst>
-        </p:spPr>
-      </p:pic>
-      <p:sp>
-        <p:nvSpPr>
-          <p:cNvPr id="2" name="AutoShape 2" descr="data:image/jpeg;base64,/9j/4AAQSkZJRgABAQAAAQABAAD/2wCEAAkGBxQQEREUERIVFhUVGRcVGBgWFBgYHRocHhYaHRceGRcaHCghGBslHBwWITIiJisrLi4uGB8zODMsNygtLisBCgoKDQwOGBAQFDcdHyY2Nzc3Ky03NzQsNTg3My0uLC4sLTc3NyssLC03MjErKy40NS4uLTQ3NzQrKyssNywtLP/AABEIAJ8BPgMBIgACEQEDEQH/xAAcAAACAwEBAQEAAAAAAAAAAAAABgUHCAQCAwH/xABPEAACAQMBBAUFDAgDBgUFAAABAgMABBESBRMhMQYHQVFxIjJhgZEUFzM0NVNyc4KhsrMjQlKDorHD0UR0tCRikpOjwUOkwtLhFSVUY2T/xAAbAQEAAwEBAQEAAAAAAAAAAAAABAUGAwIBB//EADURAQAAAwIKCQMFAQAAAAAAAAABAgMEEQUSExRRYmOhseEVFjEyMzRTgcEhQXEiYXLR8JH/2gAMAwEAAhEDEQA/ALxr8zX7VJ9Kvjt19Y1cqtTJwvuT8H2HPJ4y42LdC/svXXmjNZ/orhnWqter223c2gM0ZrP9FM61Tq9tt3NoDNGaz/RTOtU6vbbdzaAzRms/0UzrVOr223c2gM0ZrP8ARTOtU6vbbdzaAzX7VDbPs2nljiTznYKPR3n1DJ9VXlZWywxpGgwqAKB6AK7Uqsal/wBLlbhCwS2PFhlMaMf2u+X3zX5ms49YW3vd19K6nMafoou7Sp4kfSbU2e4jup46kej+FkvXHFsxReAP6RvWQF+y3fXZWrXr8zVV9fHwdl9KX8KUodU3yrbeEv5T0Gg81+1RvXD0cFtcrcRjEdxnUByEo4t/xDyvENXnqf6Rm2uvczt+iuOAzyWUDyT9oeT6TpoL0oopN61Nve47B1Q4ln/RJ3gEfpG9S5GewstA5UVlbZWz3uZooIvPlYIPRnmT6AMk+gGr/wClOz0tdjXMMQwkdu6j1LzPpJ4k95oGnNftZLfka1lHyHgKD9zRmqf6ffH5/sflrS/UWa04sYwxWgo4CytOWfK3XwhHs0+7QGaM1n+ivOdarp1e227m0BmjNZ/opnWqdXttu5tAZozWf6KZ1qnV7bbubQGaM1n+imdap1e227m0BmjNZ/opnWqdXttu5tAZr9qveqfnd/uf6tWFUmnNjywipLZZ82rTUr77vv7XiqT6VfHbr6xquyqT6VfHbr6xq4WruwWuAPGn/HzBFUUUVCasUUUUBRRRQFFFFAUUUUDv1X7O1SyzkcIxoX6Ted7F/FTL1ibZ9x7PndTh2G6j79T8Mj0gam+zX06B2W6sYe+TMp+15v8ADppB69dpZe1tgfNDTsPScon3CT21ZUZcWSDC4Sr5a0zx+0Pp/wA/16sLS2aV444xlnZUUeliAv3kVqLY2zltYIYI/NiRUHpwOJPpJyfXVH9T+y9/tFXI8mBGk+0fJQfxMfs1fldUBVXXx8HZfSl/ClKHVN8q23hL+U9N/Xx8HZfSl/ClKHVN8q23hL+U9BbfWbswXGzbkYy0S75fQU4nHiuoeus8RSsjK6HDKQynuIOVPtArVG0Iw0UqnkyMD61IrKUZ4DwFBqvZd4J4IZV5SIkg+0oP/eqO639se6NoGMHyLdRGPpHypD+FfsVafQu7EWx7WR/Njtwx+iqk/wAhWebq5aV5JH86RmkbxZizfeTQWV1H7F1zT3TDhEN0n0mALnxC6R9s1YvT/wCTL76mT8NfHq52X7l2bbKRhnXev36n8rB9IBC/Zr7dP/ky++pk/DQZpk5HwrWcfIeArJknI+Fazj5DwFBUPT74/P8AY/LWl6mHp98fn+x+WtL1VdTvxb+xeWp/xhwFFFFeEoUUUUBRRRQFFFFAUUUUD/1T87v9z/Vqwqr3qn53f7n+rVhVY0PDgxGF/OT+3CAqk+lXx26+sarsqk+lXx26+saudq7sEzAHjT/j5giqKKKhNWKKKKAooooCiiigK9IhYhRzYgDxJwK81IdH4td3bL3yx/c4J/lX2EL43PFSbEljNoXbbxBEVRyUBR4AYFZ760rze7Uue6PREPsoCf4i1aIrL3SWbXe3jd88x/6jY+6rZ+dX3rS6irPEF3Nji8ix+pEDfzkPsqz6qDq56c2dhZLDOziTW7nTGzDieHEegCn7o10ytdoO6W7OWRQx1IV4E47edHwl9fHwdl9KX8KUodU3yrbeEv5T039fHwdl9KX8KUodU3yrbeEv5T0F39Kr4W9ldSn9SJyPSdJCj1nA9dZg5Dwq4uu3b4WOOzQ+U5EsvoQHyAfFhn7HppE6uthm9v4VI/RxETSHswpBAP0m0jHdnuoLQ6XA2PR/dfrCGG3Pi2hH+7VVI7OtN9NDF87Ikf8AxOF/71c/XhPpsYV/bnUeyOQ/zAqpOi14kF5bSykhI5FdsDJ4ceAHPjig08qgAAcAOAqB6f8AyZffUyfhqG99bZ37cv8AyWqT6aXAl2TdyL5r27OM8OBTI4eBoM3ycj4GtZxeaPAVkyTkfA1rOLzR4CgqHp/8fn+x+WtL1MPT/wCPz+Ef5a0vVV1O/Fv7F5an/GHAUUUV4ShRRRQFFFFAUUUUBRRRQP8A1T87v9z/AFasKq96p+d3+5/qVYVWNDw4MRhfzk/twgKpPpV8duvrGq7KpPpV8duvrGrnau7BMwB40/4+YIqiiioTViiiigKKKKAooooCpbol8dtfpj+RqJqQ6PS6Lu2P/wC2Me1gP+9epO9BxtEL6U8P2jwXjWVtqfDz/WSfjNaprLvSSHReXa/szzD/AKjYq1fnjs2Z0PvrmJZYLZnjbOlg8Yzhip4M4PMEcuyrE6o+jN3Z3Fw1zA0atGqqSyHJ1Zx5LHsqd6n5tWyoR+w8qn/ms38mFOtBVXXx8HZfSl/ClKHVN8q23hL+U9N/Xx8HZfSl/ClKHVN8q23hL+U9BbG0+ruxuZZJpkkaSQ6mO+cegYAOAAMADuFSfRvoxbbPWQWyFd4QWJZmJwMAZY8hx4ek99TNFBWXXt8Wtfrj+W1VDs+ykuJEihUvI5wqggZOCeZIHIGre69vi1p9cfy2qverf5Vsvpt+U9H16PV9tL/8N/8AmQ/++rh6SQsmw5kYYZbTSw7iIgCOFNlQ/TCAybPvUHNoJgPHdtj78UfGYpfNPga1lF5o8B/KsmuMg+kVqvZVwJYIXHJ40cetQaCqen/x+bwj/LWl6mbrGj03zn9pEb7iv/ppZqrq9+LfWGN9mp/iHAUUUV4SxRRRQFFFFAUUUUBRRRQWB1T/AOL/AHP9SrBqvuqf/F/uf6lWDVjQ8ODEYX85P7cICqT6VfHbr6xquyqT6VfHbr6xq52ruwTMAeNP+PmCKoooqE1YooooCiiigKKKKAr1HIVIYc1IYeIORXmij52r9t5g6K45MAw8CMis99aVludqXPdJolH2kGf4g1XL0Avt9ZRjPGLMR+z5v8JWkbr02XxtbkDvgc+14/6lWsscaEIvzyvSjSqzSR+0XV1FX+YruAnirrKPB10nHrQe2rSrPXVZtf3LtKHUcJMDA3ixBT+MKPtGtC16clVdfHwdl9KX8KUodU3yrbeEv5T039fHwdl9KX8KUodU3yrbeEv5T0GhKKKKCsuvb4ta/XH8tqr3q3+VbL6bflPVhde3xa1+uP5bVXvVv8q2X02/Keg0fXiWMMrKeRBB8CK90UGUbq2MUkkbc42aM+KsVP3itCdWF/v9l2p7Y1MJ9GglR/CFPrqpetbZfufaUxx5MwWZfWMP69YY+sUz9Rm18Nc2rHnidB7Fk/p/fQTHWpaYe3lxzDRk+B1L/NqQ6uDp3s/f2cmBlo8Sr9nzv4S1U/VfaJbp79LZYFrZSzQl+8v0+YCiiiuC3FFFFAUUUUBRRRQFFFFBYHVP/i/3P9SrBqvuqf8Axf7r+pVg1Y0PDgxGF/OT+3CAqk+lXx26+sarspA2x0DlnnmlWWMB2LAENkZ7682iSaaELoO2BrRSoVZo1JroXfKvaKdve3m+ei9jUe9vN89F7GqLkKmhoelLH6vEk0U7e9vN89F7Go97eb56L2NTIVNB0pY/V4kminb3t5vnovY1HvbzfPRexqZCpoOlLH6vEk0U7e9vN89F7Go97eb56L2NTIVNB0pY/V4kminb3t5vnovY1HvbzfPRexqZCpoOlLH6vFz9W+1d1cGJj5MwwPpjJHtGR44p56Y7FF9ZTwcNTLlD3OvFPVkAH0E0np1dTqQVnjBBBBAbII4gj11YtqH0LvMF8DUVzgntxnsqXQhNLC6aDOYXnoVasKtKe+/t/tlPylParKfAqwP3EH+VaV6F7dF/ZwzcNRGmQdzrwbwB5j0MKTemPVc13dPPbyxxiTDOrBvP/WIx2HgfHPfUn1e9DrrZkkmueJ4ZANSrqBDDzWGRjlkHv4d1d1Shevj4Oy+lL+FKUOqb5VtvCX8p6tLrG6ISbTW3EUiJui5OsHjqAAxjwqE6F9W09jeRXEk0TKgcEKGydSFRzHpoLNooooKy69vitr9cfy2qverf5Vsvpt+U9XF1i9FZNpwwxxSIhjk1kuDxGgjAx40sdFerCezvLe4eeJliYsQofJyjLwyPTQWpRRRQV71zbC39otwgy9sST9W2A/sIVvANVQdG9rtZXUFwuTu2yQP1lPBx61J9eK09NEHVlYAqwKkHiCCMEEd2Kp+86nJt4+5uIhHqOgMH1Bc+SCRzIHDPbigt23nWWNXQhkdQykcQVIyD4EVTHSbZXuS5kjx5PnJ9A8vZxHqqyegmxbixttxcSpIEJ3ZTVwU8SpyOw5x6Djsr30w6N+7kTSwWRDwYjgQfOBx6j6vTXGvTx5fp2rTBVshZq36o/pj2/EVP0U6+9xP89F7G/tR73E/z0Xsb+1Q8jU0NN0pY/VhvJVFOvvcT/PRexv7Ue9xP89F7G/tTI1ND50pY/V4kqinX3uJ/novY39qPe4n+ei9jf2pkamg6Usfq8SVRTr73E/z0Xsb+1HvcT/PRexv7UyNTQdKWP1eJKop197if56L2N/aj3uJ/novY39qZGpoOlLH6vF19U/8Ai/3X9SrBpZ6GdG3sd9rdW3mjGnPDTqznP0qZqnUYRlkhCLKYSqyVbTPPJG+EbuEBXmRwoJYgADJJOAB2knsr1Spc3c099NZkW5SOKOcGSF3zqZgAV3gGQVzn08hXRBNEUodVZSGVgCCDkEEZBBHMEV7qPtp2gt2e7MSbsSMzICqBFLaTgkkeQASM881y2dzdXKLIm7gRxqRZI2kkKnipcB0EZI/V8rHac5ACaoqHspbtbgRz7l4mjdxJGjxkMrIArIzsOIYnIP6p4CvKbUkuJZY7UIFhbRJNICy7zAJREUrrwCNTagAeHE5wE1RS5tnatzYLvpljnt1xvDEjRyRrnBfQXYSqO3BUgceNSO1b8raSTwMjaYmmUkFlYBCw5EcCMcfTQSVFRnRm+e5tLaeTSGmjjlwgIA1oGxxJzjPOuHpJtaaCeyji3WLmRoiXRmKkRs+eDjPm4xw586Bhorh2eLgPIJzEy4UoY0ZDnytYYM7cvIx4mu40BRSvs3at3cS30aG3BtpRGuqOTy8xq4yRJ5HnAcjyz6K6ti9JkmtJLmddxuTIs6s2RG0ZIk8rHlDhkHHHNBPUVD2k11OgkG7gVhlUkjaR8HkXxIoU96jOO+uW329JFdJa3iIrSgmCaPISXSMspViTFIOenLAjtzwoGKil7bu15obuxhj3ei5aRSWViV0R6+GHAOcEej01JbbadYXa1EbSqCVWQHDY/VyCNJPfxoO+iovo9tlLq0iuMgBly+Rp0MvCRWBPklWDAg91cdldXs8SyJuE3jkprjkyIfK0My7wEuw0HTwxq48sUDBRSq+1LwXyWmu2y0D3GvcycNMipp077/eznPZyqZsxc6ZRK0OrP6NkR9OnSPOQvnOrVyPLFBI0Up9GNr3l9Z290pt13uGMe6k4DXpbD73ngEjhUztra24MSIm8mmYrFHnTnAyzM2DoRRxLYPYACSAQk6KiXgvSCRPbA9gNtIwHoJ34J8cDwr1s6e4eBjMsaTKzr5Op08liFIBIOGGDjPDNBKUVB9C9ryXtlBcShA0oLaUBAAyQBkk55c+FfO72tMm0be1G73csUkpJVtQ0FQQDrxx1DjjhjkaBgopf6X9Ijs9YJDGXjaQrLpBLIgjdmcAc9OnJ9Gam7W5SVFkjYMjgMrKcgg8iDQfWiofZN9LJcXcchj0wsiqVRgTqjV8nLEcNWPVn0Vzw7XmO05LQ7vdrAtxq0tq8qQoF87HDBOceqgYKKitqbXMcsVvCoeeQM4BOFSNSA0kh5hckKAOLE44DJHi5W9RS0b28rDjuzE8Wr0CTeNoPpKn1UExRURsDba30BkhyjgtG6SLkxSKcOjqCMkeg9or4dCdsS3tos8wRSzSLpQMANEjJzLHOdOeznQT1FQ1/tCVLy1hXd7uZZWOVbUN3o4AhscdXdwx21zbf2tPDd2UEW6xcmVcujMUKR6+xxqzxHZj00DFRXFs8TguJzEw4aDGjJ36tQZ248q7aApMEcjbbut1IqH3JBksmv/xZezUMU50ttsO4W/lu45ogJIkh3bxM2ArEg6w445J7KDg6w4phsa6DsHkGkuVXSGQTqWwuTgbvPDJ7ePbTdaTrJGjxkFHVWUjkQRkEeqvhaWzmN1uGSQuWyFQhNJGNOlieGOeTxJPhULs3o/PZZSzuFNvklYJ0Zt3k5xHKrAhOfksG8aBmpN6p3J2fpf4VJrhZe/eb5mbPp8oGp6ytrgzbyeSPSEKrHGjDiSCWZ2Y6jgAAADGW554cU3R54rl7mzlETS430ToXjkIGA2AQY5P94ZB7QedBJ7d0+5bneY0bqTVnlp0HVn0YzSzsGNl6PoHzq9xuePcY2K/wkVNXuypbtd3dOghONcUYb9Jg+a8jHzD2qAM8icZB7dsWZmt5oUIUyI0YJGQupSudIIzjPLIoOHoN8mbO/wAtb/krUX04BNzsgKQre6WwSNWP0EnZkZ9tdey9j3dvaxWy3EOI0WISblwwUDAIG8xqA7eWeyvr0k2JLcy2kkUqRm2kMoDxl9RKlcHDLgYJ9vooJKwimUvvpVcHGjTHoxzyCNRyeXHPq7+2uGyin1lppIyunCrGjLxzxLFmOeQA5Y4888O6gT+i+v3Xtjd6c+6U4tnA/wBmj44HneGR41w9Pdmi12RKqanG9SaY9r6rhXlJHcSeXIDh2Uw7B2LJbT3krSIwuZBLpClSmECgZJOrgBxwKmLq3WVHjkUMjgqynkQRgg+qg9xuGAKnIIBBHaDypQ6xo9R2WE+E93QFe/ADNIfAKCT4V37I2Nc2S7qGdJYF4RrMra4x+zvVPlqOQyuQO01222ySZhcXDiSVQyxhV0pGG87QpJJY4ALE8hwCgkEIfpV8pbF+suf9O1NtL3SLYUtzcWc8UyRm1Z2AeMvrLqFOcOuBpz38/RUjaQ3G81SyRlApAWNGXLEjixZjyAIAx+saBWvLLd7S9yqf9nvw1xKn+9HgSgdmmUGMMO3DftU81BX+xZJL63ulkQCFJI9BUktrxk6s+TjSOw1O0ClP8vQ/5CX/AFEVNpqBm2JIdopeCRNKwtb7vSckM4ctrzwOQOGOznU3MCVOnGrHDPLPpoEXqyguDsqwMcyBMAlTFk6d8dYD6+BIzxxXZtGTRt2zLnCyWs0cefnN4jOB6dAFfbo90fu7KzjtUuISqAqHMDhgCSeW9xkZOPVUt0h2DHexhJNSsjB45EOl43HJkbv+6gla8S+a3gf5VDW0F/GulpreXHAO0Txt6NSq5Unw0j0CuyztJUgZXkV5m1EvoKrlicYTJIVRgAZyQvOgVurOzkbZVkVuZEBj4KEiIHlN2shPtNfWWBk21Z65WkzbXOCyoMeXFy0KPvqa6IbGaxtIbZnWTdAqHClcjUTxUk4599eLzYsj38F2siBYo3i3ZU5bWQSdeeGMDhg8vTwD92+f9p2aDyM0g/8AKT1ASRtsOUugLbNlbLqOPuR2PnKPmWJ4j9U8vSybZ2ZJNNaSI6qLeRpSGUnXmJ48ZBGng5OePIVKSxh1KsAVYEEEZBB5gg8xQQ2wmDXN+ykFWaFgQcgg26YIPaKjrf5en/yMX+oepHox0bSw36xMxjkcOisSd2NIGgEnioxw7s49NeY9iSDaL3m8TS0K2+70nIAfUG1558Twx66CM2bJp27eq/N7aBos/sKzB8fbanGoXpB0fFy0UqSNDcQkmKVQDgHzldTwdD2rw9BFfssN80bKJbdHwQJBE7cccxGX4etm9dBEdDIiL7bLL8EbiNV7tYiBl+9hnwr31WfJsQ7RJcA+g+6JK+ezNtDZyCG9tzbqCTv0LSwOSSWd5cao3Yksd4BxJ4mujZFnummksLmCS3nczGNjqVXbz2jlQnCtz0kHjyI5UHTtM52nYDtEV23q/QD+ZHtrg6XKx2hscIwVtdzgldQH6DuyM+2pnZdlmVriSVZZSu6BQYSNM6iqjJOScFiTx0rwAAFcu39iTT3NnPFLGnuYyEK8bPrLqFOSHXSAM9/E+jiEps6KZd5v5Fky3kFY9GF0jgRqOTq1cc9orsrhsIpw7tPJGykKEWNGXBydRYsx1Z8nHLGk8813UBUXNt+BJWhLNvFAYoIpWIUnAbCqfJJBGeXCpSkyS7EW3JiVds2UQ8iNnPw8nMKDigZ7TaccqM8ZYqpKn9G4IIxkaCurtHZUMekccpjljuSIAea20rB+OkgylcKNXDA45HPmKm9m3azJvEVlBZgdaFGyrFDlWAI4r29gFJvV9tRI9nQo8crZklTKwuy+VcuBlgNOMkZJOBxzQN+1dqxWqbyd9CZALFWIGTgZIBxkkDjXNP0kt4xqldo17WlhljUeLugUe2onrS+TJ/pQfnx01suQQeINB4hmV1DIwZSMgqQQR3gjnUFf7eSTeRwTsjRnTIVtpZWQ4yBjTpQ445YHh2dtRXR6D3DtW4s4uFvND7rRP1Y2EmiQIP1QxIOOVfmwb9Yb7bGpJWzNEf0cTyf4ZP2AeNA2DaMe4E+omMoJAwRj5JGQdOMgY48q44uk1qwjbe4WTAjd0dEfPm6ZGUK2ezB419ruRXtHZRhWhYgYxgGMkDHZwpJtp4bjo/Daq8ck0tqkKRa1Lb3djSCvMaWGon9UKSeVBY9fA3aCQRahvCpkC9ukEAnwyQPXRYwmOONGbUVVVLHtIABPrpC2zd6Jo9qBvJiuTbN/lidy5I7QJ8yA92KCwpH0gk54dwJPsHE1ybK2rFdJvIH1pkjUFYAkHBwSBnBBHDurtpT6r/k2L6y4/wBRJQT+1NqxWqq076FYhQdLEZJwBlQeJPADtr8tdrxSSbtS4fSXw0UicAQCfLUA8WX21AdZxxZoe65tTwGT8OnIdpqdtNppLJoEcqsFLZkhdBjIBAZgM8ccB6M9lBIVFydIIFlaHU5kUBmRYZWIB5HCofJPfyqUpUsflu7/AMpb/my0Eza7et5JN0sqiXGd24KOR3hHAYj1V2Xl0sKM8hIVQSxCk4AGSSACcYqK6XbBS+tnRhh1BeKQcGjkAyrKw4jjjl2VH7E2q15sYTSee9vJqPeyqysfWQT66CWg6RW77sq7ESFQjbmUK2rzcOU04PfmpWlDoTtRBYbOiaOUlooVB3L6MhAQdZGkDhkHPdjjim+g4L7bEMEkccjlXlJCDQ51EDJC4U5IHHFd9KXS74/sb6+X/TvTbQfC5u0i0a2C62Ea57WOcAek4NfZ2wCePDuBP3DiaS+m1q14ZkjOHs4hPHx/xBbXF61WMjwnpm2DtRbu2gnTlKivjuJHEeIOR6qD92XtaG6DNA+sKxRjpYYYcx5QHEdo7K/bvakUUkcbsQ8pIQaGOogEkAgYyACfAE0v9W3xe6/zl3+ca7OkPxzZX103+kmoJe9v44dOsnLHCqqs7NjnhEBY47cDhX5s7aUdwHMZbyG0MHjeMg4BwVdQeRBzjBzS70vkmtLi3v44zNFFHJDOi+esbsjbxB24KDI7vaGDZG0IbqJZ7dg6SDIYduOGCOYI5YPEYoPtPeJG0SOwDSkqgPNiEZyB4KrH1V96QemmqU3FxEQX2aYmjGebjEtyPSGhMa+OqneyulmjjljOUkVXU94YZH3Gg/LG+jnXXE4dcsuR2MrFWB7iCCMV42ltKO2UNMxVSQudLMMsQqjyQcEsQB3k1X2z4Zdnp7vtg0kLvN7sgHE+TM676IftgDiO0D1hn6S3cdzYRywuHjeW0ZWHIj3XF7PDsoJu+vo4Y95MwRMopLcBl2CKDnllmUceWeNfAbBtQ+v3LBr/AGtymr/ixmo7p9Aslnu5BlJJ7JGHerXsCsPYTUZsXaEmzZ0sbxy0LnTaXDdvdDKeyQDkf1h6eFA0LtOLfbgE7wLr06HHk5xnOMac8M5r53224YJEikYiRwSiiORi2kAtp0qdWARnHLNc2n/7ln/+bH/W/wDmonpVMI9p7IYhjgXnBVLH4JOSjiaBlsNoxz692WOggMGR0IJGRwcA8q6649nXyz7wqjrpbQ28jaMk6QeTAEjDDjXZQFKMLkbclYq2g2kcYfQ2guJmJUPjTqww4ZpuooPLsFBJ4AcTSL0C2slts1FmjnV0aZiht5tRzK7LgaOOQR7afKKBS60AzbNlVEd3ZosIil2OJUY4CjJwAeNTP/1+DTkMx7dIikL/APLC6s+jFSlFAv7F2e73U97MhQuiwRRnGpIlJYl8cA7uc4ycBV7c1E9Hr9Yb7axkWVVkmjZG3MpVwIVUlWC4PEGnaigiry8ElnLIFYBo5NIKMGIwwXyCNWTwwMZ4il7Y+wxd7HsomLRTwxRGNypV4ZkXAOCMjjkEHmCe+naigTj0mnFlOJYJEvYwY9IikZGkPkpJGyghoskMe1QDmpJuidq1p7n3UZBi3WvQurzNOrVjJbtz31P0UCz0F2k72aJch1mgBik1oy6tHkh1LAa1YAHUOGSai+rvaqwWCpOk0bq8xKtbzA4aVnXA0ceDDlT1RQJvWDM0ljAyxyFmmtpNCxszgLIrtlVBPAA5pht9sRySIkYckgkkxSKFAHazKADnSMc+PoNSNFAUlpeCLbVy7q4ja2ijEm7cpqWRyV1hdOcMO2nSiggdq7VaWN4rNWeV1Kq5RhFHkY1vIQAQvPSpLHu7QTbPSy2Y8EeorFbtGuASzERkchxLMewdpqeooFHojtdIrCyidJRKscMRQwSgh8BeOU4AH9bkBxzim6iigTum0ui82S+iRljmkdykbvpUxFAW0A4GW+491TybdiZyq6yAjOzbqQAYIAGSvFjngo48DUnRQLPRjZ0c8JnngQyzu8zCSIalBOI0YMMgrGI1I7wa5eh4Nnc3tkyOIhIZ7dtB0aZfKaMNjSCrk8OeGpwooE7o+52dNeQXAZY5J5LmGbSShWQgsjMBhHVs8GxkEYzUjk3d5byIrbm2Eja2UqHkddChARllCGQluWWUDPlYYKKCMudtRxTGKXKDQrq5VtLZLAqHxjUMDhz8oVC9Hols12jOI3SCSUyxRBG1HEShysWNQLuGwuOWD2020UC50a2LE1rE88MbSygyyl0DHXIS7rlhnCsxUDsCgcK4ugcjWy3FlKHAtZHELsraXhPlx4cjDFQSpAJxgU4UUC90EfNoAysrCW4yrqynBuZCpwwBwVIIPpqB230fms3/ANjXXaXE0DSwD/wXE8bb2IfsHHlL2c+XJ/ooF3p4x9yqFVmbf2jYRWY4S7hdzhQTgKpJ8Kk9sbLhvYHhmUPG49ncVPYRzBrvooE/ova3cN20V1+kWKHRFcfOoZAQH7pFxg9/A+k/nSmfRtPZTlJCkYutbJE7hNcaKmoqpxk59lONFBw2G0kmaQRhsIFJYo6gk54DUBqIAGcd4ruoooP/2Q=="/>
-          <p:cNvSpPr>
-            <a:spLocks noChangeAspect="1" noChangeArrowheads="1"/>
-          </p:cNvSpPr>
-          <p:nvPr/>
-        </p:nvSpPr>
-        <p:spPr bwMode="auto">
-          <a:xfrm>
-            <a:off x="155575" y="-144463"/>
-            <a:ext cx="304800" cy="304801"/>
-          </a:xfrm>
-          <a:prstGeom prst="rect">
-            <a:avLst/>
-          </a:prstGeom>
-          <a:noFill/>
-          <a:extLst>
-            <a:ext uri="{909E8E84-426E-40DD-AFC4-6F175D3DCCD1}">
-              <a14:hiddenFill xmlns:a14="http://schemas.microsoft.com/office/drawing/2010/main">
-                <a:solidFill>
-                  <a:srgbClr val="FFFFFF"/>
-                </a:solidFill>
-              </a14:hiddenFill>
-            </a:ext>
-          </a:extLst>
-        </p:spPr>
-        <p:txBody>
-          <a:bodyPr vert="horz" wrap="square" lIns="91440" tIns="45720" rIns="91440" bIns="45720" numCol="1" anchor="t" anchorCtr="0" compatLnSpc="1">
-            <a:prstTxWarp prst="textNoShape">
-              <a:avLst/>
-            </a:prstTxWarp>
-          </a:bodyPr>
-          <a:lstStyle/>
-          <a:p>
-            <a:endParaRPr lang="en-US"/>
-          </a:p>
-        </p:txBody>
-      </p:sp>
-      <p:sp>
-        <p:nvSpPr>
-          <p:cNvPr id="10" name="AutoShape 4" descr="data:image/jpeg;base64,/9j/4AAQSkZJRgABAQAAAQABAAD/2wCEAAkGBxQQEREUERIVFhUVGRcVGBgWFBgYHRocHhYaHRceGRcaHCghGBslHBwWITIiJisrLi4uGB8zODMsNygtLisBCgoKDQwOGBAQFDcdHyY2Nzc3Ky03NzQsNTg3My0uLC4sLTc3NyssLC03MjErKy40NS4uLTQ3NzQrKyssNywtLP/AABEIAJ8BPgMBIgACEQEDEQH/xAAcAAACAwEBAQEAAAAAAAAAAAAABgUHCAQCAwH/xABPEAACAQMBBAUFDAgDBgUFAAABAgMABBESBRMhMQYHQVFxIjJhgZEUFzM0NVNyc4KhsrMjQlKDorHD0UR0tCRikpOjwUOkwtLhFSVUY2T/xAAbAQEAAwEBAQEAAAAAAAAAAAAABAUGAwIBB//EADURAQAAAwIKCQMFAQAAAAAAAAABAgMEEQUSExRRYmOhseEVFjEyMzRTgcEhQXEiYXLR8JH/2gAMAwEAAhEDEQA/ALxr8zX7VJ9Kvjt19Y1cqtTJwvuT8H2HPJ4y42LdC/svXXmjNZ/orhnWqter223c2gM0ZrP9FM61Tq9tt3NoDNGaz/RTOtU6vbbdzaAzRms/0UzrVOr223c2gM0ZrP8ARTOtU6vbbdzaAzX7VDbPs2nljiTznYKPR3n1DJ9VXlZWywxpGgwqAKB6AK7Uqsal/wBLlbhCwS2PFhlMaMf2u+X3zX5ms49YW3vd19K6nMafoou7Sp4kfSbU2e4jup46kej+FkvXHFsxReAP6RvWQF+y3fXZWrXr8zVV9fHwdl9KX8KUodU3yrbeEv5T0Gg81+1RvXD0cFtcrcRjEdxnUByEo4t/xDyvENXnqf6Rm2uvczt+iuOAzyWUDyT9oeT6TpoL0oopN61Nve47B1Q4ln/RJ3gEfpG9S5GewstA5UVlbZWz3uZooIvPlYIPRnmT6AMk+gGr/wClOz0tdjXMMQwkdu6j1LzPpJ4k95oGnNftZLfka1lHyHgKD9zRmqf6ffH5/sflrS/UWa04sYwxWgo4CytOWfK3XwhHs0+7QGaM1n+ivOdarp1e227m0BmjNZ/opnWqdXttu5tAZozWf6KZ1qnV7bbubQGaM1n+imdap1e227m0BmjNZ/opnWqdXttu5tAZr9qveqfnd/uf6tWFUmnNjywipLZZ82rTUr77vv7XiqT6VfHbr6xquyqT6VfHbr6xq4WruwWuAPGn/HzBFUUUVCasUUUUBRRRQFFFFAUUUUDv1X7O1SyzkcIxoX6Ted7F/FTL1ibZ9x7PndTh2G6j79T8Mj0gam+zX06B2W6sYe+TMp+15v8ADppB69dpZe1tgfNDTsPScon3CT21ZUZcWSDC4Sr5a0zx+0Pp/wA/16sLS2aV444xlnZUUeliAv3kVqLY2zltYIYI/NiRUHpwOJPpJyfXVH9T+y9/tFXI8mBGk+0fJQfxMfs1fldUBVXXx8HZfSl/ClKHVN8q23hL+U9N/Xx8HZfSl/ClKHVN8q23hL+U9BbfWbswXGzbkYy0S75fQU4nHiuoeus8RSsjK6HDKQynuIOVPtArVG0Iw0UqnkyMD61IrKUZ4DwFBqvZd4J4IZV5SIkg+0oP/eqO639se6NoGMHyLdRGPpHypD+FfsVafQu7EWx7WR/Njtwx+iqk/wAhWebq5aV5JH86RmkbxZizfeTQWV1H7F1zT3TDhEN0n0mALnxC6R9s1YvT/wCTL76mT8NfHq52X7l2bbKRhnXev36n8rB9IBC/Zr7dP/ky++pk/DQZpk5HwrWcfIeArJknI+Fazj5DwFBUPT74/P8AY/LWl6mHp98fn+x+WtL1VdTvxb+xeWp/xhwFFFFeEoUUUUBRRRQFFFFAUUUUD/1T87v9z/Vqwqr3qn53f7n+rVhVY0PDgxGF/OT+3CAqk+lXx26+sarsqk+lXx26+saudq7sEzAHjT/j5giqKKKhNWKKKKAooooCiiigK9IhYhRzYgDxJwK81IdH4td3bL3yx/c4J/lX2EL43PFSbEljNoXbbxBEVRyUBR4AYFZ760rze7Uue6PREPsoCf4i1aIrL3SWbXe3jd88x/6jY+6rZ+dX3rS6irPEF3Nji8ix+pEDfzkPsqz6qDq56c2dhZLDOziTW7nTGzDieHEegCn7o10ytdoO6W7OWRQx1IV4E47edHwl9fHwdl9KX8KUodU3yrbeEv5T039fHwdl9KX8KUodU3yrbeEv5T0F39Kr4W9ldSn9SJyPSdJCj1nA9dZg5Dwq4uu3b4WOOzQ+U5EsvoQHyAfFhn7HppE6uthm9v4VI/RxETSHswpBAP0m0jHdnuoLQ6XA2PR/dfrCGG3Pi2hH+7VVI7OtN9NDF87Ikf8AxOF/71c/XhPpsYV/bnUeyOQ/zAqpOi14kF5bSykhI5FdsDJ4ceAHPjig08qgAAcAOAqB6f8AyZffUyfhqG99bZ37cv8AyWqT6aXAl2TdyL5r27OM8OBTI4eBoM3ycj4GtZxeaPAVkyTkfA1rOLzR4CgqHp/8fn+x+WtL1MPT/wCPz+Ef5a0vVV1O/Fv7F5an/GHAUUUV4ShRRRQFFFFAUUUUBRRRQP8A1T87v9z/AFasKq96p+d3+5/qVYVWNDw4MRhfzk/twgKpPpV8duvrGq7KpPpV8duvrGrnau7BMwB40/4+YIqiiioTViiiigKKKKAooooCpbol8dtfpj+RqJqQ6PS6Lu2P/wC2Me1gP+9epO9BxtEL6U8P2jwXjWVtqfDz/WSfjNaprLvSSHReXa/szzD/AKjYq1fnjs2Z0PvrmJZYLZnjbOlg8Yzhip4M4PMEcuyrE6o+jN3Z3Fw1zA0atGqqSyHJ1Zx5LHsqd6n5tWyoR+w8qn/ms38mFOtBVXXx8HZfSl/ClKHVN8q23hL+U9N/Xx8HZfSl/ClKHVN8q23hL+U9BbG0+ruxuZZJpkkaSQ6mO+cegYAOAAMADuFSfRvoxbbPWQWyFd4QWJZmJwMAZY8hx4ek99TNFBWXXt8Wtfrj+W1VDs+ykuJEihUvI5wqggZOCeZIHIGre69vi1p9cfy2qverf5Vsvpt+U9H16PV9tL/8N/8AmQ/++rh6SQsmw5kYYZbTSw7iIgCOFNlQ/TCAybPvUHNoJgPHdtj78UfGYpfNPga1lF5o8B/KsmuMg+kVqvZVwJYIXHJ40cetQaCqen/x+bwj/LWl6mbrGj03zn9pEb7iv/ppZqrq9+LfWGN9mp/iHAUUUV4SxRRRQFFFFAUUUUBRRRQWB1T/AOL/AHP9SrBqvuqf/F/uf6lWDVjQ8ODEYX85P7cICqT6VfHbr6xquyqT6VfHbr6xq52ruwTMAeNP+PmCKoooqE1YooooCiiigKKKKAr1HIVIYc1IYeIORXmij52r9t5g6K45MAw8CMis99aVludqXPdJolH2kGf4g1XL0Avt9ZRjPGLMR+z5v8JWkbr02XxtbkDvgc+14/6lWsscaEIvzyvSjSqzSR+0XV1FX+YruAnirrKPB10nHrQe2rSrPXVZtf3LtKHUcJMDA3ixBT+MKPtGtC16clVdfHwdl9KX8KUodU3yrbeEv5T039fHwdl9KX8KUodU3yrbeEv5T0GhKKKKCsuvb4ta/XH8tqr3q3+VbL6bflPVhde3xa1+uP5bVXvVv8q2X02/Keg0fXiWMMrKeRBB8CK90UGUbq2MUkkbc42aM+KsVP3itCdWF/v9l2p7Y1MJ9GglR/CFPrqpetbZfufaUxx5MwWZfWMP69YY+sUz9Rm18Nc2rHnidB7Fk/p/fQTHWpaYe3lxzDRk+B1L/NqQ6uDp3s/f2cmBlo8Sr9nzv4S1U/VfaJbp79LZYFrZSzQl+8v0+YCiiiuC3FFFFAUUUUBRRRQFFFFBYHVP/i/3P9SrBqvuqf8Axf7r+pVg1Y0PDgxGF/OT+3CAqk+lXx26+sarspA2x0DlnnmlWWMB2LAENkZ7682iSaaELoO2BrRSoVZo1JroXfKvaKdve3m+ei9jUe9vN89F7GqLkKmhoelLH6vEk0U7e9vN89F7Go97eb56L2NTIVNB0pY/V4kminb3t5vnovY1HvbzfPRexqZCpoOlLH6vEk0U7e9vN89F7Go97eb56L2NTIVNB0pY/V4kminb3t5vnovY1HvbzfPRexqZCpoOlLH6vFz9W+1d1cGJj5MwwPpjJHtGR44p56Y7FF9ZTwcNTLlD3OvFPVkAH0E0np1dTqQVnjBBBBAbII4gj11YtqH0LvMF8DUVzgntxnsqXQhNLC6aDOYXnoVasKtKe+/t/tlPylParKfAqwP3EH+VaV6F7dF/ZwzcNRGmQdzrwbwB5j0MKTemPVc13dPPbyxxiTDOrBvP/WIx2HgfHPfUn1e9DrrZkkmueJ4ZANSrqBDDzWGRjlkHv4d1d1Shevj4Oy+lL+FKUOqb5VtvCX8p6tLrG6ISbTW3EUiJui5OsHjqAAxjwqE6F9W09jeRXEk0TKgcEKGydSFRzHpoLNooooKy69vitr9cfy2qverf5Vsvpt+U9XF1i9FZNpwwxxSIhjk1kuDxGgjAx40sdFerCezvLe4eeJliYsQofJyjLwyPTQWpRRRQV71zbC39otwgy9sST9W2A/sIVvANVQdG9rtZXUFwuTu2yQP1lPBx61J9eK09NEHVlYAqwKkHiCCMEEd2Kp+86nJt4+5uIhHqOgMH1Bc+SCRzIHDPbigt23nWWNXQhkdQykcQVIyD4EVTHSbZXuS5kjx5PnJ9A8vZxHqqyegmxbixttxcSpIEJ3ZTVwU8SpyOw5x6Djsr30w6N+7kTSwWRDwYjgQfOBx6j6vTXGvTx5fp2rTBVshZq36o/pj2/EVP0U6+9xP89F7G/tR73E/z0Xsb+1Q8jU0NN0pY/VhvJVFOvvcT/PRexv7Ue9xP89F7G/tTI1ND50pY/V4kqinX3uJ/novY39qPe4n+ei9jf2pkamg6Usfq8SVRTr73E/z0Xsb+1HvcT/PRexv7UyNTQdKWP1eJKop197if56L2N/aj3uJ/novY39qZGpoOlLH6vF19U/8Ai/3X9SrBpZ6GdG3sd9rdW3mjGnPDTqznP0qZqnUYRlkhCLKYSqyVbTPPJG+EbuEBXmRwoJYgADJJOAB2knsr1Spc3c099NZkW5SOKOcGSF3zqZgAV3gGQVzn08hXRBNEUodVZSGVgCCDkEEZBBHMEV7qPtp2gt2e7MSbsSMzICqBFLaTgkkeQASM881y2dzdXKLIm7gRxqRZI2kkKnipcB0EZI/V8rHac5ACaoqHspbtbgRz7l4mjdxJGjxkMrIArIzsOIYnIP6p4CvKbUkuJZY7UIFhbRJNICy7zAJREUrrwCNTagAeHE5wE1RS5tnatzYLvpljnt1xvDEjRyRrnBfQXYSqO3BUgceNSO1b8raSTwMjaYmmUkFlYBCw5EcCMcfTQSVFRnRm+e5tLaeTSGmjjlwgIA1oGxxJzjPOuHpJtaaCeyji3WLmRoiXRmKkRs+eDjPm4xw586Bhorh2eLgPIJzEy4UoY0ZDnytYYM7cvIx4mu40BRSvs3at3cS30aG3BtpRGuqOTy8xq4yRJ5HnAcjyz6K6ti9JkmtJLmddxuTIs6s2RG0ZIk8rHlDhkHHHNBPUVD2k11OgkG7gVhlUkjaR8HkXxIoU96jOO+uW329JFdJa3iIrSgmCaPISXSMspViTFIOenLAjtzwoGKil7bu15obuxhj3ei5aRSWViV0R6+GHAOcEej01JbbadYXa1EbSqCVWQHDY/VyCNJPfxoO+iovo9tlLq0iuMgBly+Rp0MvCRWBPklWDAg91cdldXs8SyJuE3jkprjkyIfK0My7wEuw0HTwxq48sUDBRSq+1LwXyWmu2y0D3GvcycNMipp077/eznPZyqZsxc6ZRK0OrP6NkR9OnSPOQvnOrVyPLFBI0Up9GNr3l9Z290pt13uGMe6k4DXpbD73ngEjhUztra24MSIm8mmYrFHnTnAyzM2DoRRxLYPYACSAQk6KiXgvSCRPbA9gNtIwHoJ34J8cDwr1s6e4eBjMsaTKzr5Op08liFIBIOGGDjPDNBKUVB9C9ryXtlBcShA0oLaUBAAyQBkk55c+FfO72tMm0be1G73csUkpJVtQ0FQQDrxx1DjjhjkaBgopf6X9Ijs9YJDGXjaQrLpBLIgjdmcAc9OnJ9Gam7W5SVFkjYMjgMrKcgg8iDQfWiofZN9LJcXcchj0wsiqVRgTqjV8nLEcNWPVn0Vzw7XmO05LQ7vdrAtxq0tq8qQoF87HDBOceqgYKKitqbXMcsVvCoeeQM4BOFSNSA0kh5hckKAOLE44DJHi5W9RS0b28rDjuzE8Wr0CTeNoPpKn1UExRURsDba30BkhyjgtG6SLkxSKcOjqCMkeg9or4dCdsS3tos8wRSzSLpQMANEjJzLHOdOeznQT1FQ1/tCVLy1hXd7uZZWOVbUN3o4AhscdXdwx21zbf2tPDd2UEW6xcmVcujMUKR6+xxqzxHZj00DFRXFs8TguJzEw4aDGjJ36tQZ248q7aApMEcjbbut1IqH3JBksmv/xZezUMU50ttsO4W/lu45ogJIkh3bxM2ArEg6w445J7KDg6w4phsa6DsHkGkuVXSGQTqWwuTgbvPDJ7ePbTdaTrJGjxkFHVWUjkQRkEeqvhaWzmN1uGSQuWyFQhNJGNOlieGOeTxJPhULs3o/PZZSzuFNvklYJ0Zt3k5xHKrAhOfksG8aBmpN6p3J2fpf4VJrhZe/eb5mbPp8oGp6ytrgzbyeSPSEKrHGjDiSCWZ2Y6jgAAADGW554cU3R54rl7mzlETS430ToXjkIGA2AQY5P94ZB7QedBJ7d0+5bneY0bqTVnlp0HVn0YzSzsGNl6PoHzq9xuePcY2K/wkVNXuypbtd3dOghONcUYb9Jg+a8jHzD2qAM8icZB7dsWZmt5oUIUyI0YJGQupSudIIzjPLIoOHoN8mbO/wAtb/krUX04BNzsgKQre6WwSNWP0EnZkZ9tdey9j3dvaxWy3EOI0WISblwwUDAIG8xqA7eWeyvr0k2JLcy2kkUqRm2kMoDxl9RKlcHDLgYJ9vooJKwimUvvpVcHGjTHoxzyCNRyeXHPq7+2uGyin1lppIyunCrGjLxzxLFmOeQA5Y4888O6gT+i+v3Xtjd6c+6U4tnA/wBmj44HneGR41w9Pdmi12RKqanG9SaY9r6rhXlJHcSeXIDh2Uw7B2LJbT3krSIwuZBLpClSmECgZJOrgBxwKmLq3WVHjkUMjgqynkQRgg+qg9xuGAKnIIBBHaDypQ6xo9R2WE+E93QFe/ADNIfAKCT4V37I2Nc2S7qGdJYF4RrMra4x+zvVPlqOQyuQO01222ySZhcXDiSVQyxhV0pGG87QpJJY4ALE8hwCgkEIfpV8pbF+suf9O1NtL3SLYUtzcWc8UyRm1Z2AeMvrLqFOcOuBpz38/RUjaQ3G81SyRlApAWNGXLEjixZjyAIAx+saBWvLLd7S9yqf9nvw1xKn+9HgSgdmmUGMMO3DftU81BX+xZJL63ulkQCFJI9BUktrxk6s+TjSOw1O0ClP8vQ/5CX/AFEVNpqBm2JIdopeCRNKwtb7vSckM4ctrzwOQOGOznU3MCVOnGrHDPLPpoEXqyguDsqwMcyBMAlTFk6d8dYD6+BIzxxXZtGTRt2zLnCyWs0cefnN4jOB6dAFfbo90fu7KzjtUuISqAqHMDhgCSeW9xkZOPVUt0h2DHexhJNSsjB45EOl43HJkbv+6gla8S+a3gf5VDW0F/GulpreXHAO0Txt6NSq5Unw0j0CuyztJUgZXkV5m1EvoKrlicYTJIVRgAZyQvOgVurOzkbZVkVuZEBj4KEiIHlN2shPtNfWWBk21Z65WkzbXOCyoMeXFy0KPvqa6IbGaxtIbZnWTdAqHClcjUTxUk4599eLzYsj38F2siBYo3i3ZU5bWQSdeeGMDhg8vTwD92+f9p2aDyM0g/8AKT1ASRtsOUugLbNlbLqOPuR2PnKPmWJ4j9U8vSybZ2ZJNNaSI6qLeRpSGUnXmJ48ZBGng5OePIVKSxh1KsAVYEEEZBB5gg8xQQ2wmDXN+ykFWaFgQcgg26YIPaKjrf5en/yMX+oepHox0bSw36xMxjkcOisSd2NIGgEnioxw7s49NeY9iSDaL3m8TS0K2+70nIAfUG1558Twx66CM2bJp27eq/N7aBos/sKzB8fbanGoXpB0fFy0UqSNDcQkmKVQDgHzldTwdD2rw9BFfssN80bKJbdHwQJBE7cccxGX4etm9dBEdDIiL7bLL8EbiNV7tYiBl+9hnwr31WfJsQ7RJcA+g+6JK+ezNtDZyCG9tzbqCTv0LSwOSSWd5cao3Yksd4BxJ4mujZFnummksLmCS3nczGNjqVXbz2jlQnCtz0kHjyI5UHTtM52nYDtEV23q/QD+ZHtrg6XKx2hscIwVtdzgldQH6DuyM+2pnZdlmVriSVZZSu6BQYSNM6iqjJOScFiTx0rwAAFcu39iTT3NnPFLGnuYyEK8bPrLqFOSHXSAM9/E+jiEps6KZd5v5Fky3kFY9GF0jgRqOTq1cc9orsrhsIpw7tPJGykKEWNGXBydRYsx1Z8nHLGk8813UBUXNt+BJWhLNvFAYoIpWIUnAbCqfJJBGeXCpSkyS7EW3JiVds2UQ8iNnPw8nMKDigZ7TaccqM8ZYqpKn9G4IIxkaCurtHZUMekccpjljuSIAea20rB+OkgylcKNXDA45HPmKm9m3azJvEVlBZgdaFGyrFDlWAI4r29gFJvV9tRI9nQo8crZklTKwuy+VcuBlgNOMkZJOBxzQN+1dqxWqbyd9CZALFWIGTgZIBxkkDjXNP0kt4xqldo17WlhljUeLugUe2onrS+TJ/pQfnx01suQQeINB4hmV1DIwZSMgqQQR3gjnUFf7eSTeRwTsjRnTIVtpZWQ4yBjTpQ445YHh2dtRXR6D3DtW4s4uFvND7rRP1Y2EmiQIP1QxIOOVfmwb9Yb7bGpJWzNEf0cTyf4ZP2AeNA2DaMe4E+omMoJAwRj5JGQdOMgY48q44uk1qwjbe4WTAjd0dEfPm6ZGUK2ezB419ruRXtHZRhWhYgYxgGMkDHZwpJtp4bjo/Daq8ck0tqkKRa1Lb3djSCvMaWGon9UKSeVBY9fA3aCQRahvCpkC9ukEAnwyQPXRYwmOONGbUVVVLHtIABPrpC2zd6Jo9qBvJiuTbN/lidy5I7QJ8yA92KCwpH0gk54dwJPsHE1ybK2rFdJvIH1pkjUFYAkHBwSBnBBHDurtpT6r/k2L6y4/wBRJQT+1NqxWqq076FYhQdLEZJwBlQeJPADtr8tdrxSSbtS4fSXw0UicAQCfLUA8WX21AdZxxZoe65tTwGT8OnIdpqdtNppLJoEcqsFLZkhdBjIBAZgM8ccB6M9lBIVFydIIFlaHU5kUBmRYZWIB5HCofJPfyqUpUsflu7/AMpb/my0Eza7et5JN0sqiXGd24KOR3hHAYj1V2Xl0sKM8hIVQSxCk4AGSSACcYqK6XbBS+tnRhh1BeKQcGjkAyrKw4jjjl2VH7E2q15sYTSee9vJqPeyqysfWQT66CWg6RW77sq7ESFQjbmUK2rzcOU04PfmpWlDoTtRBYbOiaOUlooVB3L6MhAQdZGkDhkHPdjjim+g4L7bEMEkccjlXlJCDQ51EDJC4U5IHHFd9KXS74/sb6+X/TvTbQfC5u0i0a2C62Ea57WOcAek4NfZ2wCePDuBP3DiaS+m1q14ZkjOHs4hPHx/xBbXF61WMjwnpm2DtRbu2gnTlKivjuJHEeIOR6qD92XtaG6DNA+sKxRjpYYYcx5QHEdo7K/bvakUUkcbsQ8pIQaGOogEkAgYyACfAE0v9W3xe6/zl3+ca7OkPxzZX103+kmoJe9v44dOsnLHCqqs7NjnhEBY47cDhX5s7aUdwHMZbyG0MHjeMg4BwVdQeRBzjBzS70vkmtLi3v44zNFFHJDOi+esbsjbxB24KDI7vaGDZG0IbqJZ7dg6SDIYduOGCOYI5YPEYoPtPeJG0SOwDSkqgPNiEZyB4KrH1V96QemmqU3FxEQX2aYmjGebjEtyPSGhMa+OqneyulmjjljOUkVXU94YZH3Gg/LG+jnXXE4dcsuR2MrFWB7iCCMV42ltKO2UNMxVSQudLMMsQqjyQcEsQB3k1X2z4Zdnp7vtg0kLvN7sgHE+TM676IftgDiO0D1hn6S3cdzYRywuHjeW0ZWHIj3XF7PDsoJu+vo4Y95MwRMopLcBl2CKDnllmUceWeNfAbBtQ+v3LBr/AGtymr/ixmo7p9Aslnu5BlJJ7JGHerXsCsPYTUZsXaEmzZ0sbxy0LnTaXDdvdDKeyQDkf1h6eFA0LtOLfbgE7wLr06HHk5xnOMac8M5r53224YJEikYiRwSiiORi2kAtp0qdWARnHLNc2n/7ln/+bH/W/wDmonpVMI9p7IYhjgXnBVLH4JOSjiaBlsNoxz692WOggMGR0IJGRwcA8q6649nXyz7wqjrpbQ28jaMk6QeTAEjDDjXZQFKMLkbclYq2g2kcYfQ2guJmJUPjTqww4ZpuooPLsFBJ4AcTSL0C2slts1FmjnV0aZiht5tRzK7LgaOOQR7afKKBS60AzbNlVEd3ZosIil2OJUY4CjJwAeNTP/1+DTkMx7dIikL/APLC6s+jFSlFAv7F2e73U97MhQuiwRRnGpIlJYl8cA7uc4ycBV7c1E9Hr9Yb7axkWVVkmjZG3MpVwIVUlWC4PEGnaigiry8ElnLIFYBo5NIKMGIwwXyCNWTwwMZ4il7Y+wxd7HsomLRTwxRGNypV4ZkXAOCMjjkEHmCe+naigTj0mnFlOJYJEvYwY9IikZGkPkpJGyghoskMe1QDmpJuidq1p7n3UZBi3WvQurzNOrVjJbtz31P0UCz0F2k72aJch1mgBik1oy6tHkh1LAa1YAHUOGSai+rvaqwWCpOk0bq8xKtbzA4aVnXA0ceDDlT1RQJvWDM0ljAyxyFmmtpNCxszgLIrtlVBPAA5pht9sRySIkYckgkkxSKFAHazKADnSMc+PoNSNFAUlpeCLbVy7q4ja2ijEm7cpqWRyV1hdOcMO2nSiggdq7VaWN4rNWeV1Kq5RhFHkY1vIQAQvPSpLHu7QTbPSy2Y8EeorFbtGuASzERkchxLMewdpqeooFHojtdIrCyidJRKscMRQwSgh8BeOU4AH9bkBxzim6iigTum0ui82S+iRljmkdykbvpUxFAW0A4GW+491TybdiZyq6yAjOzbqQAYIAGSvFjngo48DUnRQLPRjZ0c8JnngQyzu8zCSIalBOI0YMMgrGI1I7wa5eh4Nnc3tkyOIhIZ7dtB0aZfKaMNjSCrk8OeGpwooE7o+52dNeQXAZY5J5LmGbSShWQgsjMBhHVs8GxkEYzUjk3d5byIrbm2Eja2UqHkddChARllCGQluWWUDPlYYKKCMudtRxTGKXKDQrq5VtLZLAqHxjUMDhz8oVC9Hols12jOI3SCSUyxRBG1HEShysWNQLuGwuOWD2020UC50a2LE1rE88MbSygyyl0DHXIS7rlhnCsxUDsCgcK4ugcjWy3FlKHAtZHELsraXhPlx4cjDFQSpAJxgU4UUC90EfNoAysrCW4yrqynBuZCpwwBwVIIPpqB230fms3/ANjXXaXE0DSwD/wXE8bb2IfsHHlL2c+XJ/ooF3p4x9yqFVmbf2jYRWY4S7hdzhQTgKpJ8Kk9sbLhvYHhmUPG49ncVPYRzBrvooE/ova3cN20V1+kWKHRFcfOoZAQH7pFxg9/A+k/nSmfRtPZTlJCkYutbJE7hNcaKmoqpxk59lONFBw2G0kmaQRhsIFJYo6gk54DUBqIAGcd4ruoooP/2Q=="/>
-          <p:cNvSpPr>
-            <a:spLocks noChangeAspect="1" noChangeArrowheads="1"/>
-          </p:cNvSpPr>
-          <p:nvPr/>
-        </p:nvSpPr>
-        <p:spPr bwMode="auto">
-          <a:xfrm>
-            <a:off x="307975" y="7937"/>
-            <a:ext cx="304800" cy="304801"/>
-          </a:xfrm>
-          <a:prstGeom prst="rect">
-            <a:avLst/>
-          </a:prstGeom>
-          <a:noFill/>
-          <a:extLst>
-            <a:ext uri="{909E8E84-426E-40DD-AFC4-6F175D3DCCD1}">
-              <a14:hiddenFill xmlns:a14="http://schemas.microsoft.com/office/drawing/2010/main">
-                <a:solidFill>
-                  <a:srgbClr val="FFFFFF"/>
-                </a:solidFill>
-              </a14:hiddenFill>
-            </a:ext>
-          </a:extLst>
-        </p:spPr>
-        <p:txBody>
-          <a:bodyPr vert="horz" wrap="square" lIns="91440" tIns="45720" rIns="91440" bIns="45720" numCol="1" anchor="t" anchorCtr="0" compatLnSpc="1">
-            <a:prstTxWarp prst="textNoShape">
-              <a:avLst/>
-            </a:prstTxWarp>
-          </a:bodyPr>
-          <a:lstStyle/>
-          <a:p>
-            <a:endParaRPr lang="en-US"/>
-          </a:p>
-        </p:txBody>
-      </p:sp>
-      <p:pic>
-        <p:nvPicPr>
-          <p:cNvPr id="2053" name="Picture 5"/>
-          <p:cNvPicPr>
-            <a:picLocks noChangeAspect="1" noChangeArrowheads="1"/>
-          </p:cNvPicPr>
-          <p:nvPr/>
-        </p:nvPicPr>
-        <p:blipFill>
-          <a:blip r:embed="rId8">
-            <a:extLst>
-              <a:ext uri="{28A0092B-C50C-407E-A947-70E740481C1C}">
-                <a14:useLocalDpi xmlns:a14="http://schemas.microsoft.com/office/drawing/2010/main" val="0"/>
-              </a:ext>
-            </a:extLst>
-          </a:blip>
-          <a:srcRect/>
-          <a:stretch>
-            <a:fillRect/>
-          </a:stretch>
-        </p:blipFill>
-        <p:spPr bwMode="auto">
-          <a:xfrm>
-            <a:off x="2857503" y="4153189"/>
-            <a:ext cx="2665476" cy="1332738"/>
-          </a:xfrm>
-          <a:prstGeom prst="rect">
-            <a:avLst/>
-          </a:prstGeom>
-          <a:noFill/>
-          <a:ln>
-            <a:noFill/>
-          </a:ln>
-          <a:extLst>
-            <a:ext uri="{909E8E84-426E-40DD-AFC4-6F175D3DCCD1}">
-              <a14:hiddenFill xmlns:a14="http://schemas.microsoft.com/office/drawing/2010/main">
-                <a:solidFill>
-                  <a:schemeClr val="accent1"/>
-                </a:solidFill>
-              </a14:hiddenFill>
-            </a:ext>
-            <a:ext uri="{91240B29-F687-4F45-9708-019B960494DF}">
-              <a14:hiddenLine xmlns:a14="http://schemas.microsoft.com/office/drawing/2010/main" w="9525">
-                <a:solidFill>
-                  <a:schemeClr val="tx1"/>
-                </a:solidFill>
-                <a:miter lim="800000"/>
-                <a:headEnd/>
-                <a:tailEnd/>
-              </a14:hiddenLine>
-            </a:ext>
-          </a:extLst>
-        </p:spPr>
-      </p:pic>
-      <p:graphicFrame>
-        <p:nvGraphicFramePr>
-          <p:cNvPr id="12" name="Object 11"/>
-          <p:cNvGraphicFramePr>
-            <a:graphicFrameLocks noChangeAspect="1"/>
-          </p:cNvGraphicFramePr>
-          <p:nvPr>
-            <p:extLst>
-              <p:ext uri="{D42A27DB-BD31-4B8C-83A1-F6EECF244321}">
-                <p14:modId xmlns:p14="http://schemas.microsoft.com/office/powerpoint/2010/main" val="4286419755"/>
-              </p:ext>
-            </p:extLst>
-          </p:nvPr>
-        </p:nvGraphicFramePr>
-        <p:xfrm>
-          <a:off x="6746886" y="2792669"/>
-          <a:ext cx="1295610" cy="1295610"/>
-        </p:xfrm>
-        <a:graphic>
-          <a:graphicData uri="http://schemas.openxmlformats.org/presentationml/2006/ole">
-            <mc:AlternateContent xmlns:mc="http://schemas.openxmlformats.org/markup-compatibility/2006">
-              <mc:Choice xmlns:v="urn:schemas-microsoft-com:vml" Requires="v">
-                <p:oleObj spid="_x0000_s2057" name="Image" r:id="rId9" imgW="2031480" imgH="2031480" progId="Photoshop.Image.16">
-                  <p:embed/>
-                </p:oleObj>
-              </mc:Choice>
-              <mc:Fallback>
-                <p:oleObj name="Image" r:id="rId9" imgW="2031480" imgH="2031480" progId="Photoshop.Image.16">
-                  <p:embed/>
-                  <p:pic>
-                    <p:nvPicPr>
-                      <p:cNvPr id="0" name=""/>
-                      <p:cNvPicPr/>
-                      <p:nvPr/>
-                    </p:nvPicPr>
-                    <p:blipFill>
-                      <a:blip r:embed="rId10"/>
-                      <a:stretch>
-                        <a:fillRect/>
-                      </a:stretch>
-                    </p:blipFill>
-                    <p:spPr>
-                      <a:xfrm>
-                        <a:off x="6746886" y="2792669"/>
-                        <a:ext cx="1295610" cy="1295610"/>
-                      </a:xfrm>
-                      <a:prstGeom prst="rect">
-                        <a:avLst/>
-                      </a:prstGeom>
-                    </p:spPr>
-                  </p:pic>
-                </p:oleObj>
-              </mc:Fallback>
-            </mc:AlternateContent>
-          </a:graphicData>
-        </a:graphic>
-      </p:graphicFrame>
-    </p:spTree>
-    <p:extLst>
-      <p:ext uri="{BB962C8B-B14F-4D97-AF65-F5344CB8AC3E}">
-        <p14:creationId xmlns:p14="http://schemas.microsoft.com/office/powerpoint/2010/main" val="1919170343"/>
-      </p:ext>
-    </p:extLst>
-  </p:cSld>
-  <p:clrMapOvr>
-    <a:masterClrMapping/>
-  </p:clrMapOvr>
-  <mc:AlternateContent xmlns:mc="http://schemas.openxmlformats.org/markup-compatibility/2006" xmlns:p14="http://schemas.microsoft.com/office/powerpoint/2010/main">
-    <mc:Choice Requires="p14">
-      <p:transition p14:dur="100">
-        <p:fade/>
-      </p:transition>
-    </mc:Choice>
-    <mc:Fallback xmlns="">
-      <p:transition>
-        <p:fade/>
-      </p:transition>
-    </mc:Fallback>
-  </mc:AlternateContent>
-  <p:timing>
-    <p:tnLst>
-      <p:par>
-        <p:cTn id="1" dur="indefinite" restart="never" nodeType="tmRoot"/>
-      </p:par>
-    </p:tnLst>
-  </p:timing>
-</p:sld>
-</file>
-
-<file path=ppt/slides/slide20.xml><?xml version="1.0" encoding="utf-8"?>
+<file path=ppt/slides/slide21.xml><?xml version="1.0" encoding="utf-8"?>
 <p:sld xmlns:a="http://schemas.openxmlformats.org/drawingml/2006/main" xmlns:r="http://schemas.openxmlformats.org/officeDocument/2006/relationships" xmlns:p="http://schemas.openxmlformats.org/presentationml/2006/main">
   <p:cSld>
     <p:spTree>
@@ -18239,7 +18192,7 @@
 </p:sld>
 </file>
 
-<file path=ppt/slides/slide21.xml><?xml version="1.0" encoding="utf-8"?>
+<file path=ppt/slides/slide22.xml><?xml version="1.0" encoding="utf-8"?>
 <p:sld xmlns:a="http://schemas.openxmlformats.org/drawingml/2006/main" xmlns:r="http://schemas.openxmlformats.org/officeDocument/2006/relationships" xmlns:p="http://schemas.openxmlformats.org/presentationml/2006/main">
   <p:cSld>
     <p:spTree>
@@ -19208,7 +19161,7 @@
 </p:sld>
 </file>
 
-<file path=ppt/slides/slide22.xml><?xml version="1.0" encoding="utf-8"?>
+<file path=ppt/slides/slide23.xml><?xml version="1.0" encoding="utf-8"?>
 <p:sld xmlns:a="http://schemas.openxmlformats.org/drawingml/2006/main" xmlns:r="http://schemas.openxmlformats.org/officeDocument/2006/relationships" xmlns:p="http://schemas.openxmlformats.org/presentationml/2006/main">
   <p:cSld>
     <p:spTree>
@@ -23069,7 +23022,7 @@
 </p:sld>
 </file>
 
-<file path=ppt/slides/slide23.xml><?xml version="1.0" encoding="utf-8"?>
+<file path=ppt/slides/slide24.xml><?xml version="1.0" encoding="utf-8"?>
 <p:sld xmlns:a="http://schemas.openxmlformats.org/drawingml/2006/main" xmlns:r="http://schemas.openxmlformats.org/officeDocument/2006/relationships" xmlns:p="http://schemas.openxmlformats.org/presentationml/2006/main">
   <p:cSld>
     <p:spTree>
@@ -26829,7 +26782,7 @@
 </p:sld>
 </file>
 
-<file path=ppt/slides/slide24.xml><?xml version="1.0" encoding="utf-8"?>
+<file path=ppt/slides/slide25.xml><?xml version="1.0" encoding="utf-8"?>
 <p:sld xmlns:a="http://schemas.openxmlformats.org/drawingml/2006/main" xmlns:r="http://schemas.openxmlformats.org/officeDocument/2006/relationships" xmlns:p="http://schemas.openxmlformats.org/presentationml/2006/main">
   <p:cSld>
     <p:spTree>
@@ -40416,7 +40369,7 @@
 </p:sld>
 </file>
 
-<file path=ppt/slides/slide25.xml><?xml version="1.0" encoding="utf-8"?>
+<file path=ppt/slides/slide26.xml><?xml version="1.0" encoding="utf-8"?>
 <p:sld xmlns:a="http://schemas.openxmlformats.org/drawingml/2006/main" xmlns:r="http://schemas.openxmlformats.org/officeDocument/2006/relationships" xmlns:p="http://schemas.openxmlformats.org/presentationml/2006/main">
   <p:cSld>
     <p:spTree>
@@ -42129,7 +42082,7 @@
 </p:sld>
 </file>
 
-<file path=ppt/slides/slide26.xml><?xml version="1.0" encoding="utf-8"?>
+<file path=ppt/slides/slide27.xml><?xml version="1.0" encoding="utf-8"?>
 <p:sld xmlns:a="http://schemas.openxmlformats.org/drawingml/2006/main" xmlns:r="http://schemas.openxmlformats.org/officeDocument/2006/relationships" xmlns:p="http://schemas.openxmlformats.org/presentationml/2006/main">
   <p:cSld>
     <p:spTree>
@@ -42271,94 +42224,6 @@
     <p:extLst>
       <p:ext uri="{BB962C8B-B14F-4D97-AF65-F5344CB8AC3E}">
         <p14:creationId xmlns:p14="http://schemas.microsoft.com/office/powerpoint/2010/main" val="1815438610"/>
-      </p:ext>
-    </p:extLst>
-  </p:cSld>
-  <p:clrMapOvr>
-    <a:masterClrMapping/>
-  </p:clrMapOvr>
-  <mc:AlternateContent xmlns:mc="http://schemas.openxmlformats.org/markup-compatibility/2006" xmlns:p14="http://schemas.microsoft.com/office/powerpoint/2010/main">
-    <mc:Choice Requires="p14">
-      <p:transition p14:dur="100">
-        <p:fade/>
-      </p:transition>
-    </mc:Choice>
-    <mc:Fallback xmlns="">
-      <p:transition>
-        <p:fade/>
-      </p:transition>
-    </mc:Fallback>
-  </mc:AlternateContent>
-  <p:timing>
-    <p:tnLst>
-      <p:par>
-        <p:cTn id="1" dur="indefinite" restart="never" nodeType="tmRoot"/>
-      </p:par>
-    </p:tnLst>
-  </p:timing>
-</p:sld>
-</file>
-
-<file path=ppt/slides/slide27.xml><?xml version="1.0" encoding="utf-8"?>
-<p:sld xmlns:a="http://schemas.openxmlformats.org/drawingml/2006/main" xmlns:r="http://schemas.openxmlformats.org/officeDocument/2006/relationships" xmlns:p="http://schemas.openxmlformats.org/presentationml/2006/main">
-  <p:cSld>
-    <p:spTree>
-      <p:nvGrpSpPr>
-        <p:cNvPr id="1" name=""/>
-        <p:cNvGrpSpPr/>
-        <p:nvPr/>
-      </p:nvGrpSpPr>
-      <p:grpSpPr>
-        <a:xfrm>
-          <a:off x="0" y="0"/>
-          <a:ext cx="0" cy="0"/>
-          <a:chOff x="0" y="0"/>
-          <a:chExt cx="0" cy="0"/>
-        </a:xfrm>
-      </p:grpSpPr>
-      <p:sp>
-        <p:nvSpPr>
-          <p:cNvPr id="4" name="Title 3"/>
-          <p:cNvSpPr>
-            <a:spLocks noGrp="1"/>
-          </p:cNvSpPr>
-          <p:nvPr>
-            <p:ph type="title"/>
-          </p:nvPr>
-        </p:nvSpPr>
-        <p:spPr>
-          <a:xfrm>
-            <a:off x="457200" y="2514600"/>
-            <a:ext cx="7490178" cy="1362071"/>
-          </a:xfrm>
-        </p:spPr>
-        <p:txBody>
-          <a:bodyPr/>
-          <a:lstStyle/>
-          <a:p>
-            <a:r>
-              <a:rPr lang="en-US" dirty="0" smtClean="0"/>
-              <a:t>LEAP Service Libraries:</a:t>
-            </a:r>
-            <a:r>
-              <a:rPr lang="en-US" dirty="0"/>
-              <a:t/>
-            </a:r>
-            <a:br>
-              <a:rPr lang="en-US" dirty="0"/>
-            </a:br>
-            <a:r>
-              <a:rPr lang="en-US" dirty="0" smtClean="0"/>
-              <a:t>Making the FPGA Programmable</a:t>
-            </a:r>
-            <a:endParaRPr lang="en-US" dirty="0"/>
-          </a:p>
-        </p:txBody>
-      </p:sp>
-    </p:spTree>
-    <p:extLst>
-      <p:ext uri="{BB962C8B-B14F-4D97-AF65-F5344CB8AC3E}">
-        <p14:creationId xmlns:p14="http://schemas.microsoft.com/office/powerpoint/2010/main" val="1761690619"/>
       </p:ext>
     </p:extLst>
   </p:cSld>
@@ -42406,6 +42271,94 @@
       </p:grpSpPr>
       <p:sp>
         <p:nvSpPr>
+          <p:cNvPr id="4" name="Title 3"/>
+          <p:cNvSpPr>
+            <a:spLocks noGrp="1"/>
+          </p:cNvSpPr>
+          <p:nvPr>
+            <p:ph type="title"/>
+          </p:nvPr>
+        </p:nvSpPr>
+        <p:spPr>
+          <a:xfrm>
+            <a:off x="457200" y="2514600"/>
+            <a:ext cx="7490178" cy="1362071"/>
+          </a:xfrm>
+        </p:spPr>
+        <p:txBody>
+          <a:bodyPr/>
+          <a:lstStyle/>
+          <a:p>
+            <a:r>
+              <a:rPr lang="en-US" dirty="0" smtClean="0"/>
+              <a:t>LEAP Service Libraries:</a:t>
+            </a:r>
+            <a:r>
+              <a:rPr lang="en-US" dirty="0"/>
+              <a:t/>
+            </a:r>
+            <a:br>
+              <a:rPr lang="en-US" dirty="0"/>
+            </a:br>
+            <a:r>
+              <a:rPr lang="en-US" dirty="0" smtClean="0"/>
+              <a:t>Making the FPGA Programmable</a:t>
+            </a:r>
+            <a:endParaRPr lang="en-US" dirty="0"/>
+          </a:p>
+        </p:txBody>
+      </p:sp>
+    </p:spTree>
+    <p:extLst>
+      <p:ext uri="{BB962C8B-B14F-4D97-AF65-F5344CB8AC3E}">
+        <p14:creationId xmlns:p14="http://schemas.microsoft.com/office/powerpoint/2010/main" val="1761690619"/>
+      </p:ext>
+    </p:extLst>
+  </p:cSld>
+  <p:clrMapOvr>
+    <a:masterClrMapping/>
+  </p:clrMapOvr>
+  <mc:AlternateContent xmlns:mc="http://schemas.openxmlformats.org/markup-compatibility/2006" xmlns:p14="http://schemas.microsoft.com/office/powerpoint/2010/main">
+    <mc:Choice Requires="p14">
+      <p:transition p14:dur="100">
+        <p:fade/>
+      </p:transition>
+    </mc:Choice>
+    <mc:Fallback xmlns="">
+      <p:transition>
+        <p:fade/>
+      </p:transition>
+    </mc:Fallback>
+  </mc:AlternateContent>
+  <p:timing>
+    <p:tnLst>
+      <p:par>
+        <p:cTn id="1" dur="indefinite" restart="never" nodeType="tmRoot"/>
+      </p:par>
+    </p:tnLst>
+  </p:timing>
+</p:sld>
+</file>
+
+<file path=ppt/slides/slide29.xml><?xml version="1.0" encoding="utf-8"?>
+<p:sld xmlns:a="http://schemas.openxmlformats.org/drawingml/2006/main" xmlns:r="http://schemas.openxmlformats.org/officeDocument/2006/relationships" xmlns:p="http://schemas.openxmlformats.org/presentationml/2006/main">
+  <p:cSld>
+    <p:spTree>
+      <p:nvGrpSpPr>
+        <p:cNvPr id="1" name=""/>
+        <p:cNvGrpSpPr/>
+        <p:nvPr/>
+      </p:nvGrpSpPr>
+      <p:grpSpPr>
+        <a:xfrm>
+          <a:off x="0" y="0"/>
+          <a:ext cx="0" cy="0"/>
+          <a:chOff x="0" y="0"/>
+          <a:chExt cx="0" cy="0"/>
+        </a:xfrm>
+      </p:grpSpPr>
+      <p:sp>
+        <p:nvSpPr>
           <p:cNvPr id="2" name="Title 1"/>
           <p:cNvSpPr>
             <a:spLocks noGrp="1"/>
@@ -42496,7 +42449,542 @@
 </p:sld>
 </file>
 
-<file path=ppt/slides/slide29.xml><?xml version="1.0" encoding="utf-8"?>
+<file path=ppt/slides/slide3.xml><?xml version="1.0" encoding="utf-8"?>
+<p:sld xmlns:a="http://schemas.openxmlformats.org/drawingml/2006/main" xmlns:r="http://schemas.openxmlformats.org/officeDocument/2006/relationships" xmlns:p="http://schemas.openxmlformats.org/presentationml/2006/main">
+  <p:cSld>
+    <p:spTree>
+      <p:nvGrpSpPr>
+        <p:cNvPr id="1" name=""/>
+        <p:cNvGrpSpPr/>
+        <p:nvPr/>
+      </p:nvGrpSpPr>
+      <p:grpSpPr>
+        <a:xfrm>
+          <a:off x="0" y="0"/>
+          <a:ext cx="0" cy="0"/>
+          <a:chOff x="0" y="0"/>
+          <a:chExt cx="0" cy="0"/>
+        </a:xfrm>
+      </p:grpSpPr>
+      <p:pic>
+        <p:nvPicPr>
+          <p:cNvPr id="5" name="Picture 4" descr="https://encrypted-tbn1.gstatic.com/images?q=tbn:ANd9GcTTJRL-bNCAnFwOiJLG5M2-OqfegYkdwWj6xNT1nxiteTvwctj5bw"/>
+          <p:cNvPicPr>
+            <a:picLocks noChangeAspect="1" noChangeArrowheads="1"/>
+          </p:cNvPicPr>
+          <p:nvPr/>
+        </p:nvPicPr>
+        <p:blipFill>
+          <a:blip r:embed="rId3">
+            <a:extLst>
+              <a:ext uri="{28A0092B-C50C-407E-A947-70E740481C1C}">
+                <a14:useLocalDpi xmlns:a14="http://schemas.microsoft.com/office/drawing/2010/main" val="0"/>
+              </a:ext>
+            </a:extLst>
+          </a:blip>
+          <a:srcRect/>
+          <a:stretch>
+            <a:fillRect/>
+          </a:stretch>
+        </p:blipFill>
+        <p:spPr bwMode="auto">
+          <a:xfrm>
+            <a:off x="484201" y="4326307"/>
+            <a:ext cx="1676400" cy="864394"/>
+          </a:xfrm>
+          <a:prstGeom prst="rect">
+            <a:avLst/>
+          </a:prstGeom>
+          <a:noFill/>
+          <a:extLst>
+            <a:ext uri="{909E8E84-426E-40DD-AFC4-6F175D3DCCD1}">
+              <a14:hiddenFill xmlns:a14="http://schemas.microsoft.com/office/drawing/2010/main">
+                <a:solidFill>
+                  <a:srgbClr val="FFFFFF"/>
+                </a:solidFill>
+              </a14:hiddenFill>
+            </a:ext>
+          </a:extLst>
+        </p:spPr>
+      </p:pic>
+      <p:pic>
+        <p:nvPicPr>
+          <p:cNvPr id="6" name="Picture 5" descr="http://t1.gstatic.com/images?q=tbn:ANd9GcQmeH9rxwsQJBJUi_Zj73x5yOi572VYWMewlH6fq204HDzT8rQY"/>
+          <p:cNvPicPr>
+            <a:picLocks noChangeAspect="1" noChangeArrowheads="1"/>
+          </p:cNvPicPr>
+          <p:nvPr/>
+        </p:nvPicPr>
+        <p:blipFill>
+          <a:blip r:embed="rId4">
+            <a:extLst>
+              <a:ext uri="{28A0092B-C50C-407E-A947-70E740481C1C}">
+                <a14:useLocalDpi xmlns:a14="http://schemas.microsoft.com/office/drawing/2010/main" val="0"/>
+              </a:ext>
+            </a:extLst>
+          </a:blip>
+          <a:srcRect/>
+          <a:stretch>
+            <a:fillRect/>
+          </a:stretch>
+        </p:blipFill>
+        <p:spPr bwMode="auto">
+          <a:xfrm>
+            <a:off x="356401" y="5764526"/>
+            <a:ext cx="2705100" cy="623223"/>
+          </a:xfrm>
+          <a:prstGeom prst="rect">
+            <a:avLst/>
+          </a:prstGeom>
+          <a:noFill/>
+          <a:extLst>
+            <a:ext uri="{909E8E84-426E-40DD-AFC4-6F175D3DCCD1}">
+              <a14:hiddenFill xmlns:a14="http://schemas.microsoft.com/office/drawing/2010/main">
+                <a:solidFill>
+                  <a:srgbClr val="FFFFFF"/>
+                </a:solidFill>
+              </a14:hiddenFill>
+            </a:ext>
+          </a:extLst>
+        </p:spPr>
+      </p:pic>
+      <p:pic>
+        <p:nvPicPr>
+          <p:cNvPr id="8" name="Picture 7" descr="Longhorn Logo"/>
+          <p:cNvPicPr>
+            <a:picLocks noChangeAspect="1" noChangeArrowheads="1"/>
+          </p:cNvPicPr>
+          <p:nvPr/>
+        </p:nvPicPr>
+        <p:blipFill rotWithShape="1">
+          <a:blip r:embed="rId5">
+            <a:extLst>
+              <a:ext uri="{28A0092B-C50C-407E-A947-70E740481C1C}">
+                <a14:useLocalDpi xmlns:a14="http://schemas.microsoft.com/office/drawing/2010/main" val="0"/>
+              </a:ext>
+            </a:extLst>
+          </a:blip>
+          <a:srcRect t="68503" r="58853" b="5966"/>
+          <a:stretch/>
+        </p:blipFill>
+        <p:spPr bwMode="auto">
+          <a:xfrm>
+            <a:off x="6746886" y="5562495"/>
+            <a:ext cx="1571625" cy="914400"/>
+          </a:xfrm>
+          <a:prstGeom prst="rect">
+            <a:avLst/>
+          </a:prstGeom>
+          <a:noFill/>
+          <a:extLst>
+            <a:ext uri="{909E8E84-426E-40DD-AFC4-6F175D3DCCD1}">
+              <a14:hiddenFill xmlns:a14="http://schemas.microsoft.com/office/drawing/2010/main">
+                <a:solidFill>
+                  <a:srgbClr val="FFFFFF"/>
+                </a:solidFill>
+              </a14:hiddenFill>
+            </a:ext>
+          </a:extLst>
+        </p:spPr>
+      </p:pic>
+      <p:pic>
+        <p:nvPicPr>
+          <p:cNvPr id="9" name="Picture 8" descr="http://t2.gstatic.com/images?q=tbn:ANd9GcQDi0AOAZY9hRqye3yqci-5VMlm7CGXuAJoiMW7Q_qNnfVoSuQGIw"/>
+          <p:cNvPicPr>
+            <a:picLocks noChangeAspect="1" noChangeArrowheads="1"/>
+          </p:cNvPicPr>
+          <p:nvPr/>
+        </p:nvPicPr>
+        <p:blipFill>
+          <a:blip r:embed="rId6">
+            <a:extLst>
+              <a:ext uri="{28A0092B-C50C-407E-A947-70E740481C1C}">
+                <a14:useLocalDpi xmlns:a14="http://schemas.microsoft.com/office/drawing/2010/main" val="0"/>
+              </a:ext>
+            </a:extLst>
+          </a:blip>
+          <a:srcRect/>
+          <a:stretch>
+            <a:fillRect/>
+          </a:stretch>
+        </p:blipFill>
+        <p:spPr bwMode="auto">
+          <a:xfrm>
+            <a:off x="6149999" y="4326307"/>
+            <a:ext cx="2765401" cy="986502"/>
+          </a:xfrm>
+          <a:prstGeom prst="rect">
+            <a:avLst/>
+          </a:prstGeom>
+          <a:noFill/>
+          <a:extLst>
+            <a:ext uri="{909E8E84-426E-40DD-AFC4-6F175D3DCCD1}">
+              <a14:hiddenFill xmlns:a14="http://schemas.microsoft.com/office/drawing/2010/main">
+                <a:solidFill>
+                  <a:srgbClr val="FFFFFF"/>
+                </a:solidFill>
+              </a14:hiddenFill>
+            </a:ext>
+          </a:extLst>
+        </p:spPr>
+      </p:pic>
+      <p:sp>
+        <p:nvSpPr>
+          <p:cNvPr id="3" name="Title 2"/>
+          <p:cNvSpPr>
+            <a:spLocks noGrp="1"/>
+          </p:cNvSpPr>
+          <p:nvPr>
+            <p:ph type="title"/>
+          </p:nvPr>
+        </p:nvSpPr>
+        <p:spPr/>
+        <p:txBody>
+          <a:bodyPr/>
+          <a:lstStyle/>
+          <a:p>
+            <a:r>
+              <a:rPr lang="en-US" dirty="0" smtClean="0"/>
+              <a:t>A Bit of History</a:t>
+            </a:r>
+            <a:endParaRPr lang="en-US" dirty="0"/>
+          </a:p>
+        </p:txBody>
+      </p:sp>
+      <p:sp>
+        <p:nvSpPr>
+          <p:cNvPr id="4" name="Content Placeholder 3"/>
+          <p:cNvSpPr>
+            <a:spLocks noGrp="1"/>
+          </p:cNvSpPr>
+          <p:nvPr>
+            <p:ph idx="1"/>
+          </p:nvPr>
+        </p:nvSpPr>
+        <p:spPr>
+          <a:xfrm>
+            <a:off x="455608" y="990600"/>
+            <a:ext cx="8383592" cy="5248267"/>
+          </a:xfrm>
+        </p:spPr>
+        <p:txBody>
+          <a:bodyPr/>
+          <a:lstStyle/>
+          <a:p>
+            <a:pPr lvl="1"/>
+            <a:r>
+              <a:rPr lang="en-US" dirty="0" smtClean="0"/>
+              <a:t>LEAP: Latency-insensitive Environment for Application Programming</a:t>
+            </a:r>
+          </a:p>
+          <a:p>
+            <a:pPr lvl="1"/>
+            <a:r>
+              <a:rPr lang="en-US" dirty="0" smtClean="0"/>
+              <a:t>Development of LEAP began ~7 years ago</a:t>
+            </a:r>
+          </a:p>
+          <a:p>
+            <a:pPr lvl="2"/>
+            <a:r>
+              <a:rPr lang="en-US" dirty="0" smtClean="0"/>
+              <a:t>Intel: FPGA-based performance models (HAsim)</a:t>
+            </a:r>
+          </a:p>
+          <a:p>
+            <a:pPr lvl="3"/>
+            <a:r>
+              <a:rPr lang="en-US" dirty="0" smtClean="0"/>
+              <a:t>Michael Adler, Joel Emer, Angshuman Parashar, Michael Pellauer</a:t>
+            </a:r>
+          </a:p>
+          <a:p>
+            <a:pPr lvl="2"/>
+            <a:r>
+              <a:rPr lang="en-US" dirty="0" smtClean="0"/>
+              <a:t>MIT: Wireless transceivers and other IP blocks</a:t>
+            </a:r>
+          </a:p>
+          <a:p>
+            <a:pPr lvl="1"/>
+            <a:r>
+              <a:rPr lang="en-US" dirty="0" smtClean="0"/>
+              <a:t>Open source (BSD License)</a:t>
+            </a:r>
+          </a:p>
+          <a:p>
+            <a:pPr lvl="1"/>
+            <a:r>
+              <a:rPr lang="en-US" dirty="0" smtClean="0"/>
+              <a:t>Growing community:</a:t>
+            </a:r>
+            <a:endParaRPr lang="en-US" dirty="0"/>
+          </a:p>
+        </p:txBody>
+      </p:sp>
+      <p:pic>
+        <p:nvPicPr>
+          <p:cNvPr id="2050" name="Picture 2" descr="Logo of Imperial College London"/>
+          <p:cNvPicPr>
+            <a:picLocks noChangeAspect="1" noChangeArrowheads="1"/>
+          </p:cNvPicPr>
+          <p:nvPr/>
+        </p:nvPicPr>
+        <p:blipFill>
+          <a:blip r:embed="rId7">
+            <a:extLst>
+              <a:ext uri="{28A0092B-C50C-407E-A947-70E740481C1C}">
+                <a14:useLocalDpi xmlns:a14="http://schemas.microsoft.com/office/drawing/2010/main" val="0"/>
+              </a:ext>
+            </a:extLst>
+          </a:blip>
+          <a:srcRect/>
+          <a:stretch>
+            <a:fillRect/>
+          </a:stretch>
+        </p:blipFill>
+        <p:spPr bwMode="auto">
+          <a:xfrm>
+            <a:off x="3685824" y="5759098"/>
+            <a:ext cx="2381250" cy="628651"/>
+          </a:xfrm>
+          <a:prstGeom prst="rect">
+            <a:avLst/>
+          </a:prstGeom>
+          <a:noFill/>
+          <a:extLst>
+            <a:ext uri="{909E8E84-426E-40DD-AFC4-6F175D3DCCD1}">
+              <a14:hiddenFill xmlns:a14="http://schemas.microsoft.com/office/drawing/2010/main">
+                <a:solidFill>
+                  <a:srgbClr val="FFFFFF"/>
+                </a:solidFill>
+              </a14:hiddenFill>
+            </a:ext>
+          </a:extLst>
+        </p:spPr>
+      </p:pic>
+      <p:sp>
+        <p:nvSpPr>
+          <p:cNvPr id="2" name="AutoShape 2" descr="data:image/jpeg;base64,/9j/4AAQSkZJRgABAQAAAQABAAD/2wCEAAkGBxQQEREUERIVFhUVGRcVGBgWFBgYHRocHhYaHRceGRcaHCghGBslHBwWITIiJisrLi4uGB8zODMsNygtLisBCgoKDQwOGBAQFDcdHyY2Nzc3Ky03NzQsNTg3My0uLC4sLTc3NyssLC03MjErKy40NS4uLTQ3NzQrKyssNywtLP/AABEIAJ8BPgMBIgACEQEDEQH/xAAcAAACAwEBAQEAAAAAAAAAAAAABgUHCAQCAwH/xABPEAACAQMBBAUFDAgDBgUFAAABAgMABBESBRMhMQYHQVFxIjJhgZEUFzM0NVNyc4KhsrMjQlKDorHD0UR0tCRikpOjwUOkwtLhFSVUY2T/xAAbAQEAAwEBAQEAAAAAAAAAAAAABAUGAwIBB//EADURAQAAAwIKCQMFAQAAAAAAAAABAgMEEQUSExRRYmOhseEVFjEyMzRTgcEhQXEiYXLR8JH/2gAMAwEAAhEDEQA/ALxr8zX7VJ9Kvjt19Y1cqtTJwvuT8H2HPJ4y42LdC/svXXmjNZ/orhnWqter223c2gM0ZrP9FM61Tq9tt3NoDNGaz/RTOtU6vbbdzaAzRms/0UzrVOr223c2gM0ZrP8ARTOtU6vbbdzaAzX7VDbPs2nljiTznYKPR3n1DJ9VXlZWywxpGgwqAKB6AK7Uqsal/wBLlbhCwS2PFhlMaMf2u+X3zX5ms49YW3vd19K6nMafoou7Sp4kfSbU2e4jup46kej+FkvXHFsxReAP6RvWQF+y3fXZWrXr8zVV9fHwdl9KX8KUodU3yrbeEv5T0Gg81+1RvXD0cFtcrcRjEdxnUByEo4t/xDyvENXnqf6Rm2uvczt+iuOAzyWUDyT9oeT6TpoL0oopN61Nve47B1Q4ln/RJ3gEfpG9S5GewstA5UVlbZWz3uZooIvPlYIPRnmT6AMk+gGr/wClOz0tdjXMMQwkdu6j1LzPpJ4k95oGnNftZLfka1lHyHgKD9zRmqf6ffH5/sflrS/UWa04sYwxWgo4CytOWfK3XwhHs0+7QGaM1n+ivOdarp1e227m0BmjNZ/opnWqdXttu5tAZozWf6KZ1qnV7bbubQGaM1n+imdap1e227m0BmjNZ/opnWqdXttu5tAZr9qveqfnd/uf6tWFUmnNjywipLZZ82rTUr77vv7XiqT6VfHbr6xquyqT6VfHbr6xq4WruwWuAPGn/HzBFUUUVCasUUUUBRRRQFFFFAUUUUDv1X7O1SyzkcIxoX6Ted7F/FTL1ibZ9x7PndTh2G6j79T8Mj0gam+zX06B2W6sYe+TMp+15v8ADppB69dpZe1tgfNDTsPScon3CT21ZUZcWSDC4Sr5a0zx+0Pp/wA/16sLS2aV444xlnZUUeliAv3kVqLY2zltYIYI/NiRUHpwOJPpJyfXVH9T+y9/tFXI8mBGk+0fJQfxMfs1fldUBVXXx8HZfSl/ClKHVN8q23hL+U9N/Xx8HZfSl/ClKHVN8q23hL+U9BbfWbswXGzbkYy0S75fQU4nHiuoeus8RSsjK6HDKQynuIOVPtArVG0Iw0UqnkyMD61IrKUZ4DwFBqvZd4J4IZV5SIkg+0oP/eqO639se6NoGMHyLdRGPpHypD+FfsVafQu7EWx7WR/Njtwx+iqk/wAhWebq5aV5JH86RmkbxZizfeTQWV1H7F1zT3TDhEN0n0mALnxC6R9s1YvT/wCTL76mT8NfHq52X7l2bbKRhnXev36n8rB9IBC/Zr7dP/ky++pk/DQZpk5HwrWcfIeArJknI+Fazj5DwFBUPT74/P8AY/LWl6mHp98fn+x+WtL1VdTvxb+xeWp/xhwFFFFeEoUUUUBRRRQFFFFAUUUUD/1T87v9z/Vqwqr3qn53f7n+rVhVY0PDgxGF/OT+3CAqk+lXx26+sarsqk+lXx26+saudq7sEzAHjT/j5giqKKKhNWKKKKAooooCiiigK9IhYhRzYgDxJwK81IdH4td3bL3yx/c4J/lX2EL43PFSbEljNoXbbxBEVRyUBR4AYFZ760rze7Uue6PREPsoCf4i1aIrL3SWbXe3jd88x/6jY+6rZ+dX3rS6irPEF3Nji8ix+pEDfzkPsqz6qDq56c2dhZLDOziTW7nTGzDieHEegCn7o10ytdoO6W7OWRQx1IV4E47edHwl9fHwdl9KX8KUodU3yrbeEv5T039fHwdl9KX8KUodU3yrbeEv5T0F39Kr4W9ldSn9SJyPSdJCj1nA9dZg5Dwq4uu3b4WOOzQ+U5EsvoQHyAfFhn7HppE6uthm9v4VI/RxETSHswpBAP0m0jHdnuoLQ6XA2PR/dfrCGG3Pi2hH+7VVI7OtN9NDF87Ikf8AxOF/71c/XhPpsYV/bnUeyOQ/zAqpOi14kF5bSykhI5FdsDJ4ceAHPjig08qgAAcAOAqB6f8AyZffUyfhqG99bZ37cv8AyWqT6aXAl2TdyL5r27OM8OBTI4eBoM3ycj4GtZxeaPAVkyTkfA1rOLzR4CgqHp/8fn+x+WtL1MPT/wCPz+Ef5a0vVV1O/Fv7F5an/GHAUUUV4ShRRRQFFFFAUUUUBRRRQP8A1T87v9z/AFasKq96p+d3+5/qVYVWNDw4MRhfzk/twgKpPpV8duvrGq7KpPpV8duvrGrnau7BMwB40/4+YIqiiioTViiiigKKKKAooooCpbol8dtfpj+RqJqQ6PS6Lu2P/wC2Me1gP+9epO9BxtEL6U8P2jwXjWVtqfDz/WSfjNaprLvSSHReXa/szzD/AKjYq1fnjs2Z0PvrmJZYLZnjbOlg8Yzhip4M4PMEcuyrE6o+jN3Z3Fw1zA0atGqqSyHJ1Zx5LHsqd6n5tWyoR+w8qn/ms38mFOtBVXXx8HZfSl/ClKHVN8q23hL+U9N/Xx8HZfSl/ClKHVN8q23hL+U9BbG0+ruxuZZJpkkaSQ6mO+cegYAOAAMADuFSfRvoxbbPWQWyFd4QWJZmJwMAZY8hx4ek99TNFBWXXt8Wtfrj+W1VDs+ykuJEihUvI5wqggZOCeZIHIGre69vi1p9cfy2qverf5Vsvpt+U9H16PV9tL/8N/8AmQ/++rh6SQsmw5kYYZbTSw7iIgCOFNlQ/TCAybPvUHNoJgPHdtj78UfGYpfNPga1lF5o8B/KsmuMg+kVqvZVwJYIXHJ40cetQaCqen/x+bwj/LWl6mbrGj03zn9pEb7iv/ppZqrq9+LfWGN9mp/iHAUUUV4SxRRRQFFFFAUUUUBRRRQWB1T/AOL/AHP9SrBqvuqf/F/uf6lWDVjQ8ODEYX85P7cICqT6VfHbr6xquyqT6VfHbr6xq52ruwTMAeNP+PmCKoooqE1YooooCiiigKKKKAr1HIVIYc1IYeIORXmij52r9t5g6K45MAw8CMis99aVludqXPdJolH2kGf4g1XL0Avt9ZRjPGLMR+z5v8JWkbr02XxtbkDvgc+14/6lWsscaEIvzyvSjSqzSR+0XV1FX+YruAnirrKPB10nHrQe2rSrPXVZtf3LtKHUcJMDA3ixBT+MKPtGtC16clVdfHwdl9KX8KUodU3yrbeEv5T039fHwdl9KX8KUodU3yrbeEv5T0GhKKKKCsuvb4ta/XH8tqr3q3+VbL6bflPVhde3xa1+uP5bVXvVv8q2X02/Keg0fXiWMMrKeRBB8CK90UGUbq2MUkkbc42aM+KsVP3itCdWF/v9l2p7Y1MJ9GglR/CFPrqpetbZfufaUxx5MwWZfWMP69YY+sUz9Rm18Nc2rHnidB7Fk/p/fQTHWpaYe3lxzDRk+B1L/NqQ6uDp3s/f2cmBlo8Sr9nzv4S1U/VfaJbp79LZYFrZSzQl+8v0+YCiiiuC3FFFFAUUUUBRRRQFFFFBYHVP/i/3P9SrBqvuqf8Axf7r+pVg1Y0PDgxGF/OT+3CAqk+lXx26+sarspA2x0DlnnmlWWMB2LAENkZ7682iSaaELoO2BrRSoVZo1JroXfKvaKdve3m+ei9jUe9vN89F7GqLkKmhoelLH6vEk0U7e9vN89F7Go97eb56L2NTIVNB0pY/V4kminb3t5vnovY1HvbzfPRexqZCpoOlLH6vEk0U7e9vN89F7Go97eb56L2NTIVNB0pY/V4kminb3t5vnovY1HvbzfPRexqZCpoOlLH6vFz9W+1d1cGJj5MwwPpjJHtGR44p56Y7FF9ZTwcNTLlD3OvFPVkAH0E0np1dTqQVnjBBBBAbII4gj11YtqH0LvMF8DUVzgntxnsqXQhNLC6aDOYXnoVasKtKe+/t/tlPylParKfAqwP3EH+VaV6F7dF/ZwzcNRGmQdzrwbwB5j0MKTemPVc13dPPbyxxiTDOrBvP/WIx2HgfHPfUn1e9DrrZkkmueJ4ZANSrqBDDzWGRjlkHv4d1d1Shevj4Oy+lL+FKUOqb5VtvCX8p6tLrG6ISbTW3EUiJui5OsHjqAAxjwqE6F9W09jeRXEk0TKgcEKGydSFRzHpoLNooooKy69vitr9cfy2qverf5Vsvpt+U9XF1i9FZNpwwxxSIhjk1kuDxGgjAx40sdFerCezvLe4eeJliYsQofJyjLwyPTQWpRRRQV71zbC39otwgy9sST9W2A/sIVvANVQdG9rtZXUFwuTu2yQP1lPBx61J9eK09NEHVlYAqwKkHiCCMEEd2Kp+86nJt4+5uIhHqOgMH1Bc+SCRzIHDPbigt23nWWNXQhkdQykcQVIyD4EVTHSbZXuS5kjx5PnJ9A8vZxHqqyegmxbixttxcSpIEJ3ZTVwU8SpyOw5x6Djsr30w6N+7kTSwWRDwYjgQfOBx6j6vTXGvTx5fp2rTBVshZq36o/pj2/EVP0U6+9xP89F7G/tR73E/z0Xsb+1Q8jU0NN0pY/VhvJVFOvvcT/PRexv7Ue9xP89F7G/tTI1ND50pY/V4kqinX3uJ/novY39qPe4n+ei9jf2pkamg6Usfq8SVRTr73E/z0Xsb+1HvcT/PRexv7UyNTQdKWP1eJKop197if56L2N/aj3uJ/novY39qZGpoOlLH6vF19U/8Ai/3X9SrBpZ6GdG3sd9rdW3mjGnPDTqznP0qZqnUYRlkhCLKYSqyVbTPPJG+EbuEBXmRwoJYgADJJOAB2knsr1Spc3c099NZkW5SOKOcGSF3zqZgAV3gGQVzn08hXRBNEUodVZSGVgCCDkEEZBBHMEV7qPtp2gt2e7MSbsSMzICqBFLaTgkkeQASM881y2dzdXKLIm7gRxqRZI2kkKnipcB0EZI/V8rHac5ACaoqHspbtbgRz7l4mjdxJGjxkMrIArIzsOIYnIP6p4CvKbUkuJZY7UIFhbRJNICy7zAJREUrrwCNTagAeHE5wE1RS5tnatzYLvpljnt1xvDEjRyRrnBfQXYSqO3BUgceNSO1b8raSTwMjaYmmUkFlYBCw5EcCMcfTQSVFRnRm+e5tLaeTSGmjjlwgIA1oGxxJzjPOuHpJtaaCeyji3WLmRoiXRmKkRs+eDjPm4xw586Bhorh2eLgPIJzEy4UoY0ZDnytYYM7cvIx4mu40BRSvs3at3cS30aG3BtpRGuqOTy8xq4yRJ5HnAcjyz6K6ti9JkmtJLmddxuTIs6s2RG0ZIk8rHlDhkHHHNBPUVD2k11OgkG7gVhlUkjaR8HkXxIoU96jOO+uW329JFdJa3iIrSgmCaPISXSMspViTFIOenLAjtzwoGKil7bu15obuxhj3ei5aRSWViV0R6+GHAOcEej01JbbadYXa1EbSqCVWQHDY/VyCNJPfxoO+iovo9tlLq0iuMgBly+Rp0MvCRWBPklWDAg91cdldXs8SyJuE3jkprjkyIfK0My7wEuw0HTwxq48sUDBRSq+1LwXyWmu2y0D3GvcycNMipp077/eznPZyqZsxc6ZRK0OrP6NkR9OnSPOQvnOrVyPLFBI0Up9GNr3l9Z290pt13uGMe6k4DXpbD73ngEjhUztra24MSIm8mmYrFHnTnAyzM2DoRRxLYPYACSAQk6KiXgvSCRPbA9gNtIwHoJ34J8cDwr1s6e4eBjMsaTKzr5Op08liFIBIOGGDjPDNBKUVB9C9ryXtlBcShA0oLaUBAAyQBkk55c+FfO72tMm0be1G73csUkpJVtQ0FQQDrxx1DjjhjkaBgopf6X9Ijs9YJDGXjaQrLpBLIgjdmcAc9OnJ9Gam7W5SVFkjYMjgMrKcgg8iDQfWiofZN9LJcXcchj0wsiqVRgTqjV8nLEcNWPVn0Vzw7XmO05LQ7vdrAtxq0tq8qQoF87HDBOceqgYKKitqbXMcsVvCoeeQM4BOFSNSA0kh5hckKAOLE44DJHi5W9RS0b28rDjuzE8Wr0CTeNoPpKn1UExRURsDba30BkhyjgtG6SLkxSKcOjqCMkeg9or4dCdsS3tos8wRSzSLpQMANEjJzLHOdOeznQT1FQ1/tCVLy1hXd7uZZWOVbUN3o4AhscdXdwx21zbf2tPDd2UEW6xcmVcujMUKR6+xxqzxHZj00DFRXFs8TguJzEw4aDGjJ36tQZ248q7aApMEcjbbut1IqH3JBksmv/xZezUMU50ttsO4W/lu45ogJIkh3bxM2ArEg6w445J7KDg6w4phsa6DsHkGkuVXSGQTqWwuTgbvPDJ7ePbTdaTrJGjxkFHVWUjkQRkEeqvhaWzmN1uGSQuWyFQhNJGNOlieGOeTxJPhULs3o/PZZSzuFNvklYJ0Zt3k5xHKrAhOfksG8aBmpN6p3J2fpf4VJrhZe/eb5mbPp8oGp6ytrgzbyeSPSEKrHGjDiSCWZ2Y6jgAAADGW554cU3R54rl7mzlETS430ToXjkIGA2AQY5P94ZB7QedBJ7d0+5bneY0bqTVnlp0HVn0YzSzsGNl6PoHzq9xuePcY2K/wkVNXuypbtd3dOghONcUYb9Jg+a8jHzD2qAM8icZB7dsWZmt5oUIUyI0YJGQupSudIIzjPLIoOHoN8mbO/wAtb/krUX04BNzsgKQre6WwSNWP0EnZkZ9tdey9j3dvaxWy3EOI0WISblwwUDAIG8xqA7eWeyvr0k2JLcy2kkUqRm2kMoDxl9RKlcHDLgYJ9vooJKwimUvvpVcHGjTHoxzyCNRyeXHPq7+2uGyin1lppIyunCrGjLxzxLFmOeQA5Y4888O6gT+i+v3Xtjd6c+6U4tnA/wBmj44HneGR41w9Pdmi12RKqanG9SaY9r6rhXlJHcSeXIDh2Uw7B2LJbT3krSIwuZBLpClSmECgZJOrgBxwKmLq3WVHjkUMjgqynkQRgg+qg9xuGAKnIIBBHaDypQ6xo9R2WE+E93QFe/ADNIfAKCT4V37I2Nc2S7qGdJYF4RrMra4x+zvVPlqOQyuQO01222ySZhcXDiSVQyxhV0pGG87QpJJY4ALE8hwCgkEIfpV8pbF+suf9O1NtL3SLYUtzcWc8UyRm1Z2AeMvrLqFOcOuBpz38/RUjaQ3G81SyRlApAWNGXLEjixZjyAIAx+saBWvLLd7S9yqf9nvw1xKn+9HgSgdmmUGMMO3DftU81BX+xZJL63ulkQCFJI9BUktrxk6s+TjSOw1O0ClP8vQ/5CX/AFEVNpqBm2JIdopeCRNKwtb7vSckM4ctrzwOQOGOznU3MCVOnGrHDPLPpoEXqyguDsqwMcyBMAlTFk6d8dYD6+BIzxxXZtGTRt2zLnCyWs0cefnN4jOB6dAFfbo90fu7KzjtUuISqAqHMDhgCSeW9xkZOPVUt0h2DHexhJNSsjB45EOl43HJkbv+6gla8S+a3gf5VDW0F/GulpreXHAO0Txt6NSq5Unw0j0CuyztJUgZXkV5m1EvoKrlicYTJIVRgAZyQvOgVurOzkbZVkVuZEBj4KEiIHlN2shPtNfWWBk21Z65WkzbXOCyoMeXFy0KPvqa6IbGaxtIbZnWTdAqHClcjUTxUk4599eLzYsj38F2siBYo3i3ZU5bWQSdeeGMDhg8vTwD92+f9p2aDyM0g/8AKT1ASRtsOUugLbNlbLqOPuR2PnKPmWJ4j9U8vSybZ2ZJNNaSI6qLeRpSGUnXmJ48ZBGng5OePIVKSxh1KsAVYEEEZBB5gg8xQQ2wmDXN+ykFWaFgQcgg26YIPaKjrf5en/yMX+oepHox0bSw36xMxjkcOisSd2NIGgEnioxw7s49NeY9iSDaL3m8TS0K2+70nIAfUG1558Twx66CM2bJp27eq/N7aBos/sKzB8fbanGoXpB0fFy0UqSNDcQkmKVQDgHzldTwdD2rw9BFfssN80bKJbdHwQJBE7cccxGX4etm9dBEdDIiL7bLL8EbiNV7tYiBl+9hnwr31WfJsQ7RJcA+g+6JK+ezNtDZyCG9tzbqCTv0LSwOSSWd5cao3Yksd4BxJ4mujZFnummksLmCS3nczGNjqVXbz2jlQnCtz0kHjyI5UHTtM52nYDtEV23q/QD+ZHtrg6XKx2hscIwVtdzgldQH6DuyM+2pnZdlmVriSVZZSu6BQYSNM6iqjJOScFiTx0rwAAFcu39iTT3NnPFLGnuYyEK8bPrLqFOSHXSAM9/E+jiEps6KZd5v5Fky3kFY9GF0jgRqOTq1cc9orsrhsIpw7tPJGykKEWNGXBydRYsx1Z8nHLGk8813UBUXNt+BJWhLNvFAYoIpWIUnAbCqfJJBGeXCpSkyS7EW3JiVds2UQ8iNnPw8nMKDigZ7TaccqM8ZYqpKn9G4IIxkaCurtHZUMekccpjljuSIAea20rB+OkgylcKNXDA45HPmKm9m3azJvEVlBZgdaFGyrFDlWAI4r29gFJvV9tRI9nQo8crZklTKwuy+VcuBlgNOMkZJOBxzQN+1dqxWqbyd9CZALFWIGTgZIBxkkDjXNP0kt4xqldo17WlhljUeLugUe2onrS+TJ/pQfnx01suQQeINB4hmV1DIwZSMgqQQR3gjnUFf7eSTeRwTsjRnTIVtpZWQ4yBjTpQ445YHh2dtRXR6D3DtW4s4uFvND7rRP1Y2EmiQIP1QxIOOVfmwb9Yb7bGpJWzNEf0cTyf4ZP2AeNA2DaMe4E+omMoJAwRj5JGQdOMgY48q44uk1qwjbe4WTAjd0dEfPm6ZGUK2ezB419ruRXtHZRhWhYgYxgGMkDHZwpJtp4bjo/Daq8ck0tqkKRa1Lb3djSCvMaWGon9UKSeVBY9fA3aCQRahvCpkC9ukEAnwyQPXRYwmOONGbUVVVLHtIABPrpC2zd6Jo9qBvJiuTbN/lidy5I7QJ8yA92KCwpH0gk54dwJPsHE1ybK2rFdJvIH1pkjUFYAkHBwSBnBBHDurtpT6r/k2L6y4/wBRJQT+1NqxWqq076FYhQdLEZJwBlQeJPADtr8tdrxSSbtS4fSXw0UicAQCfLUA8WX21AdZxxZoe65tTwGT8OnIdpqdtNppLJoEcqsFLZkhdBjIBAZgM8ccB6M9lBIVFydIIFlaHU5kUBmRYZWIB5HCofJPfyqUpUsflu7/AMpb/my0Eza7et5JN0sqiXGd24KOR3hHAYj1V2Xl0sKM8hIVQSxCk4AGSSACcYqK6XbBS+tnRhh1BeKQcGjkAyrKw4jjjl2VH7E2q15sYTSee9vJqPeyqysfWQT66CWg6RW77sq7ESFQjbmUK2rzcOU04PfmpWlDoTtRBYbOiaOUlooVB3L6MhAQdZGkDhkHPdjjim+g4L7bEMEkccjlXlJCDQ51EDJC4U5IHHFd9KXS74/sb6+X/TvTbQfC5u0i0a2C62Ea57WOcAek4NfZ2wCePDuBP3DiaS+m1q14ZkjOHs4hPHx/xBbXF61WMjwnpm2DtRbu2gnTlKivjuJHEeIOR6qD92XtaG6DNA+sKxRjpYYYcx5QHEdo7K/bvakUUkcbsQ8pIQaGOogEkAgYyACfAE0v9W3xe6/zl3+ca7OkPxzZX103+kmoJe9v44dOsnLHCqqs7NjnhEBY47cDhX5s7aUdwHMZbyG0MHjeMg4BwVdQeRBzjBzS70vkmtLi3v44zNFFHJDOi+esbsjbxB24KDI7vaGDZG0IbqJZ7dg6SDIYduOGCOYI5YPEYoPtPeJG0SOwDSkqgPNiEZyB4KrH1V96QemmqU3FxEQX2aYmjGebjEtyPSGhMa+OqneyulmjjljOUkVXU94YZH3Gg/LG+jnXXE4dcsuR2MrFWB7iCCMV42ltKO2UNMxVSQudLMMsQqjyQcEsQB3k1X2z4Zdnp7vtg0kLvN7sgHE+TM676IftgDiO0D1hn6S3cdzYRywuHjeW0ZWHIj3XF7PDsoJu+vo4Y95MwRMopLcBl2CKDnllmUceWeNfAbBtQ+v3LBr/AGtymr/ixmo7p9Aslnu5BlJJ7JGHerXsCsPYTUZsXaEmzZ0sbxy0LnTaXDdvdDKeyQDkf1h6eFA0LtOLfbgE7wLr06HHk5xnOMac8M5r53224YJEikYiRwSiiORi2kAtp0qdWARnHLNc2n/7ln/+bH/W/wDmonpVMI9p7IYhjgXnBVLH4JOSjiaBlsNoxz692WOggMGR0IJGRwcA8q6649nXyz7wqjrpbQ28jaMk6QeTAEjDDjXZQFKMLkbclYq2g2kcYfQ2guJmJUPjTqww4ZpuooPLsFBJ4AcTSL0C2slts1FmjnV0aZiht5tRzK7LgaOOQR7afKKBS60AzbNlVEd3ZosIil2OJUY4CjJwAeNTP/1+DTkMx7dIikL/APLC6s+jFSlFAv7F2e73U97MhQuiwRRnGpIlJYl8cA7uc4ycBV7c1E9Hr9Yb7axkWVVkmjZG3MpVwIVUlWC4PEGnaigiry8ElnLIFYBo5NIKMGIwwXyCNWTwwMZ4il7Y+wxd7HsomLRTwxRGNypV4ZkXAOCMjjkEHmCe+naigTj0mnFlOJYJEvYwY9IikZGkPkpJGyghoskMe1QDmpJuidq1p7n3UZBi3WvQurzNOrVjJbtz31P0UCz0F2k72aJch1mgBik1oy6tHkh1LAa1YAHUOGSai+rvaqwWCpOk0bq8xKtbzA4aVnXA0ceDDlT1RQJvWDM0ljAyxyFmmtpNCxszgLIrtlVBPAA5pht9sRySIkYckgkkxSKFAHazKADnSMc+PoNSNFAUlpeCLbVy7q4ja2ijEm7cpqWRyV1hdOcMO2nSiggdq7VaWN4rNWeV1Kq5RhFHkY1vIQAQvPSpLHu7QTbPSy2Y8EeorFbtGuASzERkchxLMewdpqeooFHojtdIrCyidJRKscMRQwSgh8BeOU4AH9bkBxzim6iigTum0ui82S+iRljmkdykbvpUxFAW0A4GW+491TybdiZyq6yAjOzbqQAYIAGSvFjngo48DUnRQLPRjZ0c8JnngQyzu8zCSIalBOI0YMMgrGI1I7wa5eh4Nnc3tkyOIhIZ7dtB0aZfKaMNjSCrk8OeGpwooE7o+52dNeQXAZY5J5LmGbSShWQgsjMBhHVs8GxkEYzUjk3d5byIrbm2Eja2UqHkddChARllCGQluWWUDPlYYKKCMudtRxTGKXKDQrq5VtLZLAqHxjUMDhz8oVC9Hols12jOI3SCSUyxRBG1HEShysWNQLuGwuOWD2020UC50a2LE1rE88MbSygyyl0DHXIS7rlhnCsxUDsCgcK4ugcjWy3FlKHAtZHELsraXhPlx4cjDFQSpAJxgU4UUC90EfNoAysrCW4yrqynBuZCpwwBwVIIPpqB230fms3/ANjXXaXE0DSwD/wXE8bb2IfsHHlL2c+XJ/ooF3p4x9yqFVmbf2jYRWY4S7hdzhQTgKpJ8Kk9sbLhvYHhmUPG49ncVPYRzBrvooE/ova3cN20V1+kWKHRFcfOoZAQH7pFxg9/A+k/nSmfRtPZTlJCkYutbJE7hNcaKmoqpxk59lONFBw2G0kmaQRhsIFJYo6gk54DUBqIAGcd4ruoooP/2Q=="/>
+          <p:cNvSpPr>
+            <a:spLocks noChangeAspect="1" noChangeArrowheads="1"/>
+          </p:cNvSpPr>
+          <p:nvPr/>
+        </p:nvSpPr>
+        <p:spPr bwMode="auto">
+          <a:xfrm>
+            <a:off x="155575" y="-144463"/>
+            <a:ext cx="304800" cy="304801"/>
+          </a:xfrm>
+          <a:prstGeom prst="rect">
+            <a:avLst/>
+          </a:prstGeom>
+          <a:noFill/>
+          <a:extLst>
+            <a:ext uri="{909E8E84-426E-40DD-AFC4-6F175D3DCCD1}">
+              <a14:hiddenFill xmlns:a14="http://schemas.microsoft.com/office/drawing/2010/main">
+                <a:solidFill>
+                  <a:srgbClr val="FFFFFF"/>
+                </a:solidFill>
+              </a14:hiddenFill>
+            </a:ext>
+          </a:extLst>
+        </p:spPr>
+        <p:txBody>
+          <a:bodyPr vert="horz" wrap="square" lIns="91440" tIns="45720" rIns="91440" bIns="45720" numCol="1" anchor="t" anchorCtr="0" compatLnSpc="1">
+            <a:prstTxWarp prst="textNoShape">
+              <a:avLst/>
+            </a:prstTxWarp>
+          </a:bodyPr>
+          <a:lstStyle/>
+          <a:p>
+            <a:endParaRPr lang="en-US"/>
+          </a:p>
+        </p:txBody>
+      </p:sp>
+      <p:sp>
+        <p:nvSpPr>
+          <p:cNvPr id="10" name="AutoShape 4" descr="data:image/jpeg;base64,/9j/4AAQSkZJRgABAQAAAQABAAD/2wCEAAkGBxQQEREUERIVFhUVGRcVGBgWFBgYHRocHhYaHRceGRcaHCghGBslHBwWITIiJisrLi4uGB8zODMsNygtLisBCgoKDQwOGBAQFDcdHyY2Nzc3Ky03NzQsNTg3My0uLC4sLTc3NyssLC03MjErKy40NS4uLTQ3NzQrKyssNywtLP/AABEIAJ8BPgMBIgACEQEDEQH/xAAcAAACAwEBAQEAAAAAAAAAAAAABgUHCAQCAwH/xABPEAACAQMBBAUFDAgDBgUFAAABAgMABBESBRMhMQYHQVFxIjJhgZEUFzM0NVNyc4KhsrMjQlKDorHD0UR0tCRikpOjwUOkwtLhFSVUY2T/xAAbAQEAAwEBAQEAAAAAAAAAAAAABAUGAwIBB//EADURAQAAAwIKCQMFAQAAAAAAAAABAgMEEQUSExRRYmOhseEVFjEyMzRTgcEhQXEiYXLR8JH/2gAMAwEAAhEDEQA/ALxr8zX7VJ9Kvjt19Y1cqtTJwvuT8H2HPJ4y42LdC/svXXmjNZ/orhnWqter223c2gM0ZrP9FM61Tq9tt3NoDNGaz/RTOtU6vbbdzaAzRms/0UzrVOr223c2gM0ZrP8ARTOtU6vbbdzaAzX7VDbPs2nljiTznYKPR3n1DJ9VXlZWywxpGgwqAKB6AK7Uqsal/wBLlbhCwS2PFhlMaMf2u+X3zX5ms49YW3vd19K6nMafoou7Sp4kfSbU2e4jup46kej+FkvXHFsxReAP6RvWQF+y3fXZWrXr8zVV9fHwdl9KX8KUodU3yrbeEv5T0Gg81+1RvXD0cFtcrcRjEdxnUByEo4t/xDyvENXnqf6Rm2uvczt+iuOAzyWUDyT9oeT6TpoL0oopN61Nve47B1Q4ln/RJ3gEfpG9S5GewstA5UVlbZWz3uZooIvPlYIPRnmT6AMk+gGr/wClOz0tdjXMMQwkdu6j1LzPpJ4k95oGnNftZLfka1lHyHgKD9zRmqf6ffH5/sflrS/UWa04sYwxWgo4CytOWfK3XwhHs0+7QGaM1n+ivOdarp1e227m0BmjNZ/opnWqdXttu5tAZozWf6KZ1qnV7bbubQGaM1n+imdap1e227m0BmjNZ/opnWqdXttu5tAZr9qveqfnd/uf6tWFUmnNjywipLZZ82rTUr77vv7XiqT6VfHbr6xquyqT6VfHbr6xq4WruwWuAPGn/HzBFUUUVCasUUUUBRRRQFFFFAUUUUDv1X7O1SyzkcIxoX6Ted7F/FTL1ibZ9x7PndTh2G6j79T8Mj0gam+zX06B2W6sYe+TMp+15v8ADppB69dpZe1tgfNDTsPScon3CT21ZUZcWSDC4Sr5a0zx+0Pp/wA/16sLS2aV444xlnZUUeliAv3kVqLY2zltYIYI/NiRUHpwOJPpJyfXVH9T+y9/tFXI8mBGk+0fJQfxMfs1fldUBVXXx8HZfSl/ClKHVN8q23hL+U9N/Xx8HZfSl/ClKHVN8q23hL+U9BbfWbswXGzbkYy0S75fQU4nHiuoeus8RSsjK6HDKQynuIOVPtArVG0Iw0UqnkyMD61IrKUZ4DwFBqvZd4J4IZV5SIkg+0oP/eqO639se6NoGMHyLdRGPpHypD+FfsVafQu7EWx7WR/Njtwx+iqk/wAhWebq5aV5JH86RmkbxZizfeTQWV1H7F1zT3TDhEN0n0mALnxC6R9s1YvT/wCTL76mT8NfHq52X7l2bbKRhnXev36n8rB9IBC/Zr7dP/ky++pk/DQZpk5HwrWcfIeArJknI+Fazj5DwFBUPT74/P8AY/LWl6mHp98fn+x+WtL1VdTvxb+xeWp/xhwFFFFeEoUUUUBRRRQFFFFAUUUUD/1T87v9z/Vqwqr3qn53f7n+rVhVY0PDgxGF/OT+3CAqk+lXx26+sarsqk+lXx26+saudq7sEzAHjT/j5giqKKKhNWKKKKAooooCiiigK9IhYhRzYgDxJwK81IdH4td3bL3yx/c4J/lX2EL43PFSbEljNoXbbxBEVRyUBR4AYFZ760rze7Uue6PREPsoCf4i1aIrL3SWbXe3jd88x/6jY+6rZ+dX3rS6irPEF3Nji8ix+pEDfzkPsqz6qDq56c2dhZLDOziTW7nTGzDieHEegCn7o10ytdoO6W7OWRQx1IV4E47edHwl9fHwdl9KX8KUodU3yrbeEv5T039fHwdl9KX8KUodU3yrbeEv5T0F39Kr4W9ldSn9SJyPSdJCj1nA9dZg5Dwq4uu3b4WOOzQ+U5EsvoQHyAfFhn7HppE6uthm9v4VI/RxETSHswpBAP0m0jHdnuoLQ6XA2PR/dfrCGG3Pi2hH+7VVI7OtN9NDF87Ikf8AxOF/71c/XhPpsYV/bnUeyOQ/zAqpOi14kF5bSykhI5FdsDJ4ceAHPjig08qgAAcAOAqB6f8AyZffUyfhqG99bZ37cv8AyWqT6aXAl2TdyL5r27OM8OBTI4eBoM3ycj4GtZxeaPAVkyTkfA1rOLzR4CgqHp/8fn+x+WtL1MPT/wCPz+Ef5a0vVV1O/Fv7F5an/GHAUUUV4ShRRRQFFFFAUUUUBRRRQP8A1T87v9z/AFasKq96p+d3+5/qVYVWNDw4MRhfzk/twgKpPpV8duvrGq7KpPpV8duvrGrnau7BMwB40/4+YIqiiioTViiiigKKKKAooooCpbol8dtfpj+RqJqQ6PS6Lu2P/wC2Me1gP+9epO9BxtEL6U8P2jwXjWVtqfDz/WSfjNaprLvSSHReXa/szzD/AKjYq1fnjs2Z0PvrmJZYLZnjbOlg8Yzhip4M4PMEcuyrE6o+jN3Z3Fw1zA0atGqqSyHJ1Zx5LHsqd6n5tWyoR+w8qn/ms38mFOtBVXXx8HZfSl/ClKHVN8q23hL+U9N/Xx8HZfSl/ClKHVN8q23hL+U9BbG0+ruxuZZJpkkaSQ6mO+cegYAOAAMADuFSfRvoxbbPWQWyFd4QWJZmJwMAZY8hx4ek99TNFBWXXt8Wtfrj+W1VDs+ykuJEihUvI5wqggZOCeZIHIGre69vi1p9cfy2qverf5Vsvpt+U9H16PV9tL/8N/8AmQ/++rh6SQsmw5kYYZbTSw7iIgCOFNlQ/TCAybPvUHNoJgPHdtj78UfGYpfNPga1lF5o8B/KsmuMg+kVqvZVwJYIXHJ40cetQaCqen/x+bwj/LWl6mbrGj03zn9pEb7iv/ppZqrq9+LfWGN9mp/iHAUUUV4SxRRRQFFFFAUUUUBRRRQWB1T/AOL/AHP9SrBqvuqf/F/uf6lWDVjQ8ODEYX85P7cICqT6VfHbr6xquyqT6VfHbr6xq52ruwTMAeNP+PmCKoooqE1YooooCiiigKKKKAr1HIVIYc1IYeIORXmij52r9t5g6K45MAw8CMis99aVludqXPdJolH2kGf4g1XL0Avt9ZRjPGLMR+z5v8JWkbr02XxtbkDvgc+14/6lWsscaEIvzyvSjSqzSR+0XV1FX+YruAnirrKPB10nHrQe2rSrPXVZtf3LtKHUcJMDA3ixBT+MKPtGtC16clVdfHwdl9KX8KUodU3yrbeEv5T039fHwdl9KX8KUodU3yrbeEv5T0GhKKKKCsuvb4ta/XH8tqr3q3+VbL6bflPVhde3xa1+uP5bVXvVv8q2X02/Keg0fXiWMMrKeRBB8CK90UGUbq2MUkkbc42aM+KsVP3itCdWF/v9l2p7Y1MJ9GglR/CFPrqpetbZfufaUxx5MwWZfWMP69YY+sUz9Rm18Nc2rHnidB7Fk/p/fQTHWpaYe3lxzDRk+B1L/NqQ6uDp3s/f2cmBlo8Sr9nzv4S1U/VfaJbp79LZYFrZSzQl+8v0+YCiiiuC3FFFFAUUUUBRRRQFFFFBYHVP/i/3P9SrBqvuqf8Axf7r+pVg1Y0PDgxGF/OT+3CAqk+lXx26+sarspA2x0DlnnmlWWMB2LAENkZ7682iSaaELoO2BrRSoVZo1JroXfKvaKdve3m+ei9jUe9vN89F7GqLkKmhoelLH6vEk0U7e9vN89F7Go97eb56L2NTIVNB0pY/V4kminb3t5vnovY1HvbzfPRexqZCpoOlLH6vEk0U7e9vN89F7Go97eb56L2NTIVNB0pY/V4kminb3t5vnovY1HvbzfPRexqZCpoOlLH6vFz9W+1d1cGJj5MwwPpjJHtGR44p56Y7FF9ZTwcNTLlD3OvFPVkAH0E0np1dTqQVnjBBBBAbII4gj11YtqH0LvMF8DUVzgntxnsqXQhNLC6aDOYXnoVasKtKe+/t/tlPylParKfAqwP3EH+VaV6F7dF/ZwzcNRGmQdzrwbwB5j0MKTemPVc13dPPbyxxiTDOrBvP/WIx2HgfHPfUn1e9DrrZkkmueJ4ZANSrqBDDzWGRjlkHv4d1d1Shevj4Oy+lL+FKUOqb5VtvCX8p6tLrG6ISbTW3EUiJui5OsHjqAAxjwqE6F9W09jeRXEk0TKgcEKGydSFRzHpoLNooooKy69vitr9cfy2qverf5Vsvpt+U9XF1i9FZNpwwxxSIhjk1kuDxGgjAx40sdFerCezvLe4eeJliYsQofJyjLwyPTQWpRRRQV71zbC39otwgy9sST9W2A/sIVvANVQdG9rtZXUFwuTu2yQP1lPBx61J9eK09NEHVlYAqwKkHiCCMEEd2Kp+86nJt4+5uIhHqOgMH1Bc+SCRzIHDPbigt23nWWNXQhkdQykcQVIyD4EVTHSbZXuS5kjx5PnJ9A8vZxHqqyegmxbixttxcSpIEJ3ZTVwU8SpyOw5x6Djsr30w6N+7kTSwWRDwYjgQfOBx6j6vTXGvTx5fp2rTBVshZq36o/pj2/EVP0U6+9xP89F7G/tR73E/z0Xsb+1Q8jU0NN0pY/VhvJVFOvvcT/PRexv7Ue9xP89F7G/tTI1ND50pY/V4kqinX3uJ/novY39qPe4n+ei9jf2pkamg6Usfq8SVRTr73E/z0Xsb+1HvcT/PRexv7UyNTQdKWP1eJKop197if56L2N/aj3uJ/novY39qZGpoOlLH6vF19U/8Ai/3X9SrBpZ6GdG3sd9rdW3mjGnPDTqznP0qZqnUYRlkhCLKYSqyVbTPPJG+EbuEBXmRwoJYgADJJOAB2knsr1Spc3c099NZkW5SOKOcGSF3zqZgAV3gGQVzn08hXRBNEUodVZSGVgCCDkEEZBBHMEV7qPtp2gt2e7MSbsSMzICqBFLaTgkkeQASM881y2dzdXKLIm7gRxqRZI2kkKnipcB0EZI/V8rHac5ACaoqHspbtbgRz7l4mjdxJGjxkMrIArIzsOIYnIP6p4CvKbUkuJZY7UIFhbRJNICy7zAJREUrrwCNTagAeHE5wE1RS5tnatzYLvpljnt1xvDEjRyRrnBfQXYSqO3BUgceNSO1b8raSTwMjaYmmUkFlYBCw5EcCMcfTQSVFRnRm+e5tLaeTSGmjjlwgIA1oGxxJzjPOuHpJtaaCeyji3WLmRoiXRmKkRs+eDjPm4xw586Bhorh2eLgPIJzEy4UoY0ZDnytYYM7cvIx4mu40BRSvs3at3cS30aG3BtpRGuqOTy8xq4yRJ5HnAcjyz6K6ti9JkmtJLmddxuTIs6s2RG0ZIk8rHlDhkHHHNBPUVD2k11OgkG7gVhlUkjaR8HkXxIoU96jOO+uW329JFdJa3iIrSgmCaPISXSMspViTFIOenLAjtzwoGKil7bu15obuxhj3ei5aRSWViV0R6+GHAOcEej01JbbadYXa1EbSqCVWQHDY/VyCNJPfxoO+iovo9tlLq0iuMgBly+Rp0MvCRWBPklWDAg91cdldXs8SyJuE3jkprjkyIfK0My7wEuw0HTwxq48sUDBRSq+1LwXyWmu2y0D3GvcycNMipp077/eznPZyqZsxc6ZRK0OrP6NkR9OnSPOQvnOrVyPLFBI0Up9GNr3l9Z290pt13uGMe6k4DXpbD73ngEjhUztra24MSIm8mmYrFHnTnAyzM2DoRRxLYPYACSAQk6KiXgvSCRPbA9gNtIwHoJ34J8cDwr1s6e4eBjMsaTKzr5Op08liFIBIOGGDjPDNBKUVB9C9ryXtlBcShA0oLaUBAAyQBkk55c+FfO72tMm0be1G73csUkpJVtQ0FQQDrxx1DjjhjkaBgopf6X9Ijs9YJDGXjaQrLpBLIgjdmcAc9OnJ9Gam7W5SVFkjYMjgMrKcgg8iDQfWiofZN9LJcXcchj0wsiqVRgTqjV8nLEcNWPVn0Vzw7XmO05LQ7vdrAtxq0tq8qQoF87HDBOceqgYKKitqbXMcsVvCoeeQM4BOFSNSA0kh5hckKAOLE44DJHi5W9RS0b28rDjuzE8Wr0CTeNoPpKn1UExRURsDba30BkhyjgtG6SLkxSKcOjqCMkeg9or4dCdsS3tos8wRSzSLpQMANEjJzLHOdOeznQT1FQ1/tCVLy1hXd7uZZWOVbUN3o4AhscdXdwx21zbf2tPDd2UEW6xcmVcujMUKR6+xxqzxHZj00DFRXFs8TguJzEw4aDGjJ36tQZ248q7aApMEcjbbut1IqH3JBksmv/xZezUMU50ttsO4W/lu45ogJIkh3bxM2ArEg6w445J7KDg6w4phsa6DsHkGkuVXSGQTqWwuTgbvPDJ7ePbTdaTrJGjxkFHVWUjkQRkEeqvhaWzmN1uGSQuWyFQhNJGNOlieGOeTxJPhULs3o/PZZSzuFNvklYJ0Zt3k5xHKrAhOfksG8aBmpN6p3J2fpf4VJrhZe/eb5mbPp8oGp6ytrgzbyeSPSEKrHGjDiSCWZ2Y6jgAAADGW554cU3R54rl7mzlETS430ToXjkIGA2AQY5P94ZB7QedBJ7d0+5bneY0bqTVnlp0HVn0YzSzsGNl6PoHzq9xuePcY2K/wkVNXuypbtd3dOghONcUYb9Jg+a8jHzD2qAM8icZB7dsWZmt5oUIUyI0YJGQupSudIIzjPLIoOHoN8mbO/wAtb/krUX04BNzsgKQre6WwSNWP0EnZkZ9tdey9j3dvaxWy3EOI0WISblwwUDAIG8xqA7eWeyvr0k2JLcy2kkUqRm2kMoDxl9RKlcHDLgYJ9vooJKwimUvvpVcHGjTHoxzyCNRyeXHPq7+2uGyin1lppIyunCrGjLxzxLFmOeQA5Y4888O6gT+i+v3Xtjd6c+6U4tnA/wBmj44HneGR41w9Pdmi12RKqanG9SaY9r6rhXlJHcSeXIDh2Uw7B2LJbT3krSIwuZBLpClSmECgZJOrgBxwKmLq3WVHjkUMjgqynkQRgg+qg9xuGAKnIIBBHaDypQ6xo9R2WE+E93QFe/ADNIfAKCT4V37I2Nc2S7qGdJYF4RrMra4x+zvVPlqOQyuQO01222ySZhcXDiSVQyxhV0pGG87QpJJY4ALE8hwCgkEIfpV8pbF+suf9O1NtL3SLYUtzcWc8UyRm1Z2AeMvrLqFOcOuBpz38/RUjaQ3G81SyRlApAWNGXLEjixZjyAIAx+saBWvLLd7S9yqf9nvw1xKn+9HgSgdmmUGMMO3DftU81BX+xZJL63ulkQCFJI9BUktrxk6s+TjSOw1O0ClP8vQ/5CX/AFEVNpqBm2JIdopeCRNKwtb7vSckM4ctrzwOQOGOznU3MCVOnGrHDPLPpoEXqyguDsqwMcyBMAlTFk6d8dYD6+BIzxxXZtGTRt2zLnCyWs0cefnN4jOB6dAFfbo90fu7KzjtUuISqAqHMDhgCSeW9xkZOPVUt0h2DHexhJNSsjB45EOl43HJkbv+6gla8S+a3gf5VDW0F/GulpreXHAO0Txt6NSq5Unw0j0CuyztJUgZXkV5m1EvoKrlicYTJIVRgAZyQvOgVurOzkbZVkVuZEBj4KEiIHlN2shPtNfWWBk21Z65WkzbXOCyoMeXFy0KPvqa6IbGaxtIbZnWTdAqHClcjUTxUk4599eLzYsj38F2siBYo3i3ZU5bWQSdeeGMDhg8vTwD92+f9p2aDyM0g/8AKT1ASRtsOUugLbNlbLqOPuR2PnKPmWJ4j9U8vSybZ2ZJNNaSI6qLeRpSGUnXmJ48ZBGng5OePIVKSxh1KsAVYEEEZBB5gg8xQQ2wmDXN+ykFWaFgQcgg26YIPaKjrf5en/yMX+oepHox0bSw36xMxjkcOisSd2NIGgEnioxw7s49NeY9iSDaL3m8TS0K2+70nIAfUG1558Twx66CM2bJp27eq/N7aBos/sKzB8fbanGoXpB0fFy0UqSNDcQkmKVQDgHzldTwdD2rw9BFfssN80bKJbdHwQJBE7cccxGX4etm9dBEdDIiL7bLL8EbiNV7tYiBl+9hnwr31WfJsQ7RJcA+g+6JK+ezNtDZyCG9tzbqCTv0LSwOSSWd5cao3Yksd4BxJ4mujZFnummksLmCS3nczGNjqVXbz2jlQnCtz0kHjyI5UHTtM52nYDtEV23q/QD+ZHtrg6XKx2hscIwVtdzgldQH6DuyM+2pnZdlmVriSVZZSu6BQYSNM6iqjJOScFiTx0rwAAFcu39iTT3NnPFLGnuYyEK8bPrLqFOSHXSAM9/E+jiEps6KZd5v5Fky3kFY9GF0jgRqOTq1cc9orsrhsIpw7tPJGykKEWNGXBydRYsx1Z8nHLGk8813UBUXNt+BJWhLNvFAYoIpWIUnAbCqfJJBGeXCpSkyS7EW3JiVds2UQ8iNnPw8nMKDigZ7TaccqM8ZYqpKn9G4IIxkaCurtHZUMekccpjljuSIAea20rB+OkgylcKNXDA45HPmKm9m3azJvEVlBZgdaFGyrFDlWAI4r29gFJvV9tRI9nQo8crZklTKwuy+VcuBlgNOMkZJOBxzQN+1dqxWqbyd9CZALFWIGTgZIBxkkDjXNP0kt4xqldo17WlhljUeLugUe2onrS+TJ/pQfnx01suQQeINB4hmV1DIwZSMgqQQR3gjnUFf7eSTeRwTsjRnTIVtpZWQ4yBjTpQ445YHh2dtRXR6D3DtW4s4uFvND7rRP1Y2EmiQIP1QxIOOVfmwb9Yb7bGpJWzNEf0cTyf4ZP2AeNA2DaMe4E+omMoJAwRj5JGQdOMgY48q44uk1qwjbe4WTAjd0dEfPm6ZGUK2ezB419ruRXtHZRhWhYgYxgGMkDHZwpJtp4bjo/Daq8ck0tqkKRa1Lb3djSCvMaWGon9UKSeVBY9fA3aCQRahvCpkC9ukEAnwyQPXRYwmOONGbUVVVLHtIABPrpC2zd6Jo9qBvJiuTbN/lidy5I7QJ8yA92KCwpH0gk54dwJPsHE1ybK2rFdJvIH1pkjUFYAkHBwSBnBBHDurtpT6r/k2L6y4/wBRJQT+1NqxWqq076FYhQdLEZJwBlQeJPADtr8tdrxSSbtS4fSXw0UicAQCfLUA8WX21AdZxxZoe65tTwGT8OnIdpqdtNppLJoEcqsFLZkhdBjIBAZgM8ccB6M9lBIVFydIIFlaHU5kUBmRYZWIB5HCofJPfyqUpUsflu7/AMpb/my0Eza7et5JN0sqiXGd24KOR3hHAYj1V2Xl0sKM8hIVQSxCk4AGSSACcYqK6XbBS+tnRhh1BeKQcGjkAyrKw4jjjl2VH7E2q15sYTSee9vJqPeyqysfWQT66CWg6RW77sq7ESFQjbmUK2rzcOU04PfmpWlDoTtRBYbOiaOUlooVB3L6MhAQdZGkDhkHPdjjim+g4L7bEMEkccjlXlJCDQ51EDJC4U5IHHFd9KXS74/sb6+X/TvTbQfC5u0i0a2C62Ea57WOcAek4NfZ2wCePDuBP3DiaS+m1q14ZkjOHs4hPHx/xBbXF61WMjwnpm2DtRbu2gnTlKivjuJHEeIOR6qD92XtaG6DNA+sKxRjpYYYcx5QHEdo7K/bvakUUkcbsQ8pIQaGOogEkAgYyACfAE0v9W3xe6/zl3+ca7OkPxzZX103+kmoJe9v44dOsnLHCqqs7NjnhEBY47cDhX5s7aUdwHMZbyG0MHjeMg4BwVdQeRBzjBzS70vkmtLi3v44zNFFHJDOi+esbsjbxB24KDI7vaGDZG0IbqJZ7dg6SDIYduOGCOYI5YPEYoPtPeJG0SOwDSkqgPNiEZyB4KrH1V96QemmqU3FxEQX2aYmjGebjEtyPSGhMa+OqneyulmjjljOUkVXU94YZH3Gg/LG+jnXXE4dcsuR2MrFWB7iCCMV42ltKO2UNMxVSQudLMMsQqjyQcEsQB3k1X2z4Zdnp7vtg0kLvN7sgHE+TM676IftgDiO0D1hn6S3cdzYRywuHjeW0ZWHIj3XF7PDsoJu+vo4Y95MwRMopLcBl2CKDnllmUceWeNfAbBtQ+v3LBr/AGtymr/ixmo7p9Aslnu5BlJJ7JGHerXsCsPYTUZsXaEmzZ0sbxy0LnTaXDdvdDKeyQDkf1h6eFA0LtOLfbgE7wLr06HHk5xnOMac8M5r53224YJEikYiRwSiiORi2kAtp0qdWARnHLNc2n/7ln/+bH/W/wDmonpVMI9p7IYhjgXnBVLH4JOSjiaBlsNoxz692WOggMGR0IJGRwcA8q6649nXyz7wqjrpbQ28jaMk6QeTAEjDDjXZQFKMLkbclYq2g2kcYfQ2guJmJUPjTqww4ZpuooPLsFBJ4AcTSL0C2slts1FmjnV0aZiht5tRzK7LgaOOQR7afKKBS60AzbNlVEd3ZosIil2OJUY4CjJwAeNTP/1+DTkMx7dIikL/APLC6s+jFSlFAv7F2e73U97MhQuiwRRnGpIlJYl8cA7uc4ycBV7c1E9Hr9Yb7axkWVVkmjZG3MpVwIVUlWC4PEGnaigiry8ElnLIFYBo5NIKMGIwwXyCNWTwwMZ4il7Y+wxd7HsomLRTwxRGNypV4ZkXAOCMjjkEHmCe+naigTj0mnFlOJYJEvYwY9IikZGkPkpJGyghoskMe1QDmpJuidq1p7n3UZBi3WvQurzNOrVjJbtz31P0UCz0F2k72aJch1mgBik1oy6tHkh1LAa1YAHUOGSai+rvaqwWCpOk0bq8xKtbzA4aVnXA0ceDDlT1RQJvWDM0ljAyxyFmmtpNCxszgLIrtlVBPAA5pht9sRySIkYckgkkxSKFAHazKADnSMc+PoNSNFAUlpeCLbVy7q4ja2ijEm7cpqWRyV1hdOcMO2nSiggdq7VaWN4rNWeV1Kq5RhFHkY1vIQAQvPSpLHu7QTbPSy2Y8EeorFbtGuASzERkchxLMewdpqeooFHojtdIrCyidJRKscMRQwSgh8BeOU4AH9bkBxzim6iigTum0ui82S+iRljmkdykbvpUxFAW0A4GW+491TybdiZyq6yAjOzbqQAYIAGSvFjngo48DUnRQLPRjZ0c8JnngQyzu8zCSIalBOI0YMMgrGI1I7wa5eh4Nnc3tkyOIhIZ7dtB0aZfKaMNjSCrk8OeGpwooE7o+52dNeQXAZY5J5LmGbSShWQgsjMBhHVs8GxkEYzUjk3d5byIrbm2Eja2UqHkddChARllCGQluWWUDPlYYKKCMudtRxTGKXKDQrq5VtLZLAqHxjUMDhz8oVC9Hols12jOI3SCSUyxRBG1HEShysWNQLuGwuOWD2020UC50a2LE1rE88MbSygyyl0DHXIS7rlhnCsxUDsCgcK4ugcjWy3FlKHAtZHELsraXhPlx4cjDFQSpAJxgU4UUC90EfNoAysrCW4yrqynBuZCpwwBwVIIPpqB230fms3/ANjXXaXE0DSwD/wXE8bb2IfsHHlL2c+XJ/ooF3p4x9yqFVmbf2jYRWY4S7hdzhQTgKpJ8Kk9sbLhvYHhmUPG49ncVPYRzBrvooE/ova3cN20V1+kWKHRFcfOoZAQH7pFxg9/A+k/nSmfRtPZTlJCkYutbJE7hNcaKmoqpxk59lONFBw2G0kmaQRhsIFJYo6gk54DUBqIAGcd4ruoooP/2Q=="/>
+          <p:cNvSpPr>
+            <a:spLocks noChangeAspect="1" noChangeArrowheads="1"/>
+          </p:cNvSpPr>
+          <p:nvPr/>
+        </p:nvSpPr>
+        <p:spPr bwMode="auto">
+          <a:xfrm>
+            <a:off x="307975" y="7937"/>
+            <a:ext cx="304800" cy="304801"/>
+          </a:xfrm>
+          <a:prstGeom prst="rect">
+            <a:avLst/>
+          </a:prstGeom>
+          <a:noFill/>
+          <a:extLst>
+            <a:ext uri="{909E8E84-426E-40DD-AFC4-6F175D3DCCD1}">
+              <a14:hiddenFill xmlns:a14="http://schemas.microsoft.com/office/drawing/2010/main">
+                <a:solidFill>
+                  <a:srgbClr val="FFFFFF"/>
+                </a:solidFill>
+              </a14:hiddenFill>
+            </a:ext>
+          </a:extLst>
+        </p:spPr>
+        <p:txBody>
+          <a:bodyPr vert="horz" wrap="square" lIns="91440" tIns="45720" rIns="91440" bIns="45720" numCol="1" anchor="t" anchorCtr="0" compatLnSpc="1">
+            <a:prstTxWarp prst="textNoShape">
+              <a:avLst/>
+            </a:prstTxWarp>
+          </a:bodyPr>
+          <a:lstStyle/>
+          <a:p>
+            <a:endParaRPr lang="en-US"/>
+          </a:p>
+        </p:txBody>
+      </p:sp>
+      <p:pic>
+        <p:nvPicPr>
+          <p:cNvPr id="2053" name="Picture 5"/>
+          <p:cNvPicPr>
+            <a:picLocks noChangeAspect="1" noChangeArrowheads="1"/>
+          </p:cNvPicPr>
+          <p:nvPr/>
+        </p:nvPicPr>
+        <p:blipFill>
+          <a:blip r:embed="rId8">
+            <a:extLst>
+              <a:ext uri="{28A0092B-C50C-407E-A947-70E740481C1C}">
+                <a14:useLocalDpi xmlns:a14="http://schemas.microsoft.com/office/drawing/2010/main" val="0"/>
+              </a:ext>
+            </a:extLst>
+          </a:blip>
+          <a:srcRect/>
+          <a:stretch>
+            <a:fillRect/>
+          </a:stretch>
+        </p:blipFill>
+        <p:spPr bwMode="auto">
+          <a:xfrm>
+            <a:off x="2857503" y="4153189"/>
+            <a:ext cx="2665476" cy="1332738"/>
+          </a:xfrm>
+          <a:prstGeom prst="rect">
+            <a:avLst/>
+          </a:prstGeom>
+          <a:noFill/>
+          <a:ln>
+            <a:noFill/>
+          </a:ln>
+          <a:extLst>
+            <a:ext uri="{909E8E84-426E-40DD-AFC4-6F175D3DCCD1}">
+              <a14:hiddenFill xmlns:a14="http://schemas.microsoft.com/office/drawing/2010/main">
+                <a:solidFill>
+                  <a:schemeClr val="accent1"/>
+                </a:solidFill>
+              </a14:hiddenFill>
+            </a:ext>
+            <a:ext uri="{91240B29-F687-4F45-9708-019B960494DF}">
+              <a14:hiddenLine xmlns:a14="http://schemas.microsoft.com/office/drawing/2010/main" w="9525">
+                <a:solidFill>
+                  <a:schemeClr val="tx1"/>
+                </a:solidFill>
+                <a:miter lim="800000"/>
+                <a:headEnd/>
+                <a:tailEnd/>
+              </a14:hiddenLine>
+            </a:ext>
+          </a:extLst>
+        </p:spPr>
+      </p:pic>
+      <p:graphicFrame>
+        <p:nvGraphicFramePr>
+          <p:cNvPr id="12" name="Object 11"/>
+          <p:cNvGraphicFramePr>
+            <a:graphicFrameLocks noChangeAspect="1"/>
+          </p:cNvGraphicFramePr>
+          <p:nvPr>
+            <p:extLst>
+              <p:ext uri="{D42A27DB-BD31-4B8C-83A1-F6EECF244321}">
+                <p14:modId xmlns:p14="http://schemas.microsoft.com/office/powerpoint/2010/main" val="4286419755"/>
+              </p:ext>
+            </p:extLst>
+          </p:nvPr>
+        </p:nvGraphicFramePr>
+        <p:xfrm>
+          <a:off x="6746886" y="2792669"/>
+          <a:ext cx="1295610" cy="1295610"/>
+        </p:xfrm>
+        <a:graphic>
+          <a:graphicData uri="http://schemas.openxmlformats.org/presentationml/2006/ole">
+            <mc:AlternateContent xmlns:mc="http://schemas.openxmlformats.org/markup-compatibility/2006">
+              <mc:Choice xmlns:v="urn:schemas-microsoft-com:vml" Requires="v">
+                <p:oleObj spid="_x0000_s2058" name="Image" r:id="rId9" imgW="2031480" imgH="2031480" progId="Photoshop.Image.16">
+                  <p:embed/>
+                </p:oleObj>
+              </mc:Choice>
+              <mc:Fallback>
+                <p:oleObj name="Image" r:id="rId9" imgW="2031480" imgH="2031480" progId="Photoshop.Image.16">
+                  <p:embed/>
+                  <p:pic>
+                    <p:nvPicPr>
+                      <p:cNvPr id="0" name=""/>
+                      <p:cNvPicPr/>
+                      <p:nvPr/>
+                    </p:nvPicPr>
+                    <p:blipFill>
+                      <a:blip r:embed="rId10"/>
+                      <a:stretch>
+                        <a:fillRect/>
+                      </a:stretch>
+                    </p:blipFill>
+                    <p:spPr>
+                      <a:xfrm>
+                        <a:off x="6746886" y="2792669"/>
+                        <a:ext cx="1295610" cy="1295610"/>
+                      </a:xfrm>
+                      <a:prstGeom prst="rect">
+                        <a:avLst/>
+                      </a:prstGeom>
+                    </p:spPr>
+                  </p:pic>
+                </p:oleObj>
+              </mc:Fallback>
+            </mc:AlternateContent>
+          </a:graphicData>
+        </a:graphic>
+      </p:graphicFrame>
+    </p:spTree>
+    <p:extLst>
+      <p:ext uri="{BB962C8B-B14F-4D97-AF65-F5344CB8AC3E}">
+        <p14:creationId xmlns:p14="http://schemas.microsoft.com/office/powerpoint/2010/main" val="1919170343"/>
+      </p:ext>
+    </p:extLst>
+  </p:cSld>
+  <p:clrMapOvr>
+    <a:masterClrMapping/>
+  </p:clrMapOvr>
+  <mc:AlternateContent xmlns:mc="http://schemas.openxmlformats.org/markup-compatibility/2006" xmlns:p14="http://schemas.microsoft.com/office/powerpoint/2010/main">
+    <mc:Choice Requires="p14">
+      <p:transition p14:dur="100">
+        <p:fade/>
+      </p:transition>
+    </mc:Choice>
+    <mc:Fallback xmlns="">
+      <p:transition>
+        <p:fade/>
+      </p:transition>
+    </mc:Fallback>
+  </mc:AlternateContent>
+  <p:timing>
+    <p:tnLst>
+      <p:par>
+        <p:cTn id="1" dur="indefinite" restart="never" nodeType="tmRoot"/>
+      </p:par>
+    </p:tnLst>
+  </p:timing>
+</p:sld>
+</file>
+
+<file path=ppt/slides/slide30.xml><?xml version="1.0" encoding="utf-8"?>
 <p:sld xmlns:a="http://schemas.openxmlformats.org/drawingml/2006/main" xmlns:r="http://schemas.openxmlformats.org/officeDocument/2006/relationships" xmlns:p="http://schemas.openxmlformats.org/presentationml/2006/main">
   <p:cSld>
     <p:spTree>
@@ -43267,135 +43755,7 @@
 </p:sld>
 </file>
 
-<file path=ppt/slides/slide3.xml><?xml version="1.0" encoding="utf-8"?>
-<p:sld xmlns:a="http://schemas.openxmlformats.org/drawingml/2006/main" xmlns:r="http://schemas.openxmlformats.org/officeDocument/2006/relationships" xmlns:p="http://schemas.openxmlformats.org/presentationml/2006/main">
-  <p:cSld>
-    <p:spTree>
-      <p:nvGrpSpPr>
-        <p:cNvPr id="1" name=""/>
-        <p:cNvGrpSpPr/>
-        <p:nvPr/>
-      </p:nvGrpSpPr>
-      <p:grpSpPr>
-        <a:xfrm>
-          <a:off x="0" y="0"/>
-          <a:ext cx="0" cy="0"/>
-          <a:chOff x="0" y="0"/>
-          <a:chExt cx="0" cy="0"/>
-        </a:xfrm>
-      </p:grpSpPr>
-      <p:sp>
-        <p:nvSpPr>
-          <p:cNvPr id="3" name="Title 2"/>
-          <p:cNvSpPr>
-            <a:spLocks noGrp="1"/>
-          </p:cNvSpPr>
-          <p:nvPr>
-            <p:ph type="title"/>
-          </p:nvPr>
-        </p:nvSpPr>
-        <p:spPr/>
-        <p:txBody>
-          <a:bodyPr/>
-          <a:lstStyle/>
-          <a:p>
-            <a:r>
-              <a:rPr lang="en-US" dirty="0" smtClean="0"/>
-              <a:t>What is General Purpose Computing?</a:t>
-            </a:r>
-            <a:endParaRPr lang="en-US" dirty="0"/>
-          </a:p>
-        </p:txBody>
-      </p:sp>
-      <p:sp>
-        <p:nvSpPr>
-          <p:cNvPr id="4" name="Content Placeholder 3"/>
-          <p:cNvSpPr>
-            <a:spLocks noGrp="1"/>
-          </p:cNvSpPr>
-          <p:nvPr>
-            <p:ph idx="1"/>
-          </p:nvPr>
-        </p:nvSpPr>
-        <p:spPr/>
-        <p:txBody>
-          <a:bodyPr/>
-          <a:lstStyle/>
-          <a:p>
-            <a:pPr lvl="1"/>
-            <a:r>
-              <a:rPr lang="en-US" dirty="0" smtClean="0"/>
-              <a:t>Not the ISA (x86, ARM, Power…)</a:t>
-            </a:r>
-          </a:p>
-          <a:p>
-            <a:pPr lvl="1"/>
-            <a:r>
-              <a:rPr lang="en-US" dirty="0" smtClean="0"/>
-              <a:t>Not the operating system (Unix, Windows, CP/M)</a:t>
-            </a:r>
-            <a:br>
-              <a:rPr lang="en-US" dirty="0" smtClean="0"/>
-            </a:br>
-            <a:r>
-              <a:rPr lang="en-US" dirty="0" smtClean="0"/>
-              <a:t/>
-            </a:r>
-            <a:br>
-              <a:rPr lang="en-US" dirty="0" smtClean="0"/>
-            </a:br>
-            <a:endParaRPr lang="en-US" dirty="0" smtClean="0"/>
-          </a:p>
-          <a:p>
-            <a:pPr lvl="1"/>
-            <a:r>
-              <a:rPr lang="en-US" dirty="0" smtClean="0"/>
-              <a:t>General purpose computing is programmability</a:t>
-            </a:r>
-          </a:p>
-          <a:p>
-            <a:pPr lvl="2"/>
-            <a:r>
-              <a:rPr lang="en-US" dirty="0" smtClean="0"/>
-              <a:t>Enables even novice programmers to build powerful programs</a:t>
-            </a:r>
-            <a:endParaRPr lang="en-US" dirty="0"/>
-          </a:p>
-        </p:txBody>
-      </p:sp>
-    </p:spTree>
-    <p:extLst>
-      <p:ext uri="{BB962C8B-B14F-4D97-AF65-F5344CB8AC3E}">
-        <p14:creationId xmlns:p14="http://schemas.microsoft.com/office/powerpoint/2010/main" val="4211766220"/>
-      </p:ext>
-    </p:extLst>
-  </p:cSld>
-  <p:clrMapOvr>
-    <a:masterClrMapping/>
-  </p:clrMapOvr>
-  <mc:AlternateContent xmlns:mc="http://schemas.openxmlformats.org/markup-compatibility/2006" xmlns:p14="http://schemas.microsoft.com/office/powerpoint/2010/main">
-    <mc:Choice Requires="p14">
-      <p:transition p14:dur="100">
-        <p:fade/>
-      </p:transition>
-    </mc:Choice>
-    <mc:Fallback xmlns="">
-      <p:transition>
-        <p:fade/>
-      </p:transition>
-    </mc:Fallback>
-  </mc:AlternateContent>
-  <p:timing>
-    <p:tnLst>
-      <p:par>
-        <p:cTn id="1" dur="indefinite" restart="never" nodeType="tmRoot"/>
-      </p:par>
-    </p:tnLst>
-  </p:timing>
-</p:sld>
-</file>
-
-<file path=ppt/slides/slide30.xml><?xml version="1.0" encoding="utf-8"?>
+<file path=ppt/slides/slide31.xml><?xml version="1.0" encoding="utf-8"?>
 <p:sld xmlns:a="http://schemas.openxmlformats.org/drawingml/2006/main" xmlns:r="http://schemas.openxmlformats.org/officeDocument/2006/relationships" xmlns:p="http://schemas.openxmlformats.org/presentationml/2006/main">
   <p:cSld>
     <p:spTree>
@@ -43787,7 +44147,7 @@
 </p:sld>
 </file>
 
-<file path=ppt/slides/slide31.xml><?xml version="1.0" encoding="utf-8"?>
+<file path=ppt/slides/slide32.xml><?xml version="1.0" encoding="utf-8"?>
 <p:sld xmlns:a="http://schemas.openxmlformats.org/drawingml/2006/main" xmlns:r="http://schemas.openxmlformats.org/officeDocument/2006/relationships" xmlns:p="http://schemas.openxmlformats.org/presentationml/2006/main">
   <p:cSld>
     <p:spTree>
@@ -45528,7 +45888,7 @@
 </p:sld>
 </file>
 
-<file path=ppt/slides/slide32.xml><?xml version="1.0" encoding="utf-8"?>
+<file path=ppt/slides/slide33.xml><?xml version="1.0" encoding="utf-8"?>
 <p:sld xmlns:a="http://schemas.openxmlformats.org/drawingml/2006/main" xmlns:r="http://schemas.openxmlformats.org/officeDocument/2006/relationships" xmlns:p="http://schemas.openxmlformats.org/presentationml/2006/main">
   <p:cSld>
     <p:spTree>
@@ -45775,11 +46135,7 @@
             </a:r>
             <a:r>
               <a:rPr lang="en-US" dirty="0" smtClean="0"/>
-              <a:t> Scalable Service </a:t>
-            </a:r>
-            <a:r>
-              <a:rPr lang="en-US" dirty="0" smtClean="0"/>
-              <a:t>Architecture: Multiple Clients</a:t>
+              <a:t> Scalable Service Architecture: Multiple Clients</a:t>
             </a:r>
             <a:endParaRPr lang="en-US" dirty="0"/>
           </a:p>
@@ -47490,7 +47846,7 @@
 </p:sld>
 </file>
 
-<file path=ppt/slides/slide33.xml><?xml version="1.0" encoding="utf-8"?>
+<file path=ppt/slides/slide34.xml><?xml version="1.0" encoding="utf-8"?>
 <p:sld xmlns:a="http://schemas.openxmlformats.org/drawingml/2006/main" xmlns:r="http://schemas.openxmlformats.org/officeDocument/2006/relationships" xmlns:p="http://schemas.openxmlformats.org/presentationml/2006/main">
   <p:cSld>
     <p:spTree>
@@ -47808,11 +48164,7 @@
             </a:r>
             <a:r>
               <a:rPr lang="en-US" dirty="0" smtClean="0"/>
-              <a:t> Scalable Service </a:t>
-            </a:r>
-            <a:r>
-              <a:rPr lang="en-US" dirty="0" smtClean="0"/>
-              <a:t>Architecture: Multiple FPGAs</a:t>
+              <a:t> Scalable Service Architecture: Multiple FPGAs</a:t>
             </a:r>
             <a:endParaRPr lang="en-US" dirty="0"/>
           </a:p>
@@ -49259,7 +49611,7 @@
 </p:sld>
 </file>
 
-<file path=ppt/slides/slide34.xml><?xml version="1.0" encoding="utf-8"?>
+<file path=ppt/slides/slide35.xml><?xml version="1.0" encoding="utf-8"?>
 <p:sld xmlns:a="http://schemas.openxmlformats.org/drawingml/2006/main" xmlns:r="http://schemas.openxmlformats.org/officeDocument/2006/relationships" xmlns:p="http://schemas.openxmlformats.org/presentationml/2006/main">
   <p:cSld>
     <p:spTree>
@@ -49298,11 +49650,7 @@
           <a:p>
             <a:r>
               <a:rPr lang="en-US" dirty="0" smtClean="0"/>
-              <a:t>LEAP </a:t>
-            </a:r>
-            <a:r>
-              <a:rPr lang="en-US" dirty="0" smtClean="0"/>
-              <a:t>Services</a:t>
+              <a:t>LEAP Services</a:t>
             </a:r>
             <a:endParaRPr lang="en-US" dirty="0"/>
           </a:p>
@@ -49340,7 +49688,7 @@
 </p:sld>
 </file>
 
-<file path=ppt/slides/slide35.xml><?xml version="1.0" encoding="utf-8"?>
+<file path=ppt/slides/slide36.xml><?xml version="1.0" encoding="utf-8"?>
 <p:sld xmlns:a="http://schemas.openxmlformats.org/drawingml/2006/main" xmlns:r="http://schemas.openxmlformats.org/officeDocument/2006/relationships" xmlns:p="http://schemas.openxmlformats.org/presentationml/2006/main">
   <p:cSld>
     <p:spTree>
@@ -49484,13 +49832,13 @@
   <p:clrMapOvr>
     <a:masterClrMapping/>
   </p:clrMapOvr>
-  <mc:AlternateContent xmlns:mc="http://schemas.openxmlformats.org/markup-compatibility/2006">
-    <mc:Choice xmlns:p14="http://schemas.microsoft.com/office/powerpoint/2010/main" Requires="p14">
+  <mc:AlternateContent xmlns:mc="http://schemas.openxmlformats.org/markup-compatibility/2006" xmlns:p14="http://schemas.microsoft.com/office/powerpoint/2010/main">
+    <mc:Choice Requires="p14">
       <p:transition p14:dur="100">
         <p:fade/>
       </p:transition>
     </mc:Choice>
-    <mc:Fallback>
+    <mc:Fallback xmlns="">
       <p:transition>
         <p:fade/>
       </p:transition>
@@ -49506,7 +49854,7 @@
 </p:sld>
 </file>
 
-<file path=ppt/slides/slide36.xml><?xml version="1.0" encoding="utf-8"?>
+<file path=ppt/slides/slide37.xml><?xml version="1.0" encoding="utf-8"?>
 <p:sld xmlns:a="http://schemas.openxmlformats.org/drawingml/2006/main" xmlns:r="http://schemas.openxmlformats.org/officeDocument/2006/relationships" xmlns:p="http://schemas.openxmlformats.org/presentationml/2006/main">
   <p:cSld>
     <p:spTree>
@@ -49602,53 +49950,7 @@
       </p:grpSpPr>
       <p:sp>
         <p:nvSpPr>
-          <p:cNvPr id="6" name="Rounded Rectangle 5"/>
-          <p:cNvSpPr>
-            <a:spLocks noChangeAspect="1"/>
-          </p:cNvSpPr>
-          <p:nvPr/>
-        </p:nvSpPr>
-        <p:spPr>
-          <a:xfrm>
-            <a:off x="5947489" y="914400"/>
-            <a:ext cx="2695575" cy="4076760"/>
-          </a:xfrm>
-          <a:prstGeom prst="roundRect">
-            <a:avLst>
-              <a:gd name="adj" fmla="val 6066"/>
-            </a:avLst>
-          </a:prstGeom>
-        </p:spPr>
-        <p:style>
-          <a:lnRef idx="1">
-            <a:schemeClr val="dk1"/>
-          </a:lnRef>
-          <a:fillRef idx="2">
-            <a:schemeClr val="dk1"/>
-          </a:fillRef>
-          <a:effectRef idx="1">
-            <a:schemeClr val="dk1"/>
-          </a:effectRef>
-          <a:fontRef idx="minor">
-            <a:schemeClr val="dk1"/>
-          </a:fontRef>
-        </p:style>
-        <p:txBody>
-          <a:bodyPr rtlCol="0" anchor="t" anchorCtr="0"/>
-          <a:lstStyle/>
-          <a:p>
-            <a:r>
-              <a:rPr lang="en-US" sz="2800" dirty="0" smtClean="0">
-                <a:latin typeface="Calibri" pitchFamily="34" charset="0"/>
-              </a:rPr>
-              <a:t>User Program</a:t>
-            </a:r>
-          </a:p>
-        </p:txBody>
-      </p:sp>
-      <p:sp>
-        <p:nvSpPr>
-          <p:cNvPr id="2" name="Title 1"/>
+          <p:cNvPr id="3" name="Title 2"/>
           <p:cNvSpPr>
             <a:spLocks noGrp="1"/>
           </p:cNvSpPr>
@@ -49662,15 +49964,16 @@
           <a:lstStyle/>
           <a:p>
             <a:r>
-              <a:rPr lang="en-US" dirty="0"/>
-              <a:t>Where Does Programmability Come From?</a:t>
-            </a:r>
+              <a:rPr lang="en-US" dirty="0" smtClean="0"/>
+              <a:t>What is General Purpose Computing?</a:t>
+            </a:r>
+            <a:endParaRPr lang="en-US" dirty="0"/>
           </a:p>
         </p:txBody>
       </p:sp>
       <p:sp>
         <p:nvSpPr>
-          <p:cNvPr id="13" name="Content Placeholder 12"/>
+          <p:cNvPr id="4" name="Content Placeholder 3"/>
           <p:cNvSpPr>
             <a:spLocks noGrp="1"/>
           </p:cNvSpPr>
@@ -49678,318 +49981,56 @@
             <p:ph idx="1"/>
           </p:nvPr>
         </p:nvSpPr>
-        <p:spPr>
-          <a:xfrm>
-            <a:off x="455608" y="1166079"/>
-            <a:ext cx="5249867" cy="4868859"/>
-          </a:xfrm>
-        </p:spPr>
+        <p:spPr/>
         <p:txBody>
           <a:bodyPr/>
           <a:lstStyle/>
           <a:p>
             <a:pPr lvl="1"/>
             <a:r>
-              <a:rPr lang="en-US" dirty="0"/>
-              <a:t>Programming </a:t>
-            </a:r>
-            <a:r>
               <a:rPr lang="en-US" dirty="0" smtClean="0"/>
-              <a:t>languages</a:t>
+              <a:t>Not the ISA (x86, ARM, Power…)</a:t>
+            </a:r>
+          </a:p>
+          <a:p>
+            <a:pPr lvl="1"/>
+            <a:r>
+              <a:rPr lang="en-US" dirty="0" smtClean="0"/>
+              <a:t>Not the operating system (Unix, Windows, CP/M)</a:t>
+            </a:r>
+            <a:br>
+              <a:rPr lang="en-US" dirty="0" smtClean="0"/>
+            </a:br>
+            <a:r>
+              <a:rPr lang="en-US" dirty="0" smtClean="0"/>
+              <a:t/>
+            </a:r>
+            <a:br>
+              <a:rPr lang="en-US" dirty="0" smtClean="0"/>
+            </a:br>
+            <a:endParaRPr lang="en-US" dirty="0" smtClean="0"/>
+          </a:p>
+          <a:p>
+            <a:pPr lvl="1"/>
+            <a:r>
+              <a:rPr lang="en-US" dirty="0" smtClean="0"/>
+              <a:t>General purpose computing is programmability</a:t>
             </a:r>
           </a:p>
           <a:p>
             <a:pPr lvl="2"/>
             <a:r>
               <a:rPr lang="en-US" dirty="0" smtClean="0"/>
-              <a:t>Both high- and low-level</a:t>
-            </a:r>
-          </a:p>
-          <a:p>
-            <a:pPr lvl="1"/>
-            <a:r>
-              <a:rPr lang="en-US" dirty="0" smtClean="0"/>
-              <a:t>Services </a:t>
-            </a:r>
-            <a:r>
-              <a:rPr lang="en-US" dirty="0"/>
-              <a:t>with consistent interfaces (e.g. POSIX)</a:t>
-            </a:r>
-          </a:p>
-          <a:p>
-            <a:pPr lvl="2"/>
-            <a:r>
-              <a:rPr lang="en-US" dirty="0"/>
-              <a:t>Memory management (</a:t>
-            </a:r>
-            <a:r>
-              <a:rPr lang="en-US" dirty="0" err="1"/>
-              <a:t>malloc</a:t>
-            </a:r>
-            <a:r>
-              <a:rPr lang="en-US" dirty="0"/>
-              <a:t>, </a:t>
-            </a:r>
-            <a:r>
-              <a:rPr lang="en-US" dirty="0" err="1"/>
-              <a:t>mmap</a:t>
-            </a:r>
-            <a:r>
-              <a:rPr lang="en-US" dirty="0"/>
-              <a:t>)</a:t>
-            </a:r>
-          </a:p>
-          <a:p>
-            <a:pPr lvl="2"/>
-            <a:r>
-              <a:rPr lang="en-US" dirty="0"/>
-              <a:t>Message formatting and printing (</a:t>
-            </a:r>
-            <a:r>
-              <a:rPr lang="en-US" dirty="0" err="1"/>
-              <a:t>stdio</a:t>
-            </a:r>
-            <a:r>
-              <a:rPr lang="en-US" dirty="0"/>
-              <a:t>)</a:t>
-            </a:r>
-          </a:p>
-          <a:p>
-            <a:pPr lvl="2"/>
-            <a:r>
-              <a:rPr lang="en-US" dirty="0"/>
-              <a:t>Communication channels (pipes, TCP/IP)</a:t>
-            </a:r>
-          </a:p>
-          <a:p>
-            <a:pPr lvl="1"/>
-            <a:r>
-              <a:rPr lang="en-US" dirty="0"/>
-              <a:t>Kernel abstraction</a:t>
-            </a:r>
-          </a:p>
-          <a:p>
-            <a:pPr lvl="2"/>
-            <a:r>
-              <a:rPr lang="en-US" dirty="0"/>
-              <a:t>Consistent driver interfaces hide </a:t>
-            </a:r>
-            <a:r>
-              <a:rPr lang="en-US" dirty="0" smtClean="0"/>
-              <a:t>device hardware </a:t>
-            </a:r>
-            <a:r>
-              <a:rPr lang="en-US" dirty="0"/>
-              <a:t>variations</a:t>
-            </a:r>
-          </a:p>
-          <a:p>
-            <a:pPr lvl="2"/>
-            <a:r>
-              <a:rPr lang="en-US" dirty="0"/>
-              <a:t>Virtual memory eliminates machine-specific memory </a:t>
-            </a:r>
-            <a:r>
-              <a:rPr lang="en-US" dirty="0" smtClean="0"/>
-              <a:t>management</a:t>
-            </a:r>
-          </a:p>
-          <a:p>
-            <a:pPr lvl="1"/>
+              <a:t>Enables even novice programmers to build powerful programs</a:t>
+            </a:r>
             <a:endParaRPr lang="en-US" dirty="0"/>
-          </a:p>
-        </p:txBody>
-      </p:sp>
-      <p:sp>
-        <p:nvSpPr>
-          <p:cNvPr id="5" name="Rounded Rectangle 4"/>
-          <p:cNvSpPr>
-            <a:spLocks noChangeAspect="1"/>
-          </p:cNvSpPr>
-          <p:nvPr/>
-        </p:nvSpPr>
-        <p:spPr>
-          <a:xfrm>
-            <a:off x="6071746" y="3600509"/>
-            <a:ext cx="1551712" cy="1219200"/>
-          </a:xfrm>
-          <a:prstGeom prst="roundRect">
-            <a:avLst/>
-          </a:prstGeom>
-        </p:spPr>
-        <p:style>
-          <a:lnRef idx="1">
-            <a:schemeClr val="accent2"/>
-          </a:lnRef>
-          <a:fillRef idx="2">
-            <a:schemeClr val="accent2"/>
-          </a:fillRef>
-          <a:effectRef idx="1">
-            <a:schemeClr val="accent2"/>
-          </a:effectRef>
-          <a:fontRef idx="minor">
-            <a:schemeClr val="dk1"/>
-          </a:fontRef>
-        </p:style>
-        <p:txBody>
-          <a:bodyPr rtlCol="0" anchor="ctr"/>
-          <a:lstStyle/>
-          <a:p>
-            <a:pPr algn="ctr"/>
-            <a:r>
-              <a:rPr lang="en-US" sz="2800" dirty="0" err="1">
-                <a:latin typeface="Calibri" pitchFamily="34" charset="0"/>
-              </a:rPr>
-              <a:t>l</a:t>
-            </a:r>
-            <a:r>
-              <a:rPr lang="en-US" sz="2800" dirty="0" err="1" smtClean="0">
-                <a:latin typeface="Calibri" pitchFamily="34" charset="0"/>
-              </a:rPr>
-              <a:t>ibc</a:t>
-            </a:r>
-            <a:r>
-              <a:rPr lang="en-US" sz="2800" dirty="0" smtClean="0">
-                <a:latin typeface="Calibri" pitchFamily="34" charset="0"/>
-              </a:rPr>
-              <a:t> libraries</a:t>
-            </a:r>
-          </a:p>
-        </p:txBody>
-      </p:sp>
-      <p:sp>
-        <p:nvSpPr>
-          <p:cNvPr id="8" name="Rounded Rectangle 7"/>
-          <p:cNvSpPr>
-            <a:spLocks noChangeAspect="1"/>
-          </p:cNvSpPr>
-          <p:nvPr/>
-        </p:nvSpPr>
-        <p:spPr>
-          <a:xfrm>
-            <a:off x="5961334" y="4991160"/>
-            <a:ext cx="2681729" cy="733364"/>
-          </a:xfrm>
-          <a:prstGeom prst="roundRect">
-            <a:avLst/>
-          </a:prstGeom>
-        </p:spPr>
-        <p:style>
-          <a:lnRef idx="1">
-            <a:schemeClr val="accent2"/>
-          </a:lnRef>
-          <a:fillRef idx="2">
-            <a:schemeClr val="accent2"/>
-          </a:fillRef>
-          <a:effectRef idx="1">
-            <a:schemeClr val="accent2"/>
-          </a:effectRef>
-          <a:fontRef idx="minor">
-            <a:schemeClr val="dk1"/>
-          </a:fontRef>
-        </p:style>
-        <p:txBody>
-          <a:bodyPr rtlCol="0" anchor="ctr"/>
-          <a:lstStyle/>
-          <a:p>
-            <a:pPr algn="ctr"/>
-            <a:r>
-              <a:rPr lang="en-US" sz="2800" dirty="0" smtClean="0">
-                <a:latin typeface="Calibri" pitchFamily="34" charset="0"/>
-              </a:rPr>
-              <a:t>Kernel</a:t>
-            </a:r>
-          </a:p>
-        </p:txBody>
-      </p:sp>
-      <p:sp>
-        <p:nvSpPr>
-          <p:cNvPr id="11" name="Rounded Rectangle 10"/>
-          <p:cNvSpPr>
-            <a:spLocks noChangeAspect="1"/>
-          </p:cNvSpPr>
-          <p:nvPr/>
-        </p:nvSpPr>
-        <p:spPr>
-          <a:xfrm>
-            <a:off x="5947489" y="5724524"/>
-            <a:ext cx="2681729" cy="733364"/>
-          </a:xfrm>
-          <a:prstGeom prst="roundRect">
-            <a:avLst/>
-          </a:prstGeom>
-        </p:spPr>
-        <p:style>
-          <a:lnRef idx="1">
-            <a:schemeClr val="accent2"/>
-          </a:lnRef>
-          <a:fillRef idx="2">
-            <a:schemeClr val="accent2"/>
-          </a:fillRef>
-          <a:effectRef idx="1">
-            <a:schemeClr val="accent2"/>
-          </a:effectRef>
-          <a:fontRef idx="minor">
-            <a:schemeClr val="dk1"/>
-          </a:fontRef>
-        </p:style>
-        <p:txBody>
-          <a:bodyPr rtlCol="0" anchor="ctr"/>
-          <a:lstStyle/>
-          <a:p>
-            <a:pPr algn="ctr"/>
-            <a:r>
-              <a:rPr lang="en-US" sz="2800" dirty="0" smtClean="0">
-                <a:latin typeface="Calibri" pitchFamily="34" charset="0"/>
-              </a:rPr>
-              <a:t>Devices</a:t>
-            </a:r>
-          </a:p>
-        </p:txBody>
-      </p:sp>
-      <p:sp>
-        <p:nvSpPr>
-          <p:cNvPr id="15" name="TextBox 14"/>
-          <p:cNvSpPr txBox="1"/>
-          <p:nvPr/>
-        </p:nvSpPr>
-        <p:spPr>
-          <a:xfrm>
-            <a:off x="5986021" y="1828800"/>
-            <a:ext cx="3177029" cy="323165"/>
-          </a:xfrm>
-          <a:prstGeom prst="rect">
-            <a:avLst/>
-          </a:prstGeom>
-          <a:noFill/>
-        </p:spPr>
-        <p:txBody>
-          <a:bodyPr wrap="square" rtlCol="0">
-            <a:spAutoFit/>
-          </a:bodyPr>
-          <a:lstStyle/>
-          <a:p>
-            <a:r>
-              <a:rPr lang="en-US" sz="1500" dirty="0" err="1" smtClean="0">
-                <a:latin typeface="Courier New" panose="02070309020205020404" pitchFamily="49" charset="0"/>
-                <a:cs typeface="Courier New" panose="02070309020205020404" pitchFamily="49" charset="0"/>
-              </a:rPr>
-              <a:t>printf</a:t>
-            </a:r>
-            <a:r>
-              <a:rPr lang="en-US" sz="1500" dirty="0" smtClean="0">
-                <a:latin typeface="Courier New" panose="02070309020205020404" pitchFamily="49" charset="0"/>
-                <a:cs typeface="Courier New" panose="02070309020205020404" pitchFamily="49" charset="0"/>
-              </a:rPr>
-              <a:t>(“hello world”);</a:t>
-            </a:r>
           </a:p>
         </p:txBody>
       </p:sp>
     </p:spTree>
     <p:extLst>
       <p:ext uri="{BB962C8B-B14F-4D97-AF65-F5344CB8AC3E}">
-        <p14:creationId xmlns:p14="http://schemas.microsoft.com/office/powerpoint/2010/main" val="1752708887"/>
+        <p14:creationId xmlns:p14="http://schemas.microsoft.com/office/powerpoint/2010/main" val="4211766220"/>
       </p:ext>
     </p:extLst>
   </p:cSld>
@@ -50037,6 +50078,441 @@
       </p:grpSpPr>
       <p:sp>
         <p:nvSpPr>
+          <p:cNvPr id="6" name="Rounded Rectangle 5"/>
+          <p:cNvSpPr>
+            <a:spLocks noChangeAspect="1"/>
+          </p:cNvSpPr>
+          <p:nvPr/>
+        </p:nvSpPr>
+        <p:spPr>
+          <a:xfrm>
+            <a:off x="5947489" y="914400"/>
+            <a:ext cx="2695575" cy="4076760"/>
+          </a:xfrm>
+          <a:prstGeom prst="roundRect">
+            <a:avLst>
+              <a:gd name="adj" fmla="val 6066"/>
+            </a:avLst>
+          </a:prstGeom>
+        </p:spPr>
+        <p:style>
+          <a:lnRef idx="1">
+            <a:schemeClr val="dk1"/>
+          </a:lnRef>
+          <a:fillRef idx="2">
+            <a:schemeClr val="dk1"/>
+          </a:fillRef>
+          <a:effectRef idx="1">
+            <a:schemeClr val="dk1"/>
+          </a:effectRef>
+          <a:fontRef idx="minor">
+            <a:schemeClr val="dk1"/>
+          </a:fontRef>
+        </p:style>
+        <p:txBody>
+          <a:bodyPr rtlCol="0" anchor="t" anchorCtr="0"/>
+          <a:lstStyle/>
+          <a:p>
+            <a:r>
+              <a:rPr lang="en-US" sz="2800" dirty="0" smtClean="0">
+                <a:latin typeface="Calibri" pitchFamily="34" charset="0"/>
+              </a:rPr>
+              <a:t>User Program</a:t>
+            </a:r>
+          </a:p>
+        </p:txBody>
+      </p:sp>
+      <p:sp>
+        <p:nvSpPr>
+          <p:cNvPr id="2" name="Title 1"/>
+          <p:cNvSpPr>
+            <a:spLocks noGrp="1"/>
+          </p:cNvSpPr>
+          <p:nvPr>
+            <p:ph type="title"/>
+          </p:nvPr>
+        </p:nvSpPr>
+        <p:spPr/>
+        <p:txBody>
+          <a:bodyPr/>
+          <a:lstStyle/>
+          <a:p>
+            <a:r>
+              <a:rPr lang="en-US" dirty="0"/>
+              <a:t>Where Does Programmability Come From?</a:t>
+            </a:r>
+          </a:p>
+        </p:txBody>
+      </p:sp>
+      <p:sp>
+        <p:nvSpPr>
+          <p:cNvPr id="13" name="Content Placeholder 12"/>
+          <p:cNvSpPr>
+            <a:spLocks noGrp="1"/>
+          </p:cNvSpPr>
+          <p:nvPr>
+            <p:ph idx="1"/>
+          </p:nvPr>
+        </p:nvSpPr>
+        <p:spPr>
+          <a:xfrm>
+            <a:off x="455608" y="1166079"/>
+            <a:ext cx="5249867" cy="4868859"/>
+          </a:xfrm>
+        </p:spPr>
+        <p:txBody>
+          <a:bodyPr/>
+          <a:lstStyle/>
+          <a:p>
+            <a:pPr lvl="1"/>
+            <a:r>
+              <a:rPr lang="en-US" dirty="0"/>
+              <a:t>Programming </a:t>
+            </a:r>
+            <a:r>
+              <a:rPr lang="en-US" dirty="0" smtClean="0"/>
+              <a:t>languages</a:t>
+            </a:r>
+          </a:p>
+          <a:p>
+            <a:pPr lvl="2"/>
+            <a:r>
+              <a:rPr lang="en-US" dirty="0" smtClean="0"/>
+              <a:t>Both high- and low-level</a:t>
+            </a:r>
+          </a:p>
+          <a:p>
+            <a:pPr lvl="1"/>
+            <a:r>
+              <a:rPr lang="en-US" dirty="0" smtClean="0"/>
+              <a:t>Services </a:t>
+            </a:r>
+            <a:r>
+              <a:rPr lang="en-US" dirty="0"/>
+              <a:t>with consistent interfaces (e.g. POSIX)</a:t>
+            </a:r>
+          </a:p>
+          <a:p>
+            <a:pPr lvl="2"/>
+            <a:r>
+              <a:rPr lang="en-US" dirty="0"/>
+              <a:t>Memory management (</a:t>
+            </a:r>
+            <a:r>
+              <a:rPr lang="en-US" dirty="0" err="1"/>
+              <a:t>malloc</a:t>
+            </a:r>
+            <a:r>
+              <a:rPr lang="en-US" dirty="0"/>
+              <a:t>, </a:t>
+            </a:r>
+            <a:r>
+              <a:rPr lang="en-US" dirty="0" err="1"/>
+              <a:t>mmap</a:t>
+            </a:r>
+            <a:r>
+              <a:rPr lang="en-US" dirty="0"/>
+              <a:t>)</a:t>
+            </a:r>
+          </a:p>
+          <a:p>
+            <a:pPr lvl="2"/>
+            <a:r>
+              <a:rPr lang="en-US" dirty="0"/>
+              <a:t>Message formatting and printing (</a:t>
+            </a:r>
+            <a:r>
+              <a:rPr lang="en-US" dirty="0" err="1"/>
+              <a:t>stdio</a:t>
+            </a:r>
+            <a:r>
+              <a:rPr lang="en-US" dirty="0"/>
+              <a:t>)</a:t>
+            </a:r>
+          </a:p>
+          <a:p>
+            <a:pPr lvl="2"/>
+            <a:r>
+              <a:rPr lang="en-US" dirty="0"/>
+              <a:t>Communication channels (pipes, TCP/IP)</a:t>
+            </a:r>
+          </a:p>
+          <a:p>
+            <a:pPr lvl="1"/>
+            <a:r>
+              <a:rPr lang="en-US" dirty="0"/>
+              <a:t>Kernel abstraction</a:t>
+            </a:r>
+          </a:p>
+          <a:p>
+            <a:pPr lvl="2"/>
+            <a:r>
+              <a:rPr lang="en-US" dirty="0"/>
+              <a:t>Consistent driver interfaces hide </a:t>
+            </a:r>
+            <a:r>
+              <a:rPr lang="en-US" dirty="0" smtClean="0"/>
+              <a:t>device hardware </a:t>
+            </a:r>
+            <a:r>
+              <a:rPr lang="en-US" dirty="0"/>
+              <a:t>variations</a:t>
+            </a:r>
+          </a:p>
+          <a:p>
+            <a:pPr lvl="2"/>
+            <a:r>
+              <a:rPr lang="en-US" dirty="0"/>
+              <a:t>Virtual memory eliminates machine-specific memory </a:t>
+            </a:r>
+            <a:r>
+              <a:rPr lang="en-US" dirty="0" smtClean="0"/>
+              <a:t>management</a:t>
+            </a:r>
+          </a:p>
+          <a:p>
+            <a:pPr lvl="1"/>
+            <a:endParaRPr lang="en-US" dirty="0"/>
+          </a:p>
+        </p:txBody>
+      </p:sp>
+      <p:sp>
+        <p:nvSpPr>
+          <p:cNvPr id="5" name="Rounded Rectangle 4"/>
+          <p:cNvSpPr>
+            <a:spLocks noChangeAspect="1"/>
+          </p:cNvSpPr>
+          <p:nvPr/>
+        </p:nvSpPr>
+        <p:spPr>
+          <a:xfrm>
+            <a:off x="6071746" y="3600509"/>
+            <a:ext cx="1551712" cy="1219200"/>
+          </a:xfrm>
+          <a:prstGeom prst="roundRect">
+            <a:avLst/>
+          </a:prstGeom>
+        </p:spPr>
+        <p:style>
+          <a:lnRef idx="1">
+            <a:schemeClr val="accent2"/>
+          </a:lnRef>
+          <a:fillRef idx="2">
+            <a:schemeClr val="accent2"/>
+          </a:fillRef>
+          <a:effectRef idx="1">
+            <a:schemeClr val="accent2"/>
+          </a:effectRef>
+          <a:fontRef idx="minor">
+            <a:schemeClr val="dk1"/>
+          </a:fontRef>
+        </p:style>
+        <p:txBody>
+          <a:bodyPr rtlCol="0" anchor="ctr"/>
+          <a:lstStyle/>
+          <a:p>
+            <a:pPr algn="ctr"/>
+            <a:r>
+              <a:rPr lang="en-US" sz="2800" dirty="0" err="1">
+                <a:latin typeface="Calibri" pitchFamily="34" charset="0"/>
+              </a:rPr>
+              <a:t>l</a:t>
+            </a:r>
+            <a:r>
+              <a:rPr lang="en-US" sz="2800" dirty="0" err="1" smtClean="0">
+                <a:latin typeface="Calibri" pitchFamily="34" charset="0"/>
+              </a:rPr>
+              <a:t>ibc</a:t>
+            </a:r>
+            <a:r>
+              <a:rPr lang="en-US" sz="2800" dirty="0" smtClean="0">
+                <a:latin typeface="Calibri" pitchFamily="34" charset="0"/>
+              </a:rPr>
+              <a:t> libraries</a:t>
+            </a:r>
+          </a:p>
+        </p:txBody>
+      </p:sp>
+      <p:sp>
+        <p:nvSpPr>
+          <p:cNvPr id="8" name="Rounded Rectangle 7"/>
+          <p:cNvSpPr>
+            <a:spLocks noChangeAspect="1"/>
+          </p:cNvSpPr>
+          <p:nvPr/>
+        </p:nvSpPr>
+        <p:spPr>
+          <a:xfrm>
+            <a:off x="5961334" y="4991160"/>
+            <a:ext cx="2681729" cy="733364"/>
+          </a:xfrm>
+          <a:prstGeom prst="roundRect">
+            <a:avLst/>
+          </a:prstGeom>
+        </p:spPr>
+        <p:style>
+          <a:lnRef idx="1">
+            <a:schemeClr val="accent2"/>
+          </a:lnRef>
+          <a:fillRef idx="2">
+            <a:schemeClr val="accent2"/>
+          </a:fillRef>
+          <a:effectRef idx="1">
+            <a:schemeClr val="accent2"/>
+          </a:effectRef>
+          <a:fontRef idx="minor">
+            <a:schemeClr val="dk1"/>
+          </a:fontRef>
+        </p:style>
+        <p:txBody>
+          <a:bodyPr rtlCol="0" anchor="ctr"/>
+          <a:lstStyle/>
+          <a:p>
+            <a:pPr algn="ctr"/>
+            <a:r>
+              <a:rPr lang="en-US" sz="2800" dirty="0" smtClean="0">
+                <a:latin typeface="Calibri" pitchFamily="34" charset="0"/>
+              </a:rPr>
+              <a:t>Kernel</a:t>
+            </a:r>
+          </a:p>
+        </p:txBody>
+      </p:sp>
+      <p:sp>
+        <p:nvSpPr>
+          <p:cNvPr id="11" name="Rounded Rectangle 10"/>
+          <p:cNvSpPr>
+            <a:spLocks noChangeAspect="1"/>
+          </p:cNvSpPr>
+          <p:nvPr/>
+        </p:nvSpPr>
+        <p:spPr>
+          <a:xfrm>
+            <a:off x="5947489" y="5724524"/>
+            <a:ext cx="2681729" cy="733364"/>
+          </a:xfrm>
+          <a:prstGeom prst="roundRect">
+            <a:avLst/>
+          </a:prstGeom>
+        </p:spPr>
+        <p:style>
+          <a:lnRef idx="1">
+            <a:schemeClr val="accent2"/>
+          </a:lnRef>
+          <a:fillRef idx="2">
+            <a:schemeClr val="accent2"/>
+          </a:fillRef>
+          <a:effectRef idx="1">
+            <a:schemeClr val="accent2"/>
+          </a:effectRef>
+          <a:fontRef idx="minor">
+            <a:schemeClr val="dk1"/>
+          </a:fontRef>
+        </p:style>
+        <p:txBody>
+          <a:bodyPr rtlCol="0" anchor="ctr"/>
+          <a:lstStyle/>
+          <a:p>
+            <a:pPr algn="ctr"/>
+            <a:r>
+              <a:rPr lang="en-US" sz="2800" dirty="0" smtClean="0">
+                <a:latin typeface="Calibri" pitchFamily="34" charset="0"/>
+              </a:rPr>
+              <a:t>Devices</a:t>
+            </a:r>
+          </a:p>
+        </p:txBody>
+      </p:sp>
+      <p:sp>
+        <p:nvSpPr>
+          <p:cNvPr id="15" name="TextBox 14"/>
+          <p:cNvSpPr txBox="1"/>
+          <p:nvPr/>
+        </p:nvSpPr>
+        <p:spPr>
+          <a:xfrm>
+            <a:off x="5986021" y="1828800"/>
+            <a:ext cx="3177029" cy="323165"/>
+          </a:xfrm>
+          <a:prstGeom prst="rect">
+            <a:avLst/>
+          </a:prstGeom>
+          <a:noFill/>
+        </p:spPr>
+        <p:txBody>
+          <a:bodyPr wrap="square" rtlCol="0">
+            <a:spAutoFit/>
+          </a:bodyPr>
+          <a:lstStyle/>
+          <a:p>
+            <a:r>
+              <a:rPr lang="en-US" sz="1500" dirty="0" err="1" smtClean="0">
+                <a:latin typeface="Courier New" panose="02070309020205020404" pitchFamily="49" charset="0"/>
+                <a:cs typeface="Courier New" panose="02070309020205020404" pitchFamily="49" charset="0"/>
+              </a:rPr>
+              <a:t>printf</a:t>
+            </a:r>
+            <a:r>
+              <a:rPr lang="en-US" sz="1500" dirty="0" smtClean="0">
+                <a:latin typeface="Courier New" panose="02070309020205020404" pitchFamily="49" charset="0"/>
+                <a:cs typeface="Courier New" panose="02070309020205020404" pitchFamily="49" charset="0"/>
+              </a:rPr>
+              <a:t>(“hello world”);</a:t>
+            </a:r>
+          </a:p>
+        </p:txBody>
+      </p:sp>
+    </p:spTree>
+    <p:extLst>
+      <p:ext uri="{BB962C8B-B14F-4D97-AF65-F5344CB8AC3E}">
+        <p14:creationId xmlns:p14="http://schemas.microsoft.com/office/powerpoint/2010/main" val="1752708887"/>
+      </p:ext>
+    </p:extLst>
+  </p:cSld>
+  <p:clrMapOvr>
+    <a:masterClrMapping/>
+  </p:clrMapOvr>
+  <mc:AlternateContent xmlns:mc="http://schemas.openxmlformats.org/markup-compatibility/2006" xmlns:p14="http://schemas.microsoft.com/office/powerpoint/2010/main">
+    <mc:Choice Requires="p14">
+      <p:transition p14:dur="100">
+        <p:fade/>
+      </p:transition>
+    </mc:Choice>
+    <mc:Fallback xmlns="">
+      <p:transition>
+        <p:fade/>
+      </p:transition>
+    </mc:Fallback>
+  </mc:AlternateContent>
+  <p:timing>
+    <p:tnLst>
+      <p:par>
+        <p:cTn id="1" dur="indefinite" restart="never" nodeType="tmRoot"/>
+      </p:par>
+    </p:tnLst>
+  </p:timing>
+</p:sld>
+</file>
+
+<file path=ppt/slides/slide6.xml><?xml version="1.0" encoding="utf-8"?>
+<p:sld xmlns:a="http://schemas.openxmlformats.org/drawingml/2006/main" xmlns:r="http://schemas.openxmlformats.org/officeDocument/2006/relationships" xmlns:p="http://schemas.openxmlformats.org/presentationml/2006/main">
+  <p:cSld>
+    <p:spTree>
+      <p:nvGrpSpPr>
+        <p:cNvPr id="1" name=""/>
+        <p:cNvGrpSpPr/>
+        <p:nvPr/>
+      </p:nvGrpSpPr>
+      <p:grpSpPr>
+        <a:xfrm>
+          <a:off x="0" y="0"/>
+          <a:ext cx="0" cy="0"/>
+          <a:chOff x="0" y="0"/>
+          <a:chExt cx="0" cy="0"/>
+        </a:xfrm>
+      </p:grpSpPr>
+      <p:sp>
+        <p:nvSpPr>
           <p:cNvPr id="2" name="Title 1"/>
           <p:cNvSpPr>
             <a:spLocks noGrp="1"/>
@@ -50140,7 +50616,7 @@
 </p:sld>
 </file>
 
-<file path=ppt/slides/slide6.xml><?xml version="1.0" encoding="utf-8"?>
+<file path=ppt/slides/slide7.xml><?xml version="1.0" encoding="utf-8"?>
 <p:sld xmlns:a="http://schemas.openxmlformats.org/drawingml/2006/main" xmlns:r="http://schemas.openxmlformats.org/officeDocument/2006/relationships" xmlns:p="http://schemas.openxmlformats.org/presentationml/2006/main">
   <p:cSld>
     <p:spTree>
@@ -50598,7 +51074,7 @@
 </p:sld>
 </file>
 
-<file path=ppt/slides/slide7.xml><?xml version="1.0" encoding="utf-8"?>
+<file path=ppt/slides/slide8.xml><?xml version="1.0" encoding="utf-8"?>
 <p:sld xmlns:a="http://schemas.openxmlformats.org/drawingml/2006/main" xmlns:r="http://schemas.openxmlformats.org/officeDocument/2006/relationships" xmlns:p="http://schemas.openxmlformats.org/presentationml/2006/main">
   <p:cSld>
     <p:spTree>
@@ -50784,7 +51260,7 @@
 </p:sld>
 </file>
 
-<file path=ppt/slides/slide8.xml><?xml version="1.0" encoding="utf-8"?>
+<file path=ppt/slides/slide9.xml><?xml version="1.0" encoding="utf-8"?>
 <p:sld xmlns:a="http://schemas.openxmlformats.org/drawingml/2006/main" xmlns:r="http://schemas.openxmlformats.org/officeDocument/2006/relationships" xmlns:p="http://schemas.openxmlformats.org/presentationml/2006/main">
   <p:cSld>
     <p:spTree>
@@ -50918,344 +51394,6 @@
     <p:extLst>
       <p:ext uri="{BB962C8B-B14F-4D97-AF65-F5344CB8AC3E}">
         <p14:creationId xmlns:p14="http://schemas.microsoft.com/office/powerpoint/2010/main" val="3691999700"/>
-      </p:ext>
-    </p:extLst>
-  </p:cSld>
-  <p:clrMapOvr>
-    <a:masterClrMapping/>
-  </p:clrMapOvr>
-  <mc:AlternateContent xmlns:mc="http://schemas.openxmlformats.org/markup-compatibility/2006" xmlns:p14="http://schemas.microsoft.com/office/powerpoint/2010/main">
-    <mc:Choice Requires="p14">
-      <p:transition p14:dur="100">
-        <p:fade/>
-      </p:transition>
-    </mc:Choice>
-    <mc:Fallback xmlns="">
-      <p:transition>
-        <p:fade/>
-      </p:transition>
-    </mc:Fallback>
-  </mc:AlternateContent>
-  <p:timing>
-    <p:tnLst>
-      <p:par>
-        <p:cTn id="1" dur="indefinite" restart="never" nodeType="tmRoot"/>
-      </p:par>
-    </p:tnLst>
-  </p:timing>
-</p:sld>
-</file>
-
-<file path=ppt/slides/slide9.xml><?xml version="1.0" encoding="utf-8"?>
-<p:sld xmlns:a="http://schemas.openxmlformats.org/drawingml/2006/main" xmlns:r="http://schemas.openxmlformats.org/officeDocument/2006/relationships" xmlns:p="http://schemas.openxmlformats.org/presentationml/2006/main">
-  <p:cSld>
-    <p:spTree>
-      <p:nvGrpSpPr>
-        <p:cNvPr id="1" name=""/>
-        <p:cNvGrpSpPr/>
-        <p:nvPr/>
-      </p:nvGrpSpPr>
-      <p:grpSpPr>
-        <a:xfrm>
-          <a:off x="0" y="0"/>
-          <a:ext cx="0" cy="0"/>
-          <a:chOff x="0" y="0"/>
-          <a:chExt cx="0" cy="0"/>
-        </a:xfrm>
-      </p:grpSpPr>
-      <p:sp>
-        <p:nvSpPr>
-          <p:cNvPr id="3" name="Title 2"/>
-          <p:cNvSpPr>
-            <a:spLocks noGrp="1"/>
-          </p:cNvSpPr>
-          <p:nvPr>
-            <p:ph type="title"/>
-          </p:nvPr>
-        </p:nvSpPr>
-        <p:spPr/>
-        <p:txBody>
-          <a:bodyPr/>
-          <a:lstStyle/>
-          <a:p>
-            <a:r>
-              <a:rPr lang="en-US" dirty="0" smtClean="0"/>
-              <a:t>Hello World on FPGA</a:t>
-            </a:r>
-            <a:endParaRPr lang="en-US" dirty="0"/>
-          </a:p>
-        </p:txBody>
-      </p:sp>
-      <p:graphicFrame>
-        <p:nvGraphicFramePr>
-          <p:cNvPr id="188" name="Object 187"/>
-          <p:cNvGraphicFramePr>
-            <a:graphicFrameLocks noChangeAspect="1"/>
-          </p:cNvGraphicFramePr>
-          <p:nvPr>
-            <p:extLst>
-              <p:ext uri="{D42A27DB-BD31-4B8C-83A1-F6EECF244321}">
-                <p14:modId xmlns:p14="http://schemas.microsoft.com/office/powerpoint/2010/main" val="2488656129"/>
-              </p:ext>
-            </p:extLst>
-          </p:nvPr>
-        </p:nvGraphicFramePr>
-        <p:xfrm>
-          <a:off x="958025" y="-152400"/>
-          <a:ext cx="6413500" cy="3806825"/>
-        </p:xfrm>
-        <a:graphic>
-          <a:graphicData uri="http://schemas.openxmlformats.org/presentationml/2006/ole">
-            <mc:AlternateContent xmlns:mc="http://schemas.openxmlformats.org/markup-compatibility/2006">
-              <mc:Choice xmlns:v="urn:schemas-microsoft-com:vml" Requires="v">
-                <p:oleObj spid="_x0000_s1055" name="Document" r:id="rId3" imgW="6414199" imgH="3806423" progId="Word.Document.12">
-                  <p:embed/>
-                </p:oleObj>
-              </mc:Choice>
-              <mc:Fallback>
-                <p:oleObj name="Document" r:id="rId3" imgW="6414199" imgH="3806423" progId="Word.Document.12">
-                  <p:embed/>
-                  <p:pic>
-                    <p:nvPicPr>
-                      <p:cNvPr id="0" name=""/>
-                      <p:cNvPicPr/>
-                      <p:nvPr/>
-                    </p:nvPicPr>
-                    <p:blipFill>
-                      <a:blip r:embed="rId4"/>
-                      <a:stretch>
-                        <a:fillRect/>
-                      </a:stretch>
-                    </p:blipFill>
-                    <p:spPr>
-                      <a:xfrm>
-                        <a:off x="958025" y="-152400"/>
-                        <a:ext cx="6413500" cy="3806825"/>
-                      </a:xfrm>
-                      <a:prstGeom prst="rect">
-                        <a:avLst/>
-                      </a:prstGeom>
-                    </p:spPr>
-                  </p:pic>
-                </p:oleObj>
-              </mc:Fallback>
-            </mc:AlternateContent>
-          </a:graphicData>
-        </a:graphic>
-      </p:graphicFrame>
-      <p:sp>
-        <p:nvSpPr>
-          <p:cNvPr id="189" name="TextBox 188"/>
-          <p:cNvSpPr txBox="1"/>
-          <p:nvPr/>
-        </p:nvSpPr>
-        <p:spPr>
-          <a:xfrm>
-            <a:off x="2050903" y="3821668"/>
-            <a:ext cx="5010154" cy="369332"/>
-          </a:xfrm>
-          <a:prstGeom prst="rect">
-            <a:avLst/>
-          </a:prstGeom>
-          <a:noFill/>
-        </p:spPr>
-        <p:txBody>
-          <a:bodyPr wrap="none" rtlCol="0">
-            <a:spAutoFit/>
-          </a:bodyPr>
-          <a:lstStyle/>
-          <a:p>
-            <a:r>
-              <a:rPr lang="en-US" dirty="0" smtClean="0">
-                <a:latin typeface="Calibri" pitchFamily="34" charset="0"/>
-              </a:rPr>
-              <a:t>(Excerpt from 300 page Xilinx 7 Series </a:t>
-            </a:r>
-            <a:r>
-              <a:rPr lang="en-US" dirty="0" err="1" smtClean="0">
-                <a:latin typeface="Calibri" pitchFamily="34" charset="0"/>
-              </a:rPr>
-              <a:t>PCIe</a:t>
-            </a:r>
-            <a:r>
-              <a:rPr lang="en-US" dirty="0" smtClean="0">
-                <a:latin typeface="Calibri" pitchFamily="34" charset="0"/>
-              </a:rPr>
-              <a:t> Manual)</a:t>
-            </a:r>
-          </a:p>
-        </p:txBody>
-      </p:sp>
-      <p:sp>
-        <p:nvSpPr>
-          <p:cNvPr id="5" name="Content Placeholder 2"/>
-          <p:cNvSpPr txBox="1">
-            <a:spLocks/>
-          </p:cNvSpPr>
-          <p:nvPr/>
-        </p:nvSpPr>
-        <p:spPr>
-          <a:xfrm>
-            <a:off x="454026" y="5103216"/>
-            <a:ext cx="8154981" cy="1362067"/>
-          </a:xfrm>
-          <a:prstGeom prst="rect">
-            <a:avLst/>
-          </a:prstGeom>
-          <a:noFill/>
-          <a:ln>
-            <a:noFill/>
-          </a:ln>
-        </p:spPr>
-        <p:txBody>
-          <a:bodyPr vert="horz" wrap="square" lIns="0" tIns="0" rIns="0" bIns="0" anchor="t" anchorCtr="0" compatLnSpc="1"/>
-          <a:lstStyle>
-            <a:lvl1pPr marL="0" marR="0" lvl="0" indent="0" algn="l" defTabSz="914400" rtl="0" fontAlgn="auto" hangingPunct="1">
-              <a:lnSpc>
-                <a:spcPct val="100000"/>
-              </a:lnSpc>
-              <a:spcBef>
-                <a:spcPts val="2000"/>
-              </a:spcBef>
-              <a:spcAft>
-                <a:spcPts val="0"/>
-              </a:spcAft>
-              <a:buNone/>
-              <a:tabLst/>
-              <a:defRPr lang="en-US" sz="2300" b="0" i="0" u="none" strike="noStrike" kern="0" cap="none" spc="0" baseline="0">
-                <a:solidFill>
-                  <a:srgbClr val="061922"/>
-                </a:solidFill>
-                <a:uFillTx/>
-                <a:latin typeface="Calibri" pitchFamily="34"/>
-                <a:cs typeface="Calibri"/>
-              </a:defRPr>
-            </a:lvl1pPr>
-            <a:lvl2pPr marL="155448" marR="0" lvl="1" indent="-182880" algn="l" defTabSz="914400" rtl="0" fontAlgn="auto" hangingPunct="1">
-              <a:lnSpc>
-                <a:spcPct val="100000"/>
-              </a:lnSpc>
-              <a:spcBef>
-                <a:spcPts val="1100"/>
-              </a:spcBef>
-              <a:spcAft>
-                <a:spcPts val="0"/>
-              </a:spcAft>
-              <a:buClr>
-                <a:srgbClr val="061922"/>
-              </a:buClr>
-              <a:buSzPct val="85000"/>
-              <a:buFont typeface="Calibri" pitchFamily="18"/>
-              <a:buChar char="•"/>
-              <a:tabLst/>
-              <a:defRPr lang="en-US" sz="2300" b="0" i="0" u="none" strike="noStrike" kern="0" cap="none" spc="0" baseline="0">
-                <a:solidFill>
-                  <a:srgbClr val="061922"/>
-                </a:solidFill>
-                <a:uFillTx/>
-                <a:latin typeface="Calibri" pitchFamily="34"/>
-                <a:cs typeface="Calibri"/>
-              </a:defRPr>
-            </a:lvl2pPr>
-            <a:lvl3pPr marL="365760" marR="0" lvl="2" indent="-182880" algn="l" defTabSz="914400" rtl="0" fontAlgn="auto" hangingPunct="1">
-              <a:lnSpc>
-                <a:spcPct val="100000"/>
-              </a:lnSpc>
-              <a:spcBef>
-                <a:spcPts val="500"/>
-              </a:spcBef>
-              <a:spcAft>
-                <a:spcPts val="0"/>
-              </a:spcAft>
-              <a:buClr>
-                <a:srgbClr val="061922"/>
-              </a:buClr>
-              <a:buSzPct val="85000"/>
-              <a:buFont typeface="Calibri" pitchFamily="34"/>
-              <a:buChar char="–"/>
-              <a:tabLst/>
-              <a:defRPr lang="en-US" sz="2100" b="0" i="0" u="none" strike="noStrike" kern="0" cap="none" spc="0" baseline="0">
-                <a:solidFill>
-                  <a:srgbClr val="061922"/>
-                </a:solidFill>
-                <a:uFillTx/>
-                <a:latin typeface="Calibri" pitchFamily="34"/>
-                <a:cs typeface="Calibri"/>
-              </a:defRPr>
-            </a:lvl3pPr>
-            <a:lvl4pPr marL="568327" marR="0" lvl="3" indent="-182880" algn="l" defTabSz="914400" rtl="0" fontAlgn="auto" hangingPunct="1">
-              <a:lnSpc>
-                <a:spcPct val="100000"/>
-              </a:lnSpc>
-              <a:spcBef>
-                <a:spcPts val="500"/>
-              </a:spcBef>
-              <a:spcAft>
-                <a:spcPts val="0"/>
-              </a:spcAft>
-              <a:buClr>
-                <a:srgbClr val="061922"/>
-              </a:buClr>
-              <a:buSzPct val="85000"/>
-              <a:buFont typeface="Calibri" pitchFamily="34"/>
-              <a:buChar char="•"/>
-              <a:tabLst/>
-              <a:defRPr lang="en-US" sz="1900" b="0" i="0" u="none" strike="noStrike" kern="0" cap="none" spc="0" baseline="0">
-                <a:solidFill>
-                  <a:srgbClr val="061922"/>
-                </a:solidFill>
-                <a:uFillTx/>
-                <a:latin typeface="Calibri" pitchFamily="34"/>
-                <a:cs typeface="Calibri"/>
-              </a:defRPr>
-            </a:lvl4pPr>
-            <a:lvl5pPr marL="761996" marR="0" lvl="4" indent="-146304" algn="l" defTabSz="914400" rtl="0" fontAlgn="auto" hangingPunct="1">
-              <a:lnSpc>
-                <a:spcPct val="100000"/>
-              </a:lnSpc>
-              <a:spcBef>
-                <a:spcPts val="400"/>
-              </a:spcBef>
-              <a:spcAft>
-                <a:spcPts val="0"/>
-              </a:spcAft>
-              <a:buClr>
-                <a:srgbClr val="061922"/>
-              </a:buClr>
-              <a:buSzPct val="85000"/>
-              <a:buFont typeface="Calibri" pitchFamily="34" charset="0"/>
-              <a:buChar char="–"/>
-              <a:tabLst/>
-              <a:defRPr lang="en-US" sz="1800" b="0" i="0" u="none" strike="noStrike" kern="0" cap="none" spc="0" baseline="0">
-                <a:solidFill>
-                  <a:srgbClr val="061922"/>
-                </a:solidFill>
-                <a:uFillTx/>
-                <a:latin typeface="Calibri" pitchFamily="34"/>
-                <a:cs typeface="Calibri"/>
-              </a:defRPr>
-            </a:lvl5pPr>
-          </a:lstStyle>
-          <a:p>
-            <a:pPr lvl="1"/>
-            <a:r>
-              <a:rPr lang="en-US" dirty="0" smtClean="0"/>
-              <a:t>AAAAAAAAAAAAAAAAAH!</a:t>
-            </a:r>
-          </a:p>
-          <a:p>
-            <a:pPr lvl="1"/>
-            <a:r>
-              <a:rPr lang="en-US" dirty="0" smtClean="0"/>
-              <a:t>All the software programmers resigned in protest</a:t>
-            </a:r>
-          </a:p>
-        </p:txBody>
-      </p:sp>
-    </p:spTree>
-    <p:extLst>
-      <p:ext uri="{BB962C8B-B14F-4D97-AF65-F5344CB8AC3E}">
-        <p14:creationId xmlns:p14="http://schemas.microsoft.com/office/powerpoint/2010/main" val="17079846"/>
       </p:ext>
     </p:extLst>
   </p:cSld>
